--- a/diagrams.pptx
+++ b/diagrams.pptx
@@ -6,6 +6,10 @@
   </p:sldMasterIdLst>
   <p:sldIdLst>
     <p:sldId id="256" r:id="rId2"/>
+    <p:sldId id="260" r:id="rId3"/>
+    <p:sldId id="258" r:id="rId4"/>
+    <p:sldId id="259" r:id="rId5"/>
+    <p:sldId id="261" r:id="rId6"/>
   </p:sldIdLst>
   <p:sldSz cx="12192000" cy="6858000"/>
   <p:notesSz cx="6858000" cy="9144000"/>
@@ -104,6 +108,11 @@
       </a:defRPr>
     </a:lvl9pPr>
   </p:defaultTextStyle>
+  <p:extLst>
+    <p:ext uri="{EFAFB233-063F-42B5-8137-9DF3F51BA10A}">
+      <p15:sldGuideLst xmlns:p15="http://schemas.microsoft.com/office/powerpoint/2012/main"/>
+    </p:ext>
+  </p:extLst>
 </p:presentation>
 </file>
 
@@ -256,7 +265,7 @@
           <a:p>
             <a:fld id="{7FE2B13C-DC6C-4B99-840F-B9F42039DA66}" type="datetimeFigureOut">
               <a:rPr lang="en-GB" smtClean="0"/>
-              <a:t>24/02/2021</a:t>
+              <a:t>26/02/2021</a:t>
             </a:fld>
             <a:endParaRPr lang="en-GB"/>
           </a:p>
@@ -456,7 +465,7 @@
           <a:p>
             <a:fld id="{7FE2B13C-DC6C-4B99-840F-B9F42039DA66}" type="datetimeFigureOut">
               <a:rPr lang="en-GB" smtClean="0"/>
-              <a:t>24/02/2021</a:t>
+              <a:t>26/02/2021</a:t>
             </a:fld>
             <a:endParaRPr lang="en-GB"/>
           </a:p>
@@ -666,7 +675,7 @@
           <a:p>
             <a:fld id="{7FE2B13C-DC6C-4B99-840F-B9F42039DA66}" type="datetimeFigureOut">
               <a:rPr lang="en-GB" smtClean="0"/>
-              <a:t>24/02/2021</a:t>
+              <a:t>26/02/2021</a:t>
             </a:fld>
             <a:endParaRPr lang="en-GB"/>
           </a:p>
@@ -866,7 +875,7 @@
           <a:p>
             <a:fld id="{7FE2B13C-DC6C-4B99-840F-B9F42039DA66}" type="datetimeFigureOut">
               <a:rPr lang="en-GB" smtClean="0"/>
-              <a:t>24/02/2021</a:t>
+              <a:t>26/02/2021</a:t>
             </a:fld>
             <a:endParaRPr lang="en-GB"/>
           </a:p>
@@ -1142,7 +1151,7 @@
           <a:p>
             <a:fld id="{7FE2B13C-DC6C-4B99-840F-B9F42039DA66}" type="datetimeFigureOut">
               <a:rPr lang="en-GB" smtClean="0"/>
-              <a:t>24/02/2021</a:t>
+              <a:t>26/02/2021</a:t>
             </a:fld>
             <a:endParaRPr lang="en-GB"/>
           </a:p>
@@ -1410,7 +1419,7 @@
           <a:p>
             <a:fld id="{7FE2B13C-DC6C-4B99-840F-B9F42039DA66}" type="datetimeFigureOut">
               <a:rPr lang="en-GB" smtClean="0"/>
-              <a:t>24/02/2021</a:t>
+              <a:t>26/02/2021</a:t>
             </a:fld>
             <a:endParaRPr lang="en-GB"/>
           </a:p>
@@ -1825,7 +1834,7 @@
           <a:p>
             <a:fld id="{7FE2B13C-DC6C-4B99-840F-B9F42039DA66}" type="datetimeFigureOut">
               <a:rPr lang="en-GB" smtClean="0"/>
-              <a:t>24/02/2021</a:t>
+              <a:t>26/02/2021</a:t>
             </a:fld>
             <a:endParaRPr lang="en-GB"/>
           </a:p>
@@ -1967,7 +1976,7 @@
           <a:p>
             <a:fld id="{7FE2B13C-DC6C-4B99-840F-B9F42039DA66}" type="datetimeFigureOut">
               <a:rPr lang="en-GB" smtClean="0"/>
-              <a:t>24/02/2021</a:t>
+              <a:t>26/02/2021</a:t>
             </a:fld>
             <a:endParaRPr lang="en-GB"/>
           </a:p>
@@ -2080,7 +2089,7 @@
           <a:p>
             <a:fld id="{7FE2B13C-DC6C-4B99-840F-B9F42039DA66}" type="datetimeFigureOut">
               <a:rPr lang="en-GB" smtClean="0"/>
-              <a:t>24/02/2021</a:t>
+              <a:t>26/02/2021</a:t>
             </a:fld>
             <a:endParaRPr lang="en-GB"/>
           </a:p>
@@ -2393,7 +2402,7 @@
           <a:p>
             <a:fld id="{7FE2B13C-DC6C-4B99-840F-B9F42039DA66}" type="datetimeFigureOut">
               <a:rPr lang="en-GB" smtClean="0"/>
-              <a:t>24/02/2021</a:t>
+              <a:t>26/02/2021</a:t>
             </a:fld>
             <a:endParaRPr lang="en-GB"/>
           </a:p>
@@ -2682,7 +2691,7 @@
           <a:p>
             <a:fld id="{7FE2B13C-DC6C-4B99-840F-B9F42039DA66}" type="datetimeFigureOut">
               <a:rPr lang="en-GB" smtClean="0"/>
-              <a:t>24/02/2021</a:t>
+              <a:t>26/02/2021</a:t>
             </a:fld>
             <a:endParaRPr lang="en-GB"/>
           </a:p>
@@ -2925,7 +2934,7 @@
           <a:p>
             <a:fld id="{7FE2B13C-DC6C-4B99-840F-B9F42039DA66}" type="datetimeFigureOut">
               <a:rPr lang="en-GB" smtClean="0"/>
-              <a:t>24/02/2021</a:t>
+              <a:t>26/02/2021</a:t>
             </a:fld>
             <a:endParaRPr lang="en-GB"/>
           </a:p>
@@ -3342,6 +3351,678 @@
           <a:chExt cx="0" cy="0"/>
         </a:xfrm>
       </p:grpSpPr>
+      <p:grpSp>
+        <p:nvGrpSpPr>
+          <p:cNvPr id="3" name="Group 2">
+            <a:extLst>
+              <a:ext uri="{FF2B5EF4-FFF2-40B4-BE49-F238E27FC236}">
+                <a16:creationId xmlns:a16="http://schemas.microsoft.com/office/drawing/2014/main" id="{9F90C0E0-6ACB-4FFA-B11A-1541CC24D269}"/>
+              </a:ext>
+            </a:extLst>
+          </p:cNvPr>
+          <p:cNvGrpSpPr/>
+          <p:nvPr/>
+        </p:nvGrpSpPr>
+        <p:grpSpPr>
+          <a:xfrm>
+            <a:off x="2755642" y="1677457"/>
+            <a:ext cx="3074780" cy="1408922"/>
+            <a:chOff x="2609347" y="1677457"/>
+            <a:chExt cx="3074780" cy="1408922"/>
+          </a:xfrm>
+        </p:grpSpPr>
+        <p:sp>
+          <p:nvSpPr>
+            <p:cNvPr id="7" name="Oval 6">
+              <a:extLst>
+                <a:ext uri="{FF2B5EF4-FFF2-40B4-BE49-F238E27FC236}">
+                  <a16:creationId xmlns:a16="http://schemas.microsoft.com/office/drawing/2014/main" id="{58FCF1B1-0F57-40CF-8824-75B4D93EEB54}"/>
+                </a:ext>
+              </a:extLst>
+            </p:cNvPr>
+            <p:cNvSpPr/>
+            <p:nvPr/>
+          </p:nvSpPr>
+          <p:spPr>
+            <a:xfrm>
+              <a:off x="2609347" y="1677457"/>
+              <a:ext cx="1429139" cy="1408922"/>
+            </a:xfrm>
+            <a:prstGeom prst="ellipse">
+              <a:avLst/>
+            </a:prstGeom>
+            <a:solidFill>
+              <a:schemeClr val="bg2">
+                <a:lumMod val="50000"/>
+                <a:alpha val="50000"/>
+              </a:schemeClr>
+            </a:solidFill>
+            <a:ln>
+              <a:solidFill>
+                <a:schemeClr val="bg2">
+                  <a:lumMod val="50000"/>
+                </a:schemeClr>
+              </a:solidFill>
+            </a:ln>
+          </p:spPr>
+          <p:style>
+            <a:lnRef idx="2">
+              <a:schemeClr val="accent1">
+                <a:shade val="50000"/>
+              </a:schemeClr>
+            </a:lnRef>
+            <a:fillRef idx="1">
+              <a:schemeClr val="accent1"/>
+            </a:fillRef>
+            <a:effectRef idx="0">
+              <a:schemeClr val="accent1"/>
+            </a:effectRef>
+            <a:fontRef idx="minor">
+              <a:schemeClr val="lt1"/>
+            </a:fontRef>
+          </p:style>
+          <p:txBody>
+            <a:bodyPr lIns="46800" rIns="46800" rtlCol="0" anchor="ctr"/>
+            <a:lstStyle/>
+            <a:p>
+              <a:pPr algn="ctr"/>
+              <a:r>
+                <a:rPr lang="en-GB" dirty="0">
+                  <a:solidFill>
+                    <a:schemeClr val="tx1"/>
+                  </a:solidFill>
+                </a:rPr>
+                <a:t>CMP</a:t>
+              </a:r>
+            </a:p>
+            <a:p>
+              <a:pPr algn="ctr"/>
+              <a:r>
+                <a:rPr lang="en-GB" dirty="0">
+                  <a:solidFill>
+                    <a:schemeClr val="tx1"/>
+                  </a:solidFill>
+                </a:rPr>
+                <a:t>A</a:t>
+              </a:r>
+            </a:p>
+          </p:txBody>
+        </p:sp>
+        <p:sp>
+          <p:nvSpPr>
+            <p:cNvPr id="8" name="Oval 7">
+              <a:extLst>
+                <a:ext uri="{FF2B5EF4-FFF2-40B4-BE49-F238E27FC236}">
+                  <a16:creationId xmlns:a16="http://schemas.microsoft.com/office/drawing/2014/main" id="{E3BD2185-3121-42F5-8B64-9C4A02B5C317}"/>
+                </a:ext>
+              </a:extLst>
+            </p:cNvPr>
+            <p:cNvSpPr/>
+            <p:nvPr/>
+          </p:nvSpPr>
+          <p:spPr>
+            <a:xfrm>
+              <a:off x="4254988" y="1677457"/>
+              <a:ext cx="1429139" cy="1408922"/>
+            </a:xfrm>
+            <a:prstGeom prst="ellipse">
+              <a:avLst/>
+            </a:prstGeom>
+            <a:solidFill>
+              <a:schemeClr val="bg2">
+                <a:lumMod val="50000"/>
+                <a:alpha val="50000"/>
+              </a:schemeClr>
+            </a:solidFill>
+            <a:ln>
+              <a:solidFill>
+                <a:schemeClr val="bg2">
+                  <a:lumMod val="50000"/>
+                </a:schemeClr>
+              </a:solidFill>
+            </a:ln>
+          </p:spPr>
+          <p:style>
+            <a:lnRef idx="2">
+              <a:schemeClr val="accent1">
+                <a:shade val="50000"/>
+              </a:schemeClr>
+            </a:lnRef>
+            <a:fillRef idx="1">
+              <a:schemeClr val="accent1"/>
+            </a:fillRef>
+            <a:effectRef idx="0">
+              <a:schemeClr val="accent1"/>
+            </a:effectRef>
+            <a:fontRef idx="minor">
+              <a:schemeClr val="lt1"/>
+            </a:fontRef>
+          </p:style>
+          <p:txBody>
+            <a:bodyPr lIns="46800" rIns="46800" rtlCol="0" anchor="ctr"/>
+            <a:lstStyle/>
+            <a:p>
+              <a:pPr algn="ctr"/>
+              <a:r>
+                <a:rPr lang="en-GB" dirty="0">
+                  <a:solidFill>
+                    <a:schemeClr val="tx1"/>
+                  </a:solidFill>
+                </a:rPr>
+                <a:t>CMP</a:t>
+              </a:r>
+            </a:p>
+            <a:p>
+              <a:pPr algn="ctr"/>
+              <a:r>
+                <a:rPr lang="en-GB" dirty="0">
+                  <a:solidFill>
+                    <a:schemeClr val="tx1"/>
+                  </a:solidFill>
+                </a:rPr>
+                <a:t>B</a:t>
+              </a:r>
+            </a:p>
+          </p:txBody>
+        </p:sp>
+      </p:grpSp>
+      <p:cxnSp>
+        <p:nvCxnSpPr>
+          <p:cNvPr id="24" name="Straight Connector 23">
+            <a:extLst>
+              <a:ext uri="{FF2B5EF4-FFF2-40B4-BE49-F238E27FC236}">
+                <a16:creationId xmlns:a16="http://schemas.microsoft.com/office/drawing/2014/main" id="{AF5AAFB4-7D6B-4A29-B397-3EB3A6BCC208}"/>
+              </a:ext>
+            </a:extLst>
+          </p:cNvPr>
+          <p:cNvCxnSpPr>
+            <a:cxnSpLocks/>
+          </p:cNvCxnSpPr>
+          <p:nvPr/>
+        </p:nvCxnSpPr>
+        <p:spPr>
+          <a:xfrm>
+            <a:off x="2013136" y="3168022"/>
+            <a:ext cx="4559792" cy="0"/>
+          </a:xfrm>
+          <a:prstGeom prst="line">
+            <a:avLst/>
+          </a:prstGeom>
+          <a:ln w="25400">
+            <a:solidFill>
+              <a:schemeClr val="tx1"/>
+            </a:solidFill>
+            <a:prstDash val="dashDot"/>
+          </a:ln>
+        </p:spPr>
+        <p:style>
+          <a:lnRef idx="1">
+            <a:schemeClr val="accent1"/>
+          </a:lnRef>
+          <a:fillRef idx="0">
+            <a:schemeClr val="accent1"/>
+          </a:fillRef>
+          <a:effectRef idx="0">
+            <a:schemeClr val="accent1"/>
+          </a:effectRef>
+          <a:fontRef idx="minor">
+            <a:schemeClr val="tx1"/>
+          </a:fontRef>
+        </p:style>
+      </p:cxnSp>
+      <p:grpSp>
+        <p:nvGrpSpPr>
+          <p:cNvPr id="2" name="Group 1">
+            <a:extLst>
+              <a:ext uri="{FF2B5EF4-FFF2-40B4-BE49-F238E27FC236}">
+                <a16:creationId xmlns:a16="http://schemas.microsoft.com/office/drawing/2014/main" id="{F03D5808-A419-47E3-A97E-F8A80E64AA75}"/>
+              </a:ext>
+            </a:extLst>
+          </p:cNvPr>
+          <p:cNvGrpSpPr/>
+          <p:nvPr/>
+        </p:nvGrpSpPr>
+        <p:grpSpPr>
+          <a:xfrm>
+            <a:off x="2013136" y="3249666"/>
+            <a:ext cx="4559792" cy="884777"/>
+            <a:chOff x="2013136" y="3249666"/>
+            <a:chExt cx="4559792" cy="884777"/>
+          </a:xfrm>
+        </p:grpSpPr>
+        <p:sp>
+          <p:nvSpPr>
+            <p:cNvPr id="14" name="Oval 13">
+              <a:extLst>
+                <a:ext uri="{FF2B5EF4-FFF2-40B4-BE49-F238E27FC236}">
+                  <a16:creationId xmlns:a16="http://schemas.microsoft.com/office/drawing/2014/main" id="{FACDC9C0-465F-492B-95FD-498C79A71A49}"/>
+                </a:ext>
+              </a:extLst>
+            </p:cNvPr>
+            <p:cNvSpPr/>
+            <p:nvPr/>
+          </p:nvSpPr>
+          <p:spPr>
+            <a:xfrm>
+              <a:off x="2013136" y="3251720"/>
+              <a:ext cx="873854" cy="876516"/>
+            </a:xfrm>
+            <a:prstGeom prst="ellipse">
+              <a:avLst/>
+            </a:prstGeom>
+            <a:solidFill>
+              <a:schemeClr val="accent2">
+                <a:lumMod val="60000"/>
+                <a:lumOff val="40000"/>
+                <a:alpha val="50000"/>
+              </a:schemeClr>
+            </a:solidFill>
+            <a:ln>
+              <a:solidFill>
+                <a:schemeClr val="bg2">
+                  <a:lumMod val="50000"/>
+                </a:schemeClr>
+              </a:solidFill>
+            </a:ln>
+          </p:spPr>
+          <p:style>
+            <a:lnRef idx="2">
+              <a:schemeClr val="accent1">
+                <a:shade val="50000"/>
+              </a:schemeClr>
+            </a:lnRef>
+            <a:fillRef idx="1">
+              <a:schemeClr val="accent1"/>
+            </a:fillRef>
+            <a:effectRef idx="0">
+              <a:schemeClr val="accent1"/>
+            </a:effectRef>
+            <a:fontRef idx="minor">
+              <a:schemeClr val="lt1"/>
+            </a:fontRef>
+          </p:style>
+          <p:txBody>
+            <a:bodyPr lIns="46800" rIns="46800" rtlCol="0" anchor="ctr"/>
+            <a:lstStyle/>
+            <a:p>
+              <a:pPr algn="ctr"/>
+              <a:r>
+                <a:rPr lang="en-GB" dirty="0">
+                  <a:solidFill>
+                    <a:schemeClr val="tx1"/>
+                  </a:solidFill>
+                </a:rPr>
+                <a:t>3PCs</a:t>
+              </a:r>
+            </a:p>
+          </p:txBody>
+        </p:sp>
+        <p:sp>
+          <p:nvSpPr>
+            <p:cNvPr id="15" name="Oval 14">
+              <a:extLst>
+                <a:ext uri="{FF2B5EF4-FFF2-40B4-BE49-F238E27FC236}">
+                  <a16:creationId xmlns:a16="http://schemas.microsoft.com/office/drawing/2014/main" id="{48174BAA-F4FB-4CB4-B747-9696BAED1B3F}"/>
+                </a:ext>
+              </a:extLst>
+            </p:cNvPr>
+            <p:cNvSpPr/>
+            <p:nvPr/>
+          </p:nvSpPr>
+          <p:spPr>
+            <a:xfrm>
+              <a:off x="2750324" y="3249666"/>
+              <a:ext cx="873854" cy="876516"/>
+            </a:xfrm>
+            <a:prstGeom prst="ellipse">
+              <a:avLst/>
+            </a:prstGeom>
+            <a:solidFill>
+              <a:schemeClr val="accent2">
+                <a:lumMod val="60000"/>
+                <a:lumOff val="40000"/>
+                <a:alpha val="50000"/>
+              </a:schemeClr>
+            </a:solidFill>
+            <a:ln>
+              <a:solidFill>
+                <a:schemeClr val="bg2">
+                  <a:lumMod val="50000"/>
+                </a:schemeClr>
+              </a:solidFill>
+            </a:ln>
+          </p:spPr>
+          <p:style>
+            <a:lnRef idx="2">
+              <a:schemeClr val="accent1">
+                <a:shade val="50000"/>
+              </a:schemeClr>
+            </a:lnRef>
+            <a:fillRef idx="1">
+              <a:schemeClr val="accent1"/>
+            </a:fillRef>
+            <a:effectRef idx="0">
+              <a:schemeClr val="accent1"/>
+            </a:effectRef>
+            <a:fontRef idx="minor">
+              <a:schemeClr val="lt1"/>
+            </a:fontRef>
+          </p:style>
+          <p:txBody>
+            <a:bodyPr lIns="46800" rIns="46800" rtlCol="0" anchor="ctr"/>
+            <a:lstStyle/>
+            <a:p>
+              <a:pPr algn="ctr"/>
+              <a:r>
+                <a:rPr lang="en-GB" dirty="0">
+                  <a:solidFill>
+                    <a:schemeClr val="tx1"/>
+                  </a:solidFill>
+                </a:rPr>
+                <a:t>3PCs</a:t>
+              </a:r>
+            </a:p>
+          </p:txBody>
+        </p:sp>
+        <p:sp>
+          <p:nvSpPr>
+            <p:cNvPr id="17" name="Oval 16">
+              <a:extLst>
+                <a:ext uri="{FF2B5EF4-FFF2-40B4-BE49-F238E27FC236}">
+                  <a16:creationId xmlns:a16="http://schemas.microsoft.com/office/drawing/2014/main" id="{81EACCFB-EC97-4292-BBC1-AE63E0F64A85}"/>
+                </a:ext>
+              </a:extLst>
+            </p:cNvPr>
+            <p:cNvSpPr/>
+            <p:nvPr/>
+          </p:nvSpPr>
+          <p:spPr>
+            <a:xfrm>
+              <a:off x="3487512" y="3249666"/>
+              <a:ext cx="873854" cy="876516"/>
+            </a:xfrm>
+            <a:prstGeom prst="ellipse">
+              <a:avLst/>
+            </a:prstGeom>
+            <a:solidFill>
+              <a:schemeClr val="accent2">
+                <a:lumMod val="60000"/>
+                <a:lumOff val="40000"/>
+                <a:alpha val="50000"/>
+              </a:schemeClr>
+            </a:solidFill>
+            <a:ln>
+              <a:solidFill>
+                <a:schemeClr val="bg2">
+                  <a:lumMod val="50000"/>
+                </a:schemeClr>
+              </a:solidFill>
+            </a:ln>
+          </p:spPr>
+          <p:style>
+            <a:lnRef idx="2">
+              <a:schemeClr val="accent1">
+                <a:shade val="50000"/>
+              </a:schemeClr>
+            </a:lnRef>
+            <a:fillRef idx="1">
+              <a:schemeClr val="accent1"/>
+            </a:fillRef>
+            <a:effectRef idx="0">
+              <a:schemeClr val="accent1"/>
+            </a:effectRef>
+            <a:fontRef idx="minor">
+              <a:schemeClr val="lt1"/>
+            </a:fontRef>
+          </p:style>
+          <p:txBody>
+            <a:bodyPr lIns="46800" rIns="46800" rtlCol="0" anchor="ctr"/>
+            <a:lstStyle/>
+            <a:p>
+              <a:pPr algn="ctr"/>
+              <a:r>
+                <a:rPr lang="en-GB" dirty="0">
+                  <a:solidFill>
+                    <a:schemeClr val="tx1"/>
+                  </a:solidFill>
+                </a:rPr>
+                <a:t>3PCs</a:t>
+              </a:r>
+            </a:p>
+          </p:txBody>
+        </p:sp>
+        <p:sp>
+          <p:nvSpPr>
+            <p:cNvPr id="18" name="Oval 17">
+              <a:extLst>
+                <a:ext uri="{FF2B5EF4-FFF2-40B4-BE49-F238E27FC236}">
+                  <a16:creationId xmlns:a16="http://schemas.microsoft.com/office/drawing/2014/main" id="{7C59D9D4-9FA2-404E-9E4C-7E20D62694F8}"/>
+                </a:ext>
+              </a:extLst>
+            </p:cNvPr>
+            <p:cNvSpPr/>
+            <p:nvPr/>
+          </p:nvSpPr>
+          <p:spPr>
+            <a:xfrm>
+              <a:off x="4224700" y="3249666"/>
+              <a:ext cx="873854" cy="876516"/>
+            </a:xfrm>
+            <a:prstGeom prst="ellipse">
+              <a:avLst/>
+            </a:prstGeom>
+            <a:solidFill>
+              <a:schemeClr val="accent2">
+                <a:lumMod val="60000"/>
+                <a:lumOff val="40000"/>
+                <a:alpha val="50000"/>
+              </a:schemeClr>
+            </a:solidFill>
+            <a:ln>
+              <a:solidFill>
+                <a:schemeClr val="bg2">
+                  <a:lumMod val="50000"/>
+                </a:schemeClr>
+              </a:solidFill>
+            </a:ln>
+          </p:spPr>
+          <p:style>
+            <a:lnRef idx="2">
+              <a:schemeClr val="accent1">
+                <a:shade val="50000"/>
+              </a:schemeClr>
+            </a:lnRef>
+            <a:fillRef idx="1">
+              <a:schemeClr val="accent1"/>
+            </a:fillRef>
+            <a:effectRef idx="0">
+              <a:schemeClr val="accent1"/>
+            </a:effectRef>
+            <a:fontRef idx="minor">
+              <a:schemeClr val="lt1"/>
+            </a:fontRef>
+          </p:style>
+          <p:txBody>
+            <a:bodyPr lIns="46800" rIns="46800" rtlCol="0" anchor="ctr"/>
+            <a:lstStyle/>
+            <a:p>
+              <a:pPr algn="ctr"/>
+              <a:r>
+                <a:rPr lang="en-GB" dirty="0">
+                  <a:solidFill>
+                    <a:schemeClr val="tx1"/>
+                  </a:solidFill>
+                </a:rPr>
+                <a:t>3PCs</a:t>
+              </a:r>
+            </a:p>
+          </p:txBody>
+        </p:sp>
+        <p:sp>
+          <p:nvSpPr>
+            <p:cNvPr id="19" name="Oval 18">
+              <a:extLst>
+                <a:ext uri="{FF2B5EF4-FFF2-40B4-BE49-F238E27FC236}">
+                  <a16:creationId xmlns:a16="http://schemas.microsoft.com/office/drawing/2014/main" id="{42C04198-E15E-4C50-A8D4-8E7B8FF67431}"/>
+                </a:ext>
+              </a:extLst>
+            </p:cNvPr>
+            <p:cNvSpPr/>
+            <p:nvPr/>
+          </p:nvSpPr>
+          <p:spPr>
+            <a:xfrm>
+              <a:off x="4961888" y="3257927"/>
+              <a:ext cx="873854" cy="876516"/>
+            </a:xfrm>
+            <a:prstGeom prst="ellipse">
+              <a:avLst/>
+            </a:prstGeom>
+            <a:solidFill>
+              <a:schemeClr val="accent2">
+                <a:lumMod val="60000"/>
+                <a:lumOff val="40000"/>
+                <a:alpha val="50000"/>
+              </a:schemeClr>
+            </a:solidFill>
+            <a:ln>
+              <a:solidFill>
+                <a:schemeClr val="bg2">
+                  <a:lumMod val="50000"/>
+                </a:schemeClr>
+              </a:solidFill>
+            </a:ln>
+          </p:spPr>
+          <p:style>
+            <a:lnRef idx="2">
+              <a:schemeClr val="accent1">
+                <a:shade val="50000"/>
+              </a:schemeClr>
+            </a:lnRef>
+            <a:fillRef idx="1">
+              <a:schemeClr val="accent1"/>
+            </a:fillRef>
+            <a:effectRef idx="0">
+              <a:schemeClr val="accent1"/>
+            </a:effectRef>
+            <a:fontRef idx="minor">
+              <a:schemeClr val="lt1"/>
+            </a:fontRef>
+          </p:style>
+          <p:txBody>
+            <a:bodyPr lIns="46800" rIns="46800" rtlCol="0" anchor="ctr"/>
+            <a:lstStyle/>
+            <a:p>
+              <a:pPr algn="ctr"/>
+              <a:r>
+                <a:rPr lang="en-GB" dirty="0">
+                  <a:solidFill>
+                    <a:schemeClr val="tx1"/>
+                  </a:solidFill>
+                </a:rPr>
+                <a:t>3PCs</a:t>
+              </a:r>
+            </a:p>
+          </p:txBody>
+        </p:sp>
+        <p:sp>
+          <p:nvSpPr>
+            <p:cNvPr id="20" name="Oval 19">
+              <a:extLst>
+                <a:ext uri="{FF2B5EF4-FFF2-40B4-BE49-F238E27FC236}">
+                  <a16:creationId xmlns:a16="http://schemas.microsoft.com/office/drawing/2014/main" id="{D999B3D4-075A-41B0-9022-BE03E8C5D265}"/>
+                </a:ext>
+              </a:extLst>
+            </p:cNvPr>
+            <p:cNvSpPr/>
+            <p:nvPr/>
+          </p:nvSpPr>
+          <p:spPr>
+            <a:xfrm>
+              <a:off x="5699074" y="3249666"/>
+              <a:ext cx="873854" cy="876516"/>
+            </a:xfrm>
+            <a:prstGeom prst="ellipse">
+              <a:avLst/>
+            </a:prstGeom>
+            <a:solidFill>
+              <a:schemeClr val="accent2">
+                <a:lumMod val="60000"/>
+                <a:lumOff val="40000"/>
+                <a:alpha val="50000"/>
+              </a:schemeClr>
+            </a:solidFill>
+            <a:ln>
+              <a:solidFill>
+                <a:schemeClr val="bg2">
+                  <a:lumMod val="50000"/>
+                </a:schemeClr>
+              </a:solidFill>
+            </a:ln>
+          </p:spPr>
+          <p:style>
+            <a:lnRef idx="2">
+              <a:schemeClr val="accent1">
+                <a:shade val="50000"/>
+              </a:schemeClr>
+            </a:lnRef>
+            <a:fillRef idx="1">
+              <a:schemeClr val="accent1"/>
+            </a:fillRef>
+            <a:effectRef idx="0">
+              <a:schemeClr val="accent1"/>
+            </a:effectRef>
+            <a:fontRef idx="minor">
+              <a:schemeClr val="lt1"/>
+            </a:fontRef>
+          </p:style>
+          <p:txBody>
+            <a:bodyPr lIns="46800" rIns="46800" rtlCol="0" anchor="ctr"/>
+            <a:lstStyle/>
+            <a:p>
+              <a:pPr algn="ctr"/>
+              <a:r>
+                <a:rPr lang="en-GB" dirty="0">
+                  <a:solidFill>
+                    <a:schemeClr val="tx1"/>
+                  </a:solidFill>
+                </a:rPr>
+                <a:t>3PCs</a:t>
+              </a:r>
+            </a:p>
+          </p:txBody>
+        </p:sp>
+      </p:grpSp>
+    </p:spTree>
+    <p:extLst>
+      <p:ext uri="{BB962C8B-B14F-4D97-AF65-F5344CB8AC3E}">
+        <p14:creationId xmlns:p14="http://schemas.microsoft.com/office/powerpoint/2010/main" val="1280267770"/>
+      </p:ext>
+    </p:extLst>
+  </p:cSld>
+  <p:clrMapOvr>
+    <a:masterClrMapping/>
+  </p:clrMapOvr>
+</p:sld>
+</file>
+
+<file path=ppt/slides/slide2.xml><?xml version="1.0" encoding="utf-8"?>
+<p:sld xmlns:a="http://schemas.openxmlformats.org/drawingml/2006/main" xmlns:r="http://schemas.openxmlformats.org/officeDocument/2006/relationships" xmlns:p="http://schemas.openxmlformats.org/presentationml/2006/main">
+  <p:cSld>
+    <p:spTree>
+      <p:nvGrpSpPr>
+        <p:cNvPr id="1" name=""/>
+        <p:cNvGrpSpPr/>
+        <p:nvPr/>
+      </p:nvGrpSpPr>
+      <p:grpSpPr>
+        <a:xfrm>
+          <a:off x="0" y="0"/>
+          <a:ext cx="0" cy="0"/>
+          <a:chOff x="0" y="0"/>
+          <a:chExt cx="0" cy="0"/>
+        </a:xfrm>
+      </p:grpSpPr>
       <p:sp>
         <p:nvSpPr>
           <p:cNvPr id="4" name="Oval 3">
@@ -4118,7 +4799,5707 @@
     </p:spTree>
     <p:extLst>
       <p:ext uri="{BB962C8B-B14F-4D97-AF65-F5344CB8AC3E}">
-        <p14:creationId xmlns:p14="http://schemas.microsoft.com/office/powerpoint/2010/main" val="1280267770"/>
+        <p14:creationId xmlns:p14="http://schemas.microsoft.com/office/powerpoint/2010/main" val="1391368890"/>
+      </p:ext>
+    </p:extLst>
+  </p:cSld>
+  <p:clrMapOvr>
+    <a:masterClrMapping/>
+  </p:clrMapOvr>
+</p:sld>
+</file>
+
+<file path=ppt/slides/slide3.xml><?xml version="1.0" encoding="utf-8"?>
+<p:sld xmlns:a="http://schemas.openxmlformats.org/drawingml/2006/main" xmlns:r="http://schemas.openxmlformats.org/officeDocument/2006/relationships" xmlns:p="http://schemas.openxmlformats.org/presentationml/2006/main">
+  <p:cSld>
+    <p:spTree>
+      <p:nvGrpSpPr>
+        <p:cNvPr id="1" name=""/>
+        <p:cNvGrpSpPr/>
+        <p:nvPr/>
+      </p:nvGrpSpPr>
+      <p:grpSpPr>
+        <a:xfrm>
+          <a:off x="0" y="0"/>
+          <a:ext cx="0" cy="0"/>
+          <a:chOff x="0" y="0"/>
+          <a:chExt cx="0" cy="0"/>
+        </a:xfrm>
+      </p:grpSpPr>
+      <p:sp>
+        <p:nvSpPr>
+          <p:cNvPr id="20" name="Rectangle 19">
+            <a:extLst>
+              <a:ext uri="{FF2B5EF4-FFF2-40B4-BE49-F238E27FC236}">
+                <a16:creationId xmlns:a16="http://schemas.microsoft.com/office/drawing/2014/main" id="{90F31054-1E96-4D5E-88B2-50CEBCD77F19}"/>
+              </a:ext>
+            </a:extLst>
+          </p:cNvPr>
+          <p:cNvSpPr/>
+          <p:nvPr/>
+        </p:nvSpPr>
+        <p:spPr>
+          <a:xfrm>
+            <a:off x="1559059" y="2148257"/>
+            <a:ext cx="2378707" cy="2926046"/>
+          </a:xfrm>
+          <a:prstGeom prst="rect">
+            <a:avLst/>
+          </a:prstGeom>
+          <a:solidFill>
+            <a:schemeClr val="bg1">
+              <a:lumMod val="75000"/>
+            </a:schemeClr>
+          </a:solidFill>
+          <a:ln w="6350">
+            <a:solidFill>
+              <a:schemeClr val="tx1">
+                <a:lumMod val="75000"/>
+                <a:lumOff val="25000"/>
+              </a:schemeClr>
+            </a:solidFill>
+            <a:prstDash val="dash"/>
+          </a:ln>
+        </p:spPr>
+        <p:style>
+          <a:lnRef idx="2">
+            <a:schemeClr val="accent1">
+              <a:shade val="50000"/>
+            </a:schemeClr>
+          </a:lnRef>
+          <a:fillRef idx="1">
+            <a:schemeClr val="accent1"/>
+          </a:fillRef>
+          <a:effectRef idx="0">
+            <a:schemeClr val="accent1"/>
+          </a:effectRef>
+          <a:fontRef idx="minor">
+            <a:schemeClr val="lt1"/>
+          </a:fontRef>
+        </p:style>
+        <p:txBody>
+          <a:bodyPr rtlCol="0" anchor="ctr"/>
+          <a:lstStyle>
+            <a:defPPr>
+              <a:defRPr lang="en-US"/>
+            </a:defPPr>
+            <a:lvl1pPr marL="0" algn="l" defTabSz="914400" rtl="0" eaLnBrk="1" latinLnBrk="0" hangingPunct="1">
+              <a:defRPr sz="1800" kern="1200">
+                <a:solidFill>
+                  <a:schemeClr val="lt1"/>
+                </a:solidFill>
+                <a:latin typeface="+mn-lt"/>
+                <a:ea typeface="+mn-ea"/>
+                <a:cs typeface="+mn-cs"/>
+              </a:defRPr>
+            </a:lvl1pPr>
+            <a:lvl2pPr marL="457200" algn="l" defTabSz="914400" rtl="0" eaLnBrk="1" latinLnBrk="0" hangingPunct="1">
+              <a:defRPr sz="1800" kern="1200">
+                <a:solidFill>
+                  <a:schemeClr val="lt1"/>
+                </a:solidFill>
+                <a:latin typeface="+mn-lt"/>
+                <a:ea typeface="+mn-ea"/>
+                <a:cs typeface="+mn-cs"/>
+              </a:defRPr>
+            </a:lvl2pPr>
+            <a:lvl3pPr marL="914400" algn="l" defTabSz="914400" rtl="0" eaLnBrk="1" latinLnBrk="0" hangingPunct="1">
+              <a:defRPr sz="1800" kern="1200">
+                <a:solidFill>
+                  <a:schemeClr val="lt1"/>
+                </a:solidFill>
+                <a:latin typeface="+mn-lt"/>
+                <a:ea typeface="+mn-ea"/>
+                <a:cs typeface="+mn-cs"/>
+              </a:defRPr>
+            </a:lvl3pPr>
+            <a:lvl4pPr marL="1371600" algn="l" defTabSz="914400" rtl="0" eaLnBrk="1" latinLnBrk="0" hangingPunct="1">
+              <a:defRPr sz="1800" kern="1200">
+                <a:solidFill>
+                  <a:schemeClr val="lt1"/>
+                </a:solidFill>
+                <a:latin typeface="+mn-lt"/>
+                <a:ea typeface="+mn-ea"/>
+                <a:cs typeface="+mn-cs"/>
+              </a:defRPr>
+            </a:lvl4pPr>
+            <a:lvl5pPr marL="1828800" algn="l" defTabSz="914400" rtl="0" eaLnBrk="1" latinLnBrk="0" hangingPunct="1">
+              <a:defRPr sz="1800" kern="1200">
+                <a:solidFill>
+                  <a:schemeClr val="lt1"/>
+                </a:solidFill>
+                <a:latin typeface="+mn-lt"/>
+                <a:ea typeface="+mn-ea"/>
+                <a:cs typeface="+mn-cs"/>
+              </a:defRPr>
+            </a:lvl5pPr>
+            <a:lvl6pPr marL="2286000" algn="l" defTabSz="914400" rtl="0" eaLnBrk="1" latinLnBrk="0" hangingPunct="1">
+              <a:defRPr sz="1800" kern="1200">
+                <a:solidFill>
+                  <a:schemeClr val="lt1"/>
+                </a:solidFill>
+                <a:latin typeface="+mn-lt"/>
+                <a:ea typeface="+mn-ea"/>
+                <a:cs typeface="+mn-cs"/>
+              </a:defRPr>
+            </a:lvl6pPr>
+            <a:lvl7pPr marL="2743200" algn="l" defTabSz="914400" rtl="0" eaLnBrk="1" latinLnBrk="0" hangingPunct="1">
+              <a:defRPr sz="1800" kern="1200">
+                <a:solidFill>
+                  <a:schemeClr val="lt1"/>
+                </a:solidFill>
+                <a:latin typeface="+mn-lt"/>
+                <a:ea typeface="+mn-ea"/>
+                <a:cs typeface="+mn-cs"/>
+              </a:defRPr>
+            </a:lvl7pPr>
+            <a:lvl8pPr marL="3200400" algn="l" defTabSz="914400" rtl="0" eaLnBrk="1" latinLnBrk="0" hangingPunct="1">
+              <a:defRPr sz="1800" kern="1200">
+                <a:solidFill>
+                  <a:schemeClr val="lt1"/>
+                </a:solidFill>
+                <a:latin typeface="+mn-lt"/>
+                <a:ea typeface="+mn-ea"/>
+                <a:cs typeface="+mn-cs"/>
+              </a:defRPr>
+            </a:lvl8pPr>
+            <a:lvl9pPr marL="3657600" algn="l" defTabSz="914400" rtl="0" eaLnBrk="1" latinLnBrk="0" hangingPunct="1">
+              <a:defRPr sz="1800" kern="1200">
+                <a:solidFill>
+                  <a:schemeClr val="lt1"/>
+                </a:solidFill>
+                <a:latin typeface="+mn-lt"/>
+                <a:ea typeface="+mn-ea"/>
+                <a:cs typeface="+mn-cs"/>
+              </a:defRPr>
+            </a:lvl9pPr>
+          </a:lstStyle>
+          <a:p>
+            <a:pPr algn="ctr"/>
+            <a:endParaRPr lang="en-GB" dirty="0"/>
+          </a:p>
+        </p:txBody>
+      </p:sp>
+      <p:sp>
+        <p:nvSpPr>
+          <p:cNvPr id="21" name="Rectangle 20">
+            <a:extLst>
+              <a:ext uri="{FF2B5EF4-FFF2-40B4-BE49-F238E27FC236}">
+                <a16:creationId xmlns:a16="http://schemas.microsoft.com/office/drawing/2014/main" id="{14D00891-AD40-4797-A12E-E122F4D03AEC}"/>
+              </a:ext>
+            </a:extLst>
+          </p:cNvPr>
+          <p:cNvSpPr/>
+          <p:nvPr/>
+        </p:nvSpPr>
+        <p:spPr>
+          <a:xfrm>
+            <a:off x="1738545" y="2345708"/>
+            <a:ext cx="2019734" cy="542401"/>
+          </a:xfrm>
+          <a:prstGeom prst="rect">
+            <a:avLst/>
+          </a:prstGeom>
+          <a:solidFill>
+            <a:schemeClr val="accent2">
+              <a:lumMod val="60000"/>
+              <a:lumOff val="40000"/>
+              <a:alpha val="50000"/>
+            </a:schemeClr>
+          </a:solidFill>
+          <a:ln>
+            <a:solidFill>
+              <a:schemeClr val="bg2">
+                <a:lumMod val="50000"/>
+              </a:schemeClr>
+            </a:solidFill>
+          </a:ln>
+        </p:spPr>
+        <p:style>
+          <a:lnRef idx="2">
+            <a:schemeClr val="accent1">
+              <a:shade val="50000"/>
+            </a:schemeClr>
+          </a:lnRef>
+          <a:fillRef idx="1">
+            <a:schemeClr val="accent1"/>
+          </a:fillRef>
+          <a:effectRef idx="0">
+            <a:schemeClr val="accent1"/>
+          </a:effectRef>
+          <a:fontRef idx="minor">
+            <a:schemeClr val="lt1"/>
+          </a:fontRef>
+        </p:style>
+        <p:txBody>
+          <a:bodyPr lIns="46800" rIns="46800" rtlCol="0" anchor="ctr"/>
+          <a:lstStyle>
+            <a:defPPr>
+              <a:defRPr lang="en-US"/>
+            </a:defPPr>
+            <a:lvl1pPr marL="0" algn="l" defTabSz="914400" rtl="0" eaLnBrk="1" latinLnBrk="0" hangingPunct="1">
+              <a:defRPr sz="1800" kern="1200">
+                <a:solidFill>
+                  <a:schemeClr val="lt1"/>
+                </a:solidFill>
+                <a:latin typeface="+mn-lt"/>
+                <a:ea typeface="+mn-ea"/>
+                <a:cs typeface="+mn-cs"/>
+              </a:defRPr>
+            </a:lvl1pPr>
+            <a:lvl2pPr marL="457200" algn="l" defTabSz="914400" rtl="0" eaLnBrk="1" latinLnBrk="0" hangingPunct="1">
+              <a:defRPr sz="1800" kern="1200">
+                <a:solidFill>
+                  <a:schemeClr val="lt1"/>
+                </a:solidFill>
+                <a:latin typeface="+mn-lt"/>
+                <a:ea typeface="+mn-ea"/>
+                <a:cs typeface="+mn-cs"/>
+              </a:defRPr>
+            </a:lvl2pPr>
+            <a:lvl3pPr marL="914400" algn="l" defTabSz="914400" rtl="0" eaLnBrk="1" latinLnBrk="0" hangingPunct="1">
+              <a:defRPr sz="1800" kern="1200">
+                <a:solidFill>
+                  <a:schemeClr val="lt1"/>
+                </a:solidFill>
+                <a:latin typeface="+mn-lt"/>
+                <a:ea typeface="+mn-ea"/>
+                <a:cs typeface="+mn-cs"/>
+              </a:defRPr>
+            </a:lvl3pPr>
+            <a:lvl4pPr marL="1371600" algn="l" defTabSz="914400" rtl="0" eaLnBrk="1" latinLnBrk="0" hangingPunct="1">
+              <a:defRPr sz="1800" kern="1200">
+                <a:solidFill>
+                  <a:schemeClr val="lt1"/>
+                </a:solidFill>
+                <a:latin typeface="+mn-lt"/>
+                <a:ea typeface="+mn-ea"/>
+                <a:cs typeface="+mn-cs"/>
+              </a:defRPr>
+            </a:lvl4pPr>
+            <a:lvl5pPr marL="1828800" algn="l" defTabSz="914400" rtl="0" eaLnBrk="1" latinLnBrk="0" hangingPunct="1">
+              <a:defRPr sz="1800" kern="1200">
+                <a:solidFill>
+                  <a:schemeClr val="lt1"/>
+                </a:solidFill>
+                <a:latin typeface="+mn-lt"/>
+                <a:ea typeface="+mn-ea"/>
+                <a:cs typeface="+mn-cs"/>
+              </a:defRPr>
+            </a:lvl5pPr>
+            <a:lvl6pPr marL="2286000" algn="l" defTabSz="914400" rtl="0" eaLnBrk="1" latinLnBrk="0" hangingPunct="1">
+              <a:defRPr sz="1800" kern="1200">
+                <a:solidFill>
+                  <a:schemeClr val="lt1"/>
+                </a:solidFill>
+                <a:latin typeface="+mn-lt"/>
+                <a:ea typeface="+mn-ea"/>
+                <a:cs typeface="+mn-cs"/>
+              </a:defRPr>
+            </a:lvl6pPr>
+            <a:lvl7pPr marL="2743200" algn="l" defTabSz="914400" rtl="0" eaLnBrk="1" latinLnBrk="0" hangingPunct="1">
+              <a:defRPr sz="1800" kern="1200">
+                <a:solidFill>
+                  <a:schemeClr val="lt1"/>
+                </a:solidFill>
+                <a:latin typeface="+mn-lt"/>
+                <a:ea typeface="+mn-ea"/>
+                <a:cs typeface="+mn-cs"/>
+              </a:defRPr>
+            </a:lvl7pPr>
+            <a:lvl8pPr marL="3200400" algn="l" defTabSz="914400" rtl="0" eaLnBrk="1" latinLnBrk="0" hangingPunct="1">
+              <a:defRPr sz="1800" kern="1200">
+                <a:solidFill>
+                  <a:schemeClr val="lt1"/>
+                </a:solidFill>
+                <a:latin typeface="+mn-lt"/>
+                <a:ea typeface="+mn-ea"/>
+                <a:cs typeface="+mn-cs"/>
+              </a:defRPr>
+            </a:lvl8pPr>
+            <a:lvl9pPr marL="3657600" algn="l" defTabSz="914400" rtl="0" eaLnBrk="1" latinLnBrk="0" hangingPunct="1">
+              <a:defRPr sz="1800" kern="1200">
+                <a:solidFill>
+                  <a:schemeClr val="lt1"/>
+                </a:solidFill>
+                <a:latin typeface="+mn-lt"/>
+                <a:ea typeface="+mn-ea"/>
+                <a:cs typeface="+mn-cs"/>
+              </a:defRPr>
+            </a:lvl9pPr>
+          </a:lstStyle>
+          <a:p>
+            <a:pPr algn="ctr"/>
+            <a:r>
+              <a:rPr lang="en-GB" dirty="0">
+                <a:solidFill>
+                  <a:schemeClr val="tx1">
+                    <a:lumMod val="75000"/>
+                    <a:lumOff val="25000"/>
+                  </a:schemeClr>
+                </a:solidFill>
+              </a:rPr>
+              <a:t>SWIFT (First Party Cookie)</a:t>
+            </a:r>
+          </a:p>
+        </p:txBody>
+      </p:sp>
+      <p:sp>
+        <p:nvSpPr>
+          <p:cNvPr id="24" name="Rectangle 23">
+            <a:extLst>
+              <a:ext uri="{FF2B5EF4-FFF2-40B4-BE49-F238E27FC236}">
+                <a16:creationId xmlns:a16="http://schemas.microsoft.com/office/drawing/2014/main" id="{F74609AF-8069-4FCB-ADAC-22E4A0C45300}"/>
+              </a:ext>
+            </a:extLst>
+          </p:cNvPr>
+          <p:cNvSpPr/>
+          <p:nvPr/>
+        </p:nvSpPr>
+        <p:spPr>
+          <a:xfrm>
+            <a:off x="1738545" y="3947993"/>
+            <a:ext cx="2019734" cy="542401"/>
+          </a:xfrm>
+          <a:prstGeom prst="rect">
+            <a:avLst/>
+          </a:prstGeom>
+          <a:solidFill>
+            <a:schemeClr val="accent2">
+              <a:lumMod val="60000"/>
+              <a:lumOff val="40000"/>
+              <a:alpha val="50000"/>
+            </a:schemeClr>
+          </a:solidFill>
+          <a:ln>
+            <a:solidFill>
+              <a:schemeClr val="bg2">
+                <a:lumMod val="50000"/>
+              </a:schemeClr>
+            </a:solidFill>
+          </a:ln>
+        </p:spPr>
+        <p:style>
+          <a:lnRef idx="2">
+            <a:schemeClr val="accent1">
+              <a:shade val="50000"/>
+            </a:schemeClr>
+          </a:lnRef>
+          <a:fillRef idx="1">
+            <a:schemeClr val="accent1"/>
+          </a:fillRef>
+          <a:effectRef idx="0">
+            <a:schemeClr val="accent1"/>
+          </a:effectRef>
+          <a:fontRef idx="minor">
+            <a:schemeClr val="lt1"/>
+          </a:fontRef>
+        </p:style>
+        <p:txBody>
+          <a:bodyPr lIns="46800" rIns="46800" rtlCol="0" anchor="ctr"/>
+          <a:lstStyle>
+            <a:defPPr>
+              <a:defRPr lang="en-US"/>
+            </a:defPPr>
+            <a:lvl1pPr marL="0" algn="l" defTabSz="914400" rtl="0" eaLnBrk="1" latinLnBrk="0" hangingPunct="1">
+              <a:defRPr sz="1800" kern="1200">
+                <a:solidFill>
+                  <a:schemeClr val="lt1"/>
+                </a:solidFill>
+                <a:latin typeface="+mn-lt"/>
+                <a:ea typeface="+mn-ea"/>
+                <a:cs typeface="+mn-cs"/>
+              </a:defRPr>
+            </a:lvl1pPr>
+            <a:lvl2pPr marL="457200" algn="l" defTabSz="914400" rtl="0" eaLnBrk="1" latinLnBrk="0" hangingPunct="1">
+              <a:defRPr sz="1800" kern="1200">
+                <a:solidFill>
+                  <a:schemeClr val="lt1"/>
+                </a:solidFill>
+                <a:latin typeface="+mn-lt"/>
+                <a:ea typeface="+mn-ea"/>
+                <a:cs typeface="+mn-cs"/>
+              </a:defRPr>
+            </a:lvl2pPr>
+            <a:lvl3pPr marL="914400" algn="l" defTabSz="914400" rtl="0" eaLnBrk="1" latinLnBrk="0" hangingPunct="1">
+              <a:defRPr sz="1800" kern="1200">
+                <a:solidFill>
+                  <a:schemeClr val="lt1"/>
+                </a:solidFill>
+                <a:latin typeface="+mn-lt"/>
+                <a:ea typeface="+mn-ea"/>
+                <a:cs typeface="+mn-cs"/>
+              </a:defRPr>
+            </a:lvl3pPr>
+            <a:lvl4pPr marL="1371600" algn="l" defTabSz="914400" rtl="0" eaLnBrk="1" latinLnBrk="0" hangingPunct="1">
+              <a:defRPr sz="1800" kern="1200">
+                <a:solidFill>
+                  <a:schemeClr val="lt1"/>
+                </a:solidFill>
+                <a:latin typeface="+mn-lt"/>
+                <a:ea typeface="+mn-ea"/>
+                <a:cs typeface="+mn-cs"/>
+              </a:defRPr>
+            </a:lvl4pPr>
+            <a:lvl5pPr marL="1828800" algn="l" defTabSz="914400" rtl="0" eaLnBrk="1" latinLnBrk="0" hangingPunct="1">
+              <a:defRPr sz="1800" kern="1200">
+                <a:solidFill>
+                  <a:schemeClr val="lt1"/>
+                </a:solidFill>
+                <a:latin typeface="+mn-lt"/>
+                <a:ea typeface="+mn-ea"/>
+                <a:cs typeface="+mn-cs"/>
+              </a:defRPr>
+            </a:lvl5pPr>
+            <a:lvl6pPr marL="2286000" algn="l" defTabSz="914400" rtl="0" eaLnBrk="1" latinLnBrk="0" hangingPunct="1">
+              <a:defRPr sz="1800" kern="1200">
+                <a:solidFill>
+                  <a:schemeClr val="lt1"/>
+                </a:solidFill>
+                <a:latin typeface="+mn-lt"/>
+                <a:ea typeface="+mn-ea"/>
+                <a:cs typeface="+mn-cs"/>
+              </a:defRPr>
+            </a:lvl6pPr>
+            <a:lvl7pPr marL="2743200" algn="l" defTabSz="914400" rtl="0" eaLnBrk="1" latinLnBrk="0" hangingPunct="1">
+              <a:defRPr sz="1800" kern="1200">
+                <a:solidFill>
+                  <a:schemeClr val="lt1"/>
+                </a:solidFill>
+                <a:latin typeface="+mn-lt"/>
+                <a:ea typeface="+mn-ea"/>
+                <a:cs typeface="+mn-cs"/>
+              </a:defRPr>
+            </a:lvl7pPr>
+            <a:lvl8pPr marL="3200400" algn="l" defTabSz="914400" rtl="0" eaLnBrk="1" latinLnBrk="0" hangingPunct="1">
+              <a:defRPr sz="1800" kern="1200">
+                <a:solidFill>
+                  <a:schemeClr val="lt1"/>
+                </a:solidFill>
+                <a:latin typeface="+mn-lt"/>
+                <a:ea typeface="+mn-ea"/>
+                <a:cs typeface="+mn-cs"/>
+              </a:defRPr>
+            </a:lvl8pPr>
+            <a:lvl9pPr marL="3657600" algn="l" defTabSz="914400" rtl="0" eaLnBrk="1" latinLnBrk="0" hangingPunct="1">
+              <a:defRPr sz="1800" kern="1200">
+                <a:solidFill>
+                  <a:schemeClr val="lt1"/>
+                </a:solidFill>
+                <a:latin typeface="+mn-lt"/>
+                <a:ea typeface="+mn-ea"/>
+                <a:cs typeface="+mn-cs"/>
+              </a:defRPr>
+            </a:lvl9pPr>
+          </a:lstStyle>
+          <a:p>
+            <a:pPr algn="ctr"/>
+            <a:r>
+              <a:rPr lang="en-GB" dirty="0">
+                <a:solidFill>
+                  <a:schemeClr val="tx1">
+                    <a:lumMod val="75000"/>
+                    <a:lumOff val="25000"/>
+                  </a:schemeClr>
+                </a:solidFill>
+              </a:rPr>
+              <a:t>New cross domain browser state</a:t>
+            </a:r>
+          </a:p>
+        </p:txBody>
+      </p:sp>
+      <p:sp>
+        <p:nvSpPr>
+          <p:cNvPr id="25" name="TextBox 23">
+            <a:extLst>
+              <a:ext uri="{FF2B5EF4-FFF2-40B4-BE49-F238E27FC236}">
+                <a16:creationId xmlns:a16="http://schemas.microsoft.com/office/drawing/2014/main" id="{75C729D7-126F-4136-9863-6654A5024CAB}"/>
+              </a:ext>
+            </a:extLst>
+          </p:cNvPr>
+          <p:cNvSpPr txBox="1"/>
+          <p:nvPr/>
+        </p:nvSpPr>
+        <p:spPr>
+          <a:xfrm>
+            <a:off x="1746662" y="4600003"/>
+            <a:ext cx="2011617" cy="369332"/>
+          </a:xfrm>
+          <a:prstGeom prst="rect">
+            <a:avLst/>
+          </a:prstGeom>
+          <a:noFill/>
+        </p:spPr>
+        <p:txBody>
+          <a:bodyPr wrap="square" rtlCol="0">
+            <a:spAutoFit/>
+          </a:bodyPr>
+          <a:lstStyle>
+            <a:defPPr>
+              <a:defRPr lang="en-US"/>
+            </a:defPPr>
+            <a:lvl1pPr marL="0" algn="l" defTabSz="914400" rtl="0" eaLnBrk="1" latinLnBrk="0" hangingPunct="1">
+              <a:defRPr sz="1800" kern="1200">
+                <a:solidFill>
+                  <a:schemeClr val="tx1"/>
+                </a:solidFill>
+                <a:latin typeface="+mn-lt"/>
+                <a:ea typeface="+mn-ea"/>
+                <a:cs typeface="+mn-cs"/>
+              </a:defRPr>
+            </a:lvl1pPr>
+            <a:lvl2pPr marL="457200" algn="l" defTabSz="914400" rtl="0" eaLnBrk="1" latinLnBrk="0" hangingPunct="1">
+              <a:defRPr sz="1800" kern="1200">
+                <a:solidFill>
+                  <a:schemeClr val="tx1"/>
+                </a:solidFill>
+                <a:latin typeface="+mn-lt"/>
+                <a:ea typeface="+mn-ea"/>
+                <a:cs typeface="+mn-cs"/>
+              </a:defRPr>
+            </a:lvl2pPr>
+            <a:lvl3pPr marL="914400" algn="l" defTabSz="914400" rtl="0" eaLnBrk="1" latinLnBrk="0" hangingPunct="1">
+              <a:defRPr sz="1800" kern="1200">
+                <a:solidFill>
+                  <a:schemeClr val="tx1"/>
+                </a:solidFill>
+                <a:latin typeface="+mn-lt"/>
+                <a:ea typeface="+mn-ea"/>
+                <a:cs typeface="+mn-cs"/>
+              </a:defRPr>
+            </a:lvl3pPr>
+            <a:lvl4pPr marL="1371600" algn="l" defTabSz="914400" rtl="0" eaLnBrk="1" latinLnBrk="0" hangingPunct="1">
+              <a:defRPr sz="1800" kern="1200">
+                <a:solidFill>
+                  <a:schemeClr val="tx1"/>
+                </a:solidFill>
+                <a:latin typeface="+mn-lt"/>
+                <a:ea typeface="+mn-ea"/>
+                <a:cs typeface="+mn-cs"/>
+              </a:defRPr>
+            </a:lvl4pPr>
+            <a:lvl5pPr marL="1828800" algn="l" defTabSz="914400" rtl="0" eaLnBrk="1" latinLnBrk="0" hangingPunct="1">
+              <a:defRPr sz="1800" kern="1200">
+                <a:solidFill>
+                  <a:schemeClr val="tx1"/>
+                </a:solidFill>
+                <a:latin typeface="+mn-lt"/>
+                <a:ea typeface="+mn-ea"/>
+                <a:cs typeface="+mn-cs"/>
+              </a:defRPr>
+            </a:lvl5pPr>
+            <a:lvl6pPr marL="2286000" algn="l" defTabSz="914400" rtl="0" eaLnBrk="1" latinLnBrk="0" hangingPunct="1">
+              <a:defRPr sz="1800" kern="1200">
+                <a:solidFill>
+                  <a:schemeClr val="tx1"/>
+                </a:solidFill>
+                <a:latin typeface="+mn-lt"/>
+                <a:ea typeface="+mn-ea"/>
+                <a:cs typeface="+mn-cs"/>
+              </a:defRPr>
+            </a:lvl6pPr>
+            <a:lvl7pPr marL="2743200" algn="l" defTabSz="914400" rtl="0" eaLnBrk="1" latinLnBrk="0" hangingPunct="1">
+              <a:defRPr sz="1800" kern="1200">
+                <a:solidFill>
+                  <a:schemeClr val="tx1"/>
+                </a:solidFill>
+                <a:latin typeface="+mn-lt"/>
+                <a:ea typeface="+mn-ea"/>
+                <a:cs typeface="+mn-cs"/>
+              </a:defRPr>
+            </a:lvl7pPr>
+            <a:lvl8pPr marL="3200400" algn="l" defTabSz="914400" rtl="0" eaLnBrk="1" latinLnBrk="0" hangingPunct="1">
+              <a:defRPr sz="1800" kern="1200">
+                <a:solidFill>
+                  <a:schemeClr val="tx1"/>
+                </a:solidFill>
+                <a:latin typeface="+mn-lt"/>
+                <a:ea typeface="+mn-ea"/>
+                <a:cs typeface="+mn-cs"/>
+              </a:defRPr>
+            </a:lvl8pPr>
+            <a:lvl9pPr marL="3657600" algn="l" defTabSz="914400" rtl="0" eaLnBrk="1" latinLnBrk="0" hangingPunct="1">
+              <a:defRPr sz="1800" kern="1200">
+                <a:solidFill>
+                  <a:schemeClr val="tx1"/>
+                </a:solidFill>
+                <a:latin typeface="+mn-lt"/>
+                <a:ea typeface="+mn-ea"/>
+                <a:cs typeface="+mn-cs"/>
+              </a:defRPr>
+            </a:lvl9pPr>
+          </a:lstStyle>
+          <a:p>
+            <a:pPr algn="ctr"/>
+            <a:r>
+              <a:rPr lang="en-GB" dirty="0"/>
+              <a:t>Storage Options</a:t>
+            </a:r>
+          </a:p>
+        </p:txBody>
+      </p:sp>
+      <p:sp>
+        <p:nvSpPr>
+          <p:cNvPr id="26" name="Rectangle 25">
+            <a:extLst>
+              <a:ext uri="{FF2B5EF4-FFF2-40B4-BE49-F238E27FC236}">
+                <a16:creationId xmlns:a16="http://schemas.microsoft.com/office/drawing/2014/main" id="{456AA047-A95C-4168-B981-0B49909BA61F}"/>
+              </a:ext>
+            </a:extLst>
+          </p:cNvPr>
+          <p:cNvSpPr/>
+          <p:nvPr/>
+        </p:nvSpPr>
+        <p:spPr>
+          <a:xfrm>
+            <a:off x="4128035" y="2148257"/>
+            <a:ext cx="1141752" cy="2926046"/>
+          </a:xfrm>
+          <a:prstGeom prst="rect">
+            <a:avLst/>
+          </a:prstGeom>
+          <a:solidFill>
+            <a:schemeClr val="accent2">
+              <a:lumMod val="60000"/>
+              <a:lumOff val="40000"/>
+              <a:alpha val="50000"/>
+            </a:schemeClr>
+          </a:solidFill>
+          <a:ln>
+            <a:solidFill>
+              <a:schemeClr val="bg2">
+                <a:lumMod val="50000"/>
+              </a:schemeClr>
+            </a:solidFill>
+          </a:ln>
+        </p:spPr>
+        <p:style>
+          <a:lnRef idx="2">
+            <a:schemeClr val="accent1">
+              <a:shade val="50000"/>
+            </a:schemeClr>
+          </a:lnRef>
+          <a:fillRef idx="1">
+            <a:schemeClr val="accent1"/>
+          </a:fillRef>
+          <a:effectRef idx="0">
+            <a:schemeClr val="accent1"/>
+          </a:effectRef>
+          <a:fontRef idx="minor">
+            <a:schemeClr val="lt1"/>
+          </a:fontRef>
+        </p:style>
+        <p:txBody>
+          <a:bodyPr lIns="46800" rIns="46800" rtlCol="0" anchor="ctr"/>
+          <a:lstStyle>
+            <a:defPPr>
+              <a:defRPr lang="en-US"/>
+            </a:defPPr>
+            <a:lvl1pPr marL="0" algn="l" defTabSz="914400" rtl="0" eaLnBrk="1" latinLnBrk="0" hangingPunct="1">
+              <a:defRPr sz="1800" kern="1200">
+                <a:solidFill>
+                  <a:schemeClr val="lt1"/>
+                </a:solidFill>
+                <a:latin typeface="+mn-lt"/>
+                <a:ea typeface="+mn-ea"/>
+                <a:cs typeface="+mn-cs"/>
+              </a:defRPr>
+            </a:lvl1pPr>
+            <a:lvl2pPr marL="457200" algn="l" defTabSz="914400" rtl="0" eaLnBrk="1" latinLnBrk="0" hangingPunct="1">
+              <a:defRPr sz="1800" kern="1200">
+                <a:solidFill>
+                  <a:schemeClr val="lt1"/>
+                </a:solidFill>
+                <a:latin typeface="+mn-lt"/>
+                <a:ea typeface="+mn-ea"/>
+                <a:cs typeface="+mn-cs"/>
+              </a:defRPr>
+            </a:lvl2pPr>
+            <a:lvl3pPr marL="914400" algn="l" defTabSz="914400" rtl="0" eaLnBrk="1" latinLnBrk="0" hangingPunct="1">
+              <a:defRPr sz="1800" kern="1200">
+                <a:solidFill>
+                  <a:schemeClr val="lt1"/>
+                </a:solidFill>
+                <a:latin typeface="+mn-lt"/>
+                <a:ea typeface="+mn-ea"/>
+                <a:cs typeface="+mn-cs"/>
+              </a:defRPr>
+            </a:lvl3pPr>
+            <a:lvl4pPr marL="1371600" algn="l" defTabSz="914400" rtl="0" eaLnBrk="1" latinLnBrk="0" hangingPunct="1">
+              <a:defRPr sz="1800" kern="1200">
+                <a:solidFill>
+                  <a:schemeClr val="lt1"/>
+                </a:solidFill>
+                <a:latin typeface="+mn-lt"/>
+                <a:ea typeface="+mn-ea"/>
+                <a:cs typeface="+mn-cs"/>
+              </a:defRPr>
+            </a:lvl4pPr>
+            <a:lvl5pPr marL="1828800" algn="l" defTabSz="914400" rtl="0" eaLnBrk="1" latinLnBrk="0" hangingPunct="1">
+              <a:defRPr sz="1800" kern="1200">
+                <a:solidFill>
+                  <a:schemeClr val="lt1"/>
+                </a:solidFill>
+                <a:latin typeface="+mn-lt"/>
+                <a:ea typeface="+mn-ea"/>
+                <a:cs typeface="+mn-cs"/>
+              </a:defRPr>
+            </a:lvl5pPr>
+            <a:lvl6pPr marL="2286000" algn="l" defTabSz="914400" rtl="0" eaLnBrk="1" latinLnBrk="0" hangingPunct="1">
+              <a:defRPr sz="1800" kern="1200">
+                <a:solidFill>
+                  <a:schemeClr val="lt1"/>
+                </a:solidFill>
+                <a:latin typeface="+mn-lt"/>
+                <a:ea typeface="+mn-ea"/>
+                <a:cs typeface="+mn-cs"/>
+              </a:defRPr>
+            </a:lvl6pPr>
+            <a:lvl7pPr marL="2743200" algn="l" defTabSz="914400" rtl="0" eaLnBrk="1" latinLnBrk="0" hangingPunct="1">
+              <a:defRPr sz="1800" kern="1200">
+                <a:solidFill>
+                  <a:schemeClr val="lt1"/>
+                </a:solidFill>
+                <a:latin typeface="+mn-lt"/>
+                <a:ea typeface="+mn-ea"/>
+                <a:cs typeface="+mn-cs"/>
+              </a:defRPr>
+            </a:lvl7pPr>
+            <a:lvl8pPr marL="3200400" algn="l" defTabSz="914400" rtl="0" eaLnBrk="1" latinLnBrk="0" hangingPunct="1">
+              <a:defRPr sz="1800" kern="1200">
+                <a:solidFill>
+                  <a:schemeClr val="lt1"/>
+                </a:solidFill>
+                <a:latin typeface="+mn-lt"/>
+                <a:ea typeface="+mn-ea"/>
+                <a:cs typeface="+mn-cs"/>
+              </a:defRPr>
+            </a:lvl8pPr>
+            <a:lvl9pPr marL="3657600" algn="l" defTabSz="914400" rtl="0" eaLnBrk="1" latinLnBrk="0" hangingPunct="1">
+              <a:defRPr sz="1800" kern="1200">
+                <a:solidFill>
+                  <a:schemeClr val="lt1"/>
+                </a:solidFill>
+                <a:latin typeface="+mn-lt"/>
+                <a:ea typeface="+mn-ea"/>
+                <a:cs typeface="+mn-cs"/>
+              </a:defRPr>
+            </a:lvl9pPr>
+          </a:lstStyle>
+          <a:p>
+            <a:pPr algn="ctr"/>
+            <a:r>
+              <a:rPr lang="en-GB" dirty="0">
+                <a:solidFill>
+                  <a:schemeClr val="tx1">
+                    <a:lumMod val="75000"/>
+                    <a:lumOff val="25000"/>
+                  </a:schemeClr>
+                </a:solidFill>
+              </a:rPr>
+              <a:t>Access Controller</a:t>
+            </a:r>
+          </a:p>
+        </p:txBody>
+      </p:sp>
+      <p:sp>
+        <p:nvSpPr>
+          <p:cNvPr id="28" name="Arrow: Left 27">
+            <a:extLst>
+              <a:ext uri="{FF2B5EF4-FFF2-40B4-BE49-F238E27FC236}">
+                <a16:creationId xmlns:a16="http://schemas.microsoft.com/office/drawing/2014/main" id="{9D400C0B-ECE9-493E-A542-9E12203A5856}"/>
+              </a:ext>
+            </a:extLst>
+          </p:cNvPr>
+          <p:cNvSpPr/>
+          <p:nvPr/>
+        </p:nvSpPr>
+        <p:spPr>
+          <a:xfrm>
+            <a:off x="5644258" y="1558170"/>
+            <a:ext cx="1309395" cy="793102"/>
+          </a:xfrm>
+          <a:prstGeom prst="leftArrow">
+            <a:avLst/>
+          </a:prstGeom>
+          <a:solidFill>
+            <a:schemeClr val="bg1">
+              <a:lumMod val="65000"/>
+              <a:alpha val="50000"/>
+            </a:schemeClr>
+          </a:solidFill>
+          <a:ln>
+            <a:solidFill>
+              <a:schemeClr val="bg2">
+                <a:lumMod val="50000"/>
+              </a:schemeClr>
+            </a:solidFill>
+          </a:ln>
+        </p:spPr>
+        <p:style>
+          <a:lnRef idx="2">
+            <a:schemeClr val="accent1">
+              <a:shade val="50000"/>
+            </a:schemeClr>
+          </a:lnRef>
+          <a:fillRef idx="1">
+            <a:schemeClr val="accent1"/>
+          </a:fillRef>
+          <a:effectRef idx="0">
+            <a:schemeClr val="accent1"/>
+          </a:effectRef>
+          <a:fontRef idx="minor">
+            <a:schemeClr val="lt1"/>
+          </a:fontRef>
+        </p:style>
+        <p:txBody>
+          <a:bodyPr lIns="46800" rIns="46800" rtlCol="0" anchor="ctr"/>
+          <a:lstStyle>
+            <a:defPPr>
+              <a:defRPr lang="en-US"/>
+            </a:defPPr>
+            <a:lvl1pPr marL="0" algn="l" defTabSz="914400" rtl="0" eaLnBrk="1" latinLnBrk="0" hangingPunct="1">
+              <a:defRPr sz="1800" kern="1200">
+                <a:solidFill>
+                  <a:schemeClr val="lt1"/>
+                </a:solidFill>
+                <a:latin typeface="+mn-lt"/>
+                <a:ea typeface="+mn-ea"/>
+                <a:cs typeface="+mn-cs"/>
+              </a:defRPr>
+            </a:lvl1pPr>
+            <a:lvl2pPr marL="457200" algn="l" defTabSz="914400" rtl="0" eaLnBrk="1" latinLnBrk="0" hangingPunct="1">
+              <a:defRPr sz="1800" kern="1200">
+                <a:solidFill>
+                  <a:schemeClr val="lt1"/>
+                </a:solidFill>
+                <a:latin typeface="+mn-lt"/>
+                <a:ea typeface="+mn-ea"/>
+                <a:cs typeface="+mn-cs"/>
+              </a:defRPr>
+            </a:lvl2pPr>
+            <a:lvl3pPr marL="914400" algn="l" defTabSz="914400" rtl="0" eaLnBrk="1" latinLnBrk="0" hangingPunct="1">
+              <a:defRPr sz="1800" kern="1200">
+                <a:solidFill>
+                  <a:schemeClr val="lt1"/>
+                </a:solidFill>
+                <a:latin typeface="+mn-lt"/>
+                <a:ea typeface="+mn-ea"/>
+                <a:cs typeface="+mn-cs"/>
+              </a:defRPr>
+            </a:lvl3pPr>
+            <a:lvl4pPr marL="1371600" algn="l" defTabSz="914400" rtl="0" eaLnBrk="1" latinLnBrk="0" hangingPunct="1">
+              <a:defRPr sz="1800" kern="1200">
+                <a:solidFill>
+                  <a:schemeClr val="lt1"/>
+                </a:solidFill>
+                <a:latin typeface="+mn-lt"/>
+                <a:ea typeface="+mn-ea"/>
+                <a:cs typeface="+mn-cs"/>
+              </a:defRPr>
+            </a:lvl4pPr>
+            <a:lvl5pPr marL="1828800" algn="l" defTabSz="914400" rtl="0" eaLnBrk="1" latinLnBrk="0" hangingPunct="1">
+              <a:defRPr sz="1800" kern="1200">
+                <a:solidFill>
+                  <a:schemeClr val="lt1"/>
+                </a:solidFill>
+                <a:latin typeface="+mn-lt"/>
+                <a:ea typeface="+mn-ea"/>
+                <a:cs typeface="+mn-cs"/>
+              </a:defRPr>
+            </a:lvl5pPr>
+            <a:lvl6pPr marL="2286000" algn="l" defTabSz="914400" rtl="0" eaLnBrk="1" latinLnBrk="0" hangingPunct="1">
+              <a:defRPr sz="1800" kern="1200">
+                <a:solidFill>
+                  <a:schemeClr val="lt1"/>
+                </a:solidFill>
+                <a:latin typeface="+mn-lt"/>
+                <a:ea typeface="+mn-ea"/>
+                <a:cs typeface="+mn-cs"/>
+              </a:defRPr>
+            </a:lvl6pPr>
+            <a:lvl7pPr marL="2743200" algn="l" defTabSz="914400" rtl="0" eaLnBrk="1" latinLnBrk="0" hangingPunct="1">
+              <a:defRPr sz="1800" kern="1200">
+                <a:solidFill>
+                  <a:schemeClr val="lt1"/>
+                </a:solidFill>
+                <a:latin typeface="+mn-lt"/>
+                <a:ea typeface="+mn-ea"/>
+                <a:cs typeface="+mn-cs"/>
+              </a:defRPr>
+            </a:lvl7pPr>
+            <a:lvl8pPr marL="3200400" algn="l" defTabSz="914400" rtl="0" eaLnBrk="1" latinLnBrk="0" hangingPunct="1">
+              <a:defRPr sz="1800" kern="1200">
+                <a:solidFill>
+                  <a:schemeClr val="lt1"/>
+                </a:solidFill>
+                <a:latin typeface="+mn-lt"/>
+                <a:ea typeface="+mn-ea"/>
+                <a:cs typeface="+mn-cs"/>
+              </a:defRPr>
+            </a:lvl8pPr>
+            <a:lvl9pPr marL="3657600" algn="l" defTabSz="914400" rtl="0" eaLnBrk="1" latinLnBrk="0" hangingPunct="1">
+              <a:defRPr sz="1800" kern="1200">
+                <a:solidFill>
+                  <a:schemeClr val="lt1"/>
+                </a:solidFill>
+                <a:latin typeface="+mn-lt"/>
+                <a:ea typeface="+mn-ea"/>
+                <a:cs typeface="+mn-cs"/>
+              </a:defRPr>
+            </a:lvl9pPr>
+          </a:lstStyle>
+          <a:p>
+            <a:pPr algn="ctr"/>
+            <a:r>
+              <a:rPr lang="en-GB" dirty="0">
+                <a:solidFill>
+                  <a:schemeClr val="tx1">
+                    <a:lumMod val="75000"/>
+                    <a:lumOff val="25000"/>
+                  </a:schemeClr>
+                </a:solidFill>
+              </a:rPr>
+              <a:t>Update</a:t>
+            </a:r>
+          </a:p>
+        </p:txBody>
+      </p:sp>
+      <p:sp>
+        <p:nvSpPr>
+          <p:cNvPr id="29" name="Arrow: Right 28">
+            <a:extLst>
+              <a:ext uri="{FF2B5EF4-FFF2-40B4-BE49-F238E27FC236}">
+                <a16:creationId xmlns:a16="http://schemas.microsoft.com/office/drawing/2014/main" id="{96C420B6-4142-4476-BE6C-281FE25CE79D}"/>
+              </a:ext>
+            </a:extLst>
+          </p:cNvPr>
+          <p:cNvSpPr/>
+          <p:nvPr/>
+        </p:nvSpPr>
+        <p:spPr>
+          <a:xfrm>
+            <a:off x="5644258" y="2304010"/>
+            <a:ext cx="1309395" cy="867747"/>
+          </a:xfrm>
+          <a:prstGeom prst="rightArrow">
+            <a:avLst/>
+          </a:prstGeom>
+          <a:solidFill>
+            <a:schemeClr val="bg1">
+              <a:lumMod val="65000"/>
+              <a:alpha val="50000"/>
+            </a:schemeClr>
+          </a:solidFill>
+          <a:ln>
+            <a:solidFill>
+              <a:schemeClr val="bg2">
+                <a:lumMod val="50000"/>
+              </a:schemeClr>
+            </a:solidFill>
+          </a:ln>
+        </p:spPr>
+        <p:style>
+          <a:lnRef idx="2">
+            <a:schemeClr val="accent1">
+              <a:shade val="50000"/>
+            </a:schemeClr>
+          </a:lnRef>
+          <a:fillRef idx="1">
+            <a:schemeClr val="accent1"/>
+          </a:fillRef>
+          <a:effectRef idx="0">
+            <a:schemeClr val="accent1"/>
+          </a:effectRef>
+          <a:fontRef idx="minor">
+            <a:schemeClr val="lt1"/>
+          </a:fontRef>
+        </p:style>
+        <p:txBody>
+          <a:bodyPr lIns="46800" rIns="46800" rtlCol="0" anchor="ctr"/>
+          <a:lstStyle>
+            <a:defPPr>
+              <a:defRPr lang="en-US"/>
+            </a:defPPr>
+            <a:lvl1pPr marL="0" algn="l" defTabSz="914400" rtl="0" eaLnBrk="1" latinLnBrk="0" hangingPunct="1">
+              <a:defRPr sz="1800" kern="1200">
+                <a:solidFill>
+                  <a:schemeClr val="lt1"/>
+                </a:solidFill>
+                <a:latin typeface="+mn-lt"/>
+                <a:ea typeface="+mn-ea"/>
+                <a:cs typeface="+mn-cs"/>
+              </a:defRPr>
+            </a:lvl1pPr>
+            <a:lvl2pPr marL="457200" algn="l" defTabSz="914400" rtl="0" eaLnBrk="1" latinLnBrk="0" hangingPunct="1">
+              <a:defRPr sz="1800" kern="1200">
+                <a:solidFill>
+                  <a:schemeClr val="lt1"/>
+                </a:solidFill>
+                <a:latin typeface="+mn-lt"/>
+                <a:ea typeface="+mn-ea"/>
+                <a:cs typeface="+mn-cs"/>
+              </a:defRPr>
+            </a:lvl2pPr>
+            <a:lvl3pPr marL="914400" algn="l" defTabSz="914400" rtl="0" eaLnBrk="1" latinLnBrk="0" hangingPunct="1">
+              <a:defRPr sz="1800" kern="1200">
+                <a:solidFill>
+                  <a:schemeClr val="lt1"/>
+                </a:solidFill>
+                <a:latin typeface="+mn-lt"/>
+                <a:ea typeface="+mn-ea"/>
+                <a:cs typeface="+mn-cs"/>
+              </a:defRPr>
+            </a:lvl3pPr>
+            <a:lvl4pPr marL="1371600" algn="l" defTabSz="914400" rtl="0" eaLnBrk="1" latinLnBrk="0" hangingPunct="1">
+              <a:defRPr sz="1800" kern="1200">
+                <a:solidFill>
+                  <a:schemeClr val="lt1"/>
+                </a:solidFill>
+                <a:latin typeface="+mn-lt"/>
+                <a:ea typeface="+mn-ea"/>
+                <a:cs typeface="+mn-cs"/>
+              </a:defRPr>
+            </a:lvl4pPr>
+            <a:lvl5pPr marL="1828800" algn="l" defTabSz="914400" rtl="0" eaLnBrk="1" latinLnBrk="0" hangingPunct="1">
+              <a:defRPr sz="1800" kern="1200">
+                <a:solidFill>
+                  <a:schemeClr val="lt1"/>
+                </a:solidFill>
+                <a:latin typeface="+mn-lt"/>
+                <a:ea typeface="+mn-ea"/>
+                <a:cs typeface="+mn-cs"/>
+              </a:defRPr>
+            </a:lvl5pPr>
+            <a:lvl6pPr marL="2286000" algn="l" defTabSz="914400" rtl="0" eaLnBrk="1" latinLnBrk="0" hangingPunct="1">
+              <a:defRPr sz="1800" kern="1200">
+                <a:solidFill>
+                  <a:schemeClr val="lt1"/>
+                </a:solidFill>
+                <a:latin typeface="+mn-lt"/>
+                <a:ea typeface="+mn-ea"/>
+                <a:cs typeface="+mn-cs"/>
+              </a:defRPr>
+            </a:lvl6pPr>
+            <a:lvl7pPr marL="2743200" algn="l" defTabSz="914400" rtl="0" eaLnBrk="1" latinLnBrk="0" hangingPunct="1">
+              <a:defRPr sz="1800" kern="1200">
+                <a:solidFill>
+                  <a:schemeClr val="lt1"/>
+                </a:solidFill>
+                <a:latin typeface="+mn-lt"/>
+                <a:ea typeface="+mn-ea"/>
+                <a:cs typeface="+mn-cs"/>
+              </a:defRPr>
+            </a:lvl7pPr>
+            <a:lvl8pPr marL="3200400" algn="l" defTabSz="914400" rtl="0" eaLnBrk="1" latinLnBrk="0" hangingPunct="1">
+              <a:defRPr sz="1800" kern="1200">
+                <a:solidFill>
+                  <a:schemeClr val="lt1"/>
+                </a:solidFill>
+                <a:latin typeface="+mn-lt"/>
+                <a:ea typeface="+mn-ea"/>
+                <a:cs typeface="+mn-cs"/>
+              </a:defRPr>
+            </a:lvl8pPr>
+            <a:lvl9pPr marL="3657600" algn="l" defTabSz="914400" rtl="0" eaLnBrk="1" latinLnBrk="0" hangingPunct="1">
+              <a:defRPr sz="1800" kern="1200">
+                <a:solidFill>
+                  <a:schemeClr val="lt1"/>
+                </a:solidFill>
+                <a:latin typeface="+mn-lt"/>
+                <a:ea typeface="+mn-ea"/>
+                <a:cs typeface="+mn-cs"/>
+              </a:defRPr>
+            </a:lvl9pPr>
+          </a:lstStyle>
+          <a:p>
+            <a:pPr algn="ctr"/>
+            <a:r>
+              <a:rPr lang="en-GB" dirty="0">
+                <a:solidFill>
+                  <a:schemeClr val="tx1">
+                    <a:lumMod val="75000"/>
+                    <a:lumOff val="25000"/>
+                  </a:schemeClr>
+                </a:solidFill>
+              </a:rPr>
+              <a:t>Retrieve</a:t>
+            </a:r>
+            <a:r>
+              <a:rPr lang="en-GB" baseline="30000" dirty="0">
+                <a:solidFill>
+                  <a:schemeClr val="tx1">
+                    <a:lumMod val="75000"/>
+                    <a:lumOff val="25000"/>
+                  </a:schemeClr>
+                </a:solidFill>
+              </a:rPr>
+              <a:t>*</a:t>
+            </a:r>
+            <a:r>
+              <a:rPr lang="en-GB" dirty="0">
+                <a:solidFill>
+                  <a:schemeClr val="tx1">
+                    <a:lumMod val="75000"/>
+                    <a:lumOff val="25000"/>
+                  </a:schemeClr>
+                </a:solidFill>
+              </a:rPr>
+              <a:t> </a:t>
+            </a:r>
+          </a:p>
+        </p:txBody>
+      </p:sp>
+      <p:sp>
+        <p:nvSpPr>
+          <p:cNvPr id="30" name="Rectangle 29">
+            <a:extLst>
+              <a:ext uri="{FF2B5EF4-FFF2-40B4-BE49-F238E27FC236}">
+                <a16:creationId xmlns:a16="http://schemas.microsoft.com/office/drawing/2014/main" id="{A648451B-CF8E-4A60-B02C-B7AFE940D798}"/>
+              </a:ext>
+            </a:extLst>
+          </p:cNvPr>
+          <p:cNvSpPr/>
+          <p:nvPr/>
+        </p:nvSpPr>
+        <p:spPr>
+          <a:xfrm>
+            <a:off x="1358912" y="1538001"/>
+            <a:ext cx="4146396" cy="3750906"/>
+          </a:xfrm>
+          <a:prstGeom prst="rect">
+            <a:avLst/>
+          </a:prstGeom>
+          <a:noFill/>
+          <a:ln w="25400">
+            <a:solidFill>
+              <a:schemeClr val="tx1">
+                <a:lumMod val="75000"/>
+                <a:lumOff val="25000"/>
+              </a:schemeClr>
+            </a:solidFill>
+            <a:prstDash val="dash"/>
+          </a:ln>
+        </p:spPr>
+        <p:style>
+          <a:lnRef idx="2">
+            <a:schemeClr val="accent1">
+              <a:shade val="50000"/>
+            </a:schemeClr>
+          </a:lnRef>
+          <a:fillRef idx="1">
+            <a:schemeClr val="accent1"/>
+          </a:fillRef>
+          <a:effectRef idx="0">
+            <a:schemeClr val="accent1"/>
+          </a:effectRef>
+          <a:fontRef idx="minor">
+            <a:schemeClr val="lt1"/>
+          </a:fontRef>
+        </p:style>
+        <p:txBody>
+          <a:bodyPr rtlCol="0" anchor="ctr"/>
+          <a:lstStyle>
+            <a:defPPr>
+              <a:defRPr lang="en-US"/>
+            </a:defPPr>
+            <a:lvl1pPr marL="0" algn="l" defTabSz="914400" rtl="0" eaLnBrk="1" latinLnBrk="0" hangingPunct="1">
+              <a:defRPr sz="1800" kern="1200">
+                <a:solidFill>
+                  <a:schemeClr val="lt1"/>
+                </a:solidFill>
+                <a:latin typeface="+mn-lt"/>
+                <a:ea typeface="+mn-ea"/>
+                <a:cs typeface="+mn-cs"/>
+              </a:defRPr>
+            </a:lvl1pPr>
+            <a:lvl2pPr marL="457200" algn="l" defTabSz="914400" rtl="0" eaLnBrk="1" latinLnBrk="0" hangingPunct="1">
+              <a:defRPr sz="1800" kern="1200">
+                <a:solidFill>
+                  <a:schemeClr val="lt1"/>
+                </a:solidFill>
+                <a:latin typeface="+mn-lt"/>
+                <a:ea typeface="+mn-ea"/>
+                <a:cs typeface="+mn-cs"/>
+              </a:defRPr>
+            </a:lvl2pPr>
+            <a:lvl3pPr marL="914400" algn="l" defTabSz="914400" rtl="0" eaLnBrk="1" latinLnBrk="0" hangingPunct="1">
+              <a:defRPr sz="1800" kern="1200">
+                <a:solidFill>
+                  <a:schemeClr val="lt1"/>
+                </a:solidFill>
+                <a:latin typeface="+mn-lt"/>
+                <a:ea typeface="+mn-ea"/>
+                <a:cs typeface="+mn-cs"/>
+              </a:defRPr>
+            </a:lvl3pPr>
+            <a:lvl4pPr marL="1371600" algn="l" defTabSz="914400" rtl="0" eaLnBrk="1" latinLnBrk="0" hangingPunct="1">
+              <a:defRPr sz="1800" kern="1200">
+                <a:solidFill>
+                  <a:schemeClr val="lt1"/>
+                </a:solidFill>
+                <a:latin typeface="+mn-lt"/>
+                <a:ea typeface="+mn-ea"/>
+                <a:cs typeface="+mn-cs"/>
+              </a:defRPr>
+            </a:lvl4pPr>
+            <a:lvl5pPr marL="1828800" algn="l" defTabSz="914400" rtl="0" eaLnBrk="1" latinLnBrk="0" hangingPunct="1">
+              <a:defRPr sz="1800" kern="1200">
+                <a:solidFill>
+                  <a:schemeClr val="lt1"/>
+                </a:solidFill>
+                <a:latin typeface="+mn-lt"/>
+                <a:ea typeface="+mn-ea"/>
+                <a:cs typeface="+mn-cs"/>
+              </a:defRPr>
+            </a:lvl5pPr>
+            <a:lvl6pPr marL="2286000" algn="l" defTabSz="914400" rtl="0" eaLnBrk="1" latinLnBrk="0" hangingPunct="1">
+              <a:defRPr sz="1800" kern="1200">
+                <a:solidFill>
+                  <a:schemeClr val="lt1"/>
+                </a:solidFill>
+                <a:latin typeface="+mn-lt"/>
+                <a:ea typeface="+mn-ea"/>
+                <a:cs typeface="+mn-cs"/>
+              </a:defRPr>
+            </a:lvl6pPr>
+            <a:lvl7pPr marL="2743200" algn="l" defTabSz="914400" rtl="0" eaLnBrk="1" latinLnBrk="0" hangingPunct="1">
+              <a:defRPr sz="1800" kern="1200">
+                <a:solidFill>
+                  <a:schemeClr val="lt1"/>
+                </a:solidFill>
+                <a:latin typeface="+mn-lt"/>
+                <a:ea typeface="+mn-ea"/>
+                <a:cs typeface="+mn-cs"/>
+              </a:defRPr>
+            </a:lvl7pPr>
+            <a:lvl8pPr marL="3200400" algn="l" defTabSz="914400" rtl="0" eaLnBrk="1" latinLnBrk="0" hangingPunct="1">
+              <a:defRPr sz="1800" kern="1200">
+                <a:solidFill>
+                  <a:schemeClr val="lt1"/>
+                </a:solidFill>
+                <a:latin typeface="+mn-lt"/>
+                <a:ea typeface="+mn-ea"/>
+                <a:cs typeface="+mn-cs"/>
+              </a:defRPr>
+            </a:lvl8pPr>
+            <a:lvl9pPr marL="3657600" algn="l" defTabSz="914400" rtl="0" eaLnBrk="1" latinLnBrk="0" hangingPunct="1">
+              <a:defRPr sz="1800" kern="1200">
+                <a:solidFill>
+                  <a:schemeClr val="lt1"/>
+                </a:solidFill>
+                <a:latin typeface="+mn-lt"/>
+                <a:ea typeface="+mn-ea"/>
+                <a:cs typeface="+mn-cs"/>
+              </a:defRPr>
+            </a:lvl9pPr>
+          </a:lstStyle>
+          <a:p>
+            <a:pPr algn="ctr"/>
+            <a:endParaRPr lang="en-GB" dirty="0"/>
+          </a:p>
+        </p:txBody>
+      </p:sp>
+      <p:sp>
+        <p:nvSpPr>
+          <p:cNvPr id="31" name="TextBox 23">
+            <a:extLst>
+              <a:ext uri="{FF2B5EF4-FFF2-40B4-BE49-F238E27FC236}">
+                <a16:creationId xmlns:a16="http://schemas.microsoft.com/office/drawing/2014/main" id="{CE482316-E830-4EED-AA47-87167605C059}"/>
+              </a:ext>
+            </a:extLst>
+          </p:cNvPr>
+          <p:cNvSpPr txBox="1"/>
+          <p:nvPr/>
+        </p:nvSpPr>
+        <p:spPr>
+          <a:xfrm>
+            <a:off x="1358912" y="1680200"/>
+            <a:ext cx="4146395" cy="369332"/>
+          </a:xfrm>
+          <a:prstGeom prst="rect">
+            <a:avLst/>
+          </a:prstGeom>
+          <a:noFill/>
+        </p:spPr>
+        <p:txBody>
+          <a:bodyPr wrap="square" rtlCol="0">
+            <a:spAutoFit/>
+          </a:bodyPr>
+          <a:lstStyle>
+            <a:defPPr>
+              <a:defRPr lang="en-US"/>
+            </a:defPPr>
+            <a:lvl1pPr marL="0" algn="l" defTabSz="914400" rtl="0" eaLnBrk="1" latinLnBrk="0" hangingPunct="1">
+              <a:defRPr sz="1800" kern="1200">
+                <a:solidFill>
+                  <a:schemeClr val="tx1"/>
+                </a:solidFill>
+                <a:latin typeface="+mn-lt"/>
+                <a:ea typeface="+mn-ea"/>
+                <a:cs typeface="+mn-cs"/>
+              </a:defRPr>
+            </a:lvl1pPr>
+            <a:lvl2pPr marL="457200" algn="l" defTabSz="914400" rtl="0" eaLnBrk="1" latinLnBrk="0" hangingPunct="1">
+              <a:defRPr sz="1800" kern="1200">
+                <a:solidFill>
+                  <a:schemeClr val="tx1"/>
+                </a:solidFill>
+                <a:latin typeface="+mn-lt"/>
+                <a:ea typeface="+mn-ea"/>
+                <a:cs typeface="+mn-cs"/>
+              </a:defRPr>
+            </a:lvl2pPr>
+            <a:lvl3pPr marL="914400" algn="l" defTabSz="914400" rtl="0" eaLnBrk="1" latinLnBrk="0" hangingPunct="1">
+              <a:defRPr sz="1800" kern="1200">
+                <a:solidFill>
+                  <a:schemeClr val="tx1"/>
+                </a:solidFill>
+                <a:latin typeface="+mn-lt"/>
+                <a:ea typeface="+mn-ea"/>
+                <a:cs typeface="+mn-cs"/>
+              </a:defRPr>
+            </a:lvl3pPr>
+            <a:lvl4pPr marL="1371600" algn="l" defTabSz="914400" rtl="0" eaLnBrk="1" latinLnBrk="0" hangingPunct="1">
+              <a:defRPr sz="1800" kern="1200">
+                <a:solidFill>
+                  <a:schemeClr val="tx1"/>
+                </a:solidFill>
+                <a:latin typeface="+mn-lt"/>
+                <a:ea typeface="+mn-ea"/>
+                <a:cs typeface="+mn-cs"/>
+              </a:defRPr>
+            </a:lvl4pPr>
+            <a:lvl5pPr marL="1828800" algn="l" defTabSz="914400" rtl="0" eaLnBrk="1" latinLnBrk="0" hangingPunct="1">
+              <a:defRPr sz="1800" kern="1200">
+                <a:solidFill>
+                  <a:schemeClr val="tx1"/>
+                </a:solidFill>
+                <a:latin typeface="+mn-lt"/>
+                <a:ea typeface="+mn-ea"/>
+                <a:cs typeface="+mn-cs"/>
+              </a:defRPr>
+            </a:lvl5pPr>
+            <a:lvl6pPr marL="2286000" algn="l" defTabSz="914400" rtl="0" eaLnBrk="1" latinLnBrk="0" hangingPunct="1">
+              <a:defRPr sz="1800" kern="1200">
+                <a:solidFill>
+                  <a:schemeClr val="tx1"/>
+                </a:solidFill>
+                <a:latin typeface="+mn-lt"/>
+                <a:ea typeface="+mn-ea"/>
+                <a:cs typeface="+mn-cs"/>
+              </a:defRPr>
+            </a:lvl6pPr>
+            <a:lvl7pPr marL="2743200" algn="l" defTabSz="914400" rtl="0" eaLnBrk="1" latinLnBrk="0" hangingPunct="1">
+              <a:defRPr sz="1800" kern="1200">
+                <a:solidFill>
+                  <a:schemeClr val="tx1"/>
+                </a:solidFill>
+                <a:latin typeface="+mn-lt"/>
+                <a:ea typeface="+mn-ea"/>
+                <a:cs typeface="+mn-cs"/>
+              </a:defRPr>
+            </a:lvl7pPr>
+            <a:lvl8pPr marL="3200400" algn="l" defTabSz="914400" rtl="0" eaLnBrk="1" latinLnBrk="0" hangingPunct="1">
+              <a:defRPr sz="1800" kern="1200">
+                <a:solidFill>
+                  <a:schemeClr val="tx1"/>
+                </a:solidFill>
+                <a:latin typeface="+mn-lt"/>
+                <a:ea typeface="+mn-ea"/>
+                <a:cs typeface="+mn-cs"/>
+              </a:defRPr>
+            </a:lvl8pPr>
+            <a:lvl9pPr marL="3657600" algn="l" defTabSz="914400" rtl="0" eaLnBrk="1" latinLnBrk="0" hangingPunct="1">
+              <a:defRPr sz="1800" kern="1200">
+                <a:solidFill>
+                  <a:schemeClr val="tx1"/>
+                </a:solidFill>
+                <a:latin typeface="+mn-lt"/>
+                <a:ea typeface="+mn-ea"/>
+                <a:cs typeface="+mn-cs"/>
+              </a:defRPr>
+            </a:lvl9pPr>
+          </a:lstStyle>
+          <a:p>
+            <a:pPr algn="ctr"/>
+            <a:r>
+              <a:rPr lang="en-GB" dirty="0"/>
+              <a:t>SWAN Operator</a:t>
+            </a:r>
+          </a:p>
+        </p:txBody>
+      </p:sp>
+      <p:sp>
+        <p:nvSpPr>
+          <p:cNvPr id="32" name="Rectangle 31">
+            <a:extLst>
+              <a:ext uri="{FF2B5EF4-FFF2-40B4-BE49-F238E27FC236}">
+                <a16:creationId xmlns:a16="http://schemas.microsoft.com/office/drawing/2014/main" id="{5224CB39-E734-4531-B1B8-B53D20A87169}"/>
+              </a:ext>
+            </a:extLst>
+          </p:cNvPr>
+          <p:cNvSpPr/>
+          <p:nvPr/>
+        </p:nvSpPr>
+        <p:spPr>
+          <a:xfrm>
+            <a:off x="7060101" y="1538001"/>
+            <a:ext cx="1141752" cy="1633756"/>
+          </a:xfrm>
+          <a:prstGeom prst="rect">
+            <a:avLst/>
+          </a:prstGeom>
+          <a:solidFill>
+            <a:schemeClr val="bg1">
+              <a:lumMod val="65000"/>
+              <a:alpha val="50000"/>
+            </a:schemeClr>
+          </a:solidFill>
+          <a:ln>
+            <a:solidFill>
+              <a:schemeClr val="bg2">
+                <a:lumMod val="50000"/>
+              </a:schemeClr>
+            </a:solidFill>
+          </a:ln>
+        </p:spPr>
+        <p:style>
+          <a:lnRef idx="2">
+            <a:schemeClr val="accent1">
+              <a:shade val="50000"/>
+            </a:schemeClr>
+          </a:lnRef>
+          <a:fillRef idx="1">
+            <a:schemeClr val="accent1"/>
+          </a:fillRef>
+          <a:effectRef idx="0">
+            <a:schemeClr val="accent1"/>
+          </a:effectRef>
+          <a:fontRef idx="minor">
+            <a:schemeClr val="lt1"/>
+          </a:fontRef>
+        </p:style>
+        <p:txBody>
+          <a:bodyPr lIns="46800" rIns="46800" rtlCol="0" anchor="ctr"/>
+          <a:lstStyle>
+            <a:defPPr>
+              <a:defRPr lang="en-US"/>
+            </a:defPPr>
+            <a:lvl1pPr marL="0" algn="l" defTabSz="914400" rtl="0" eaLnBrk="1" latinLnBrk="0" hangingPunct="1">
+              <a:defRPr sz="1800" kern="1200">
+                <a:solidFill>
+                  <a:schemeClr val="lt1"/>
+                </a:solidFill>
+                <a:latin typeface="+mn-lt"/>
+                <a:ea typeface="+mn-ea"/>
+                <a:cs typeface="+mn-cs"/>
+              </a:defRPr>
+            </a:lvl1pPr>
+            <a:lvl2pPr marL="457200" algn="l" defTabSz="914400" rtl="0" eaLnBrk="1" latinLnBrk="0" hangingPunct="1">
+              <a:defRPr sz="1800" kern="1200">
+                <a:solidFill>
+                  <a:schemeClr val="lt1"/>
+                </a:solidFill>
+                <a:latin typeface="+mn-lt"/>
+                <a:ea typeface="+mn-ea"/>
+                <a:cs typeface="+mn-cs"/>
+              </a:defRPr>
+            </a:lvl2pPr>
+            <a:lvl3pPr marL="914400" algn="l" defTabSz="914400" rtl="0" eaLnBrk="1" latinLnBrk="0" hangingPunct="1">
+              <a:defRPr sz="1800" kern="1200">
+                <a:solidFill>
+                  <a:schemeClr val="lt1"/>
+                </a:solidFill>
+                <a:latin typeface="+mn-lt"/>
+                <a:ea typeface="+mn-ea"/>
+                <a:cs typeface="+mn-cs"/>
+              </a:defRPr>
+            </a:lvl3pPr>
+            <a:lvl4pPr marL="1371600" algn="l" defTabSz="914400" rtl="0" eaLnBrk="1" latinLnBrk="0" hangingPunct="1">
+              <a:defRPr sz="1800" kern="1200">
+                <a:solidFill>
+                  <a:schemeClr val="lt1"/>
+                </a:solidFill>
+                <a:latin typeface="+mn-lt"/>
+                <a:ea typeface="+mn-ea"/>
+                <a:cs typeface="+mn-cs"/>
+              </a:defRPr>
+            </a:lvl4pPr>
+            <a:lvl5pPr marL="1828800" algn="l" defTabSz="914400" rtl="0" eaLnBrk="1" latinLnBrk="0" hangingPunct="1">
+              <a:defRPr sz="1800" kern="1200">
+                <a:solidFill>
+                  <a:schemeClr val="lt1"/>
+                </a:solidFill>
+                <a:latin typeface="+mn-lt"/>
+                <a:ea typeface="+mn-ea"/>
+                <a:cs typeface="+mn-cs"/>
+              </a:defRPr>
+            </a:lvl5pPr>
+            <a:lvl6pPr marL="2286000" algn="l" defTabSz="914400" rtl="0" eaLnBrk="1" latinLnBrk="0" hangingPunct="1">
+              <a:defRPr sz="1800" kern="1200">
+                <a:solidFill>
+                  <a:schemeClr val="lt1"/>
+                </a:solidFill>
+                <a:latin typeface="+mn-lt"/>
+                <a:ea typeface="+mn-ea"/>
+                <a:cs typeface="+mn-cs"/>
+              </a:defRPr>
+            </a:lvl6pPr>
+            <a:lvl7pPr marL="2743200" algn="l" defTabSz="914400" rtl="0" eaLnBrk="1" latinLnBrk="0" hangingPunct="1">
+              <a:defRPr sz="1800" kern="1200">
+                <a:solidFill>
+                  <a:schemeClr val="lt1"/>
+                </a:solidFill>
+                <a:latin typeface="+mn-lt"/>
+                <a:ea typeface="+mn-ea"/>
+                <a:cs typeface="+mn-cs"/>
+              </a:defRPr>
+            </a:lvl7pPr>
+            <a:lvl8pPr marL="3200400" algn="l" defTabSz="914400" rtl="0" eaLnBrk="1" latinLnBrk="0" hangingPunct="1">
+              <a:defRPr sz="1800" kern="1200">
+                <a:solidFill>
+                  <a:schemeClr val="lt1"/>
+                </a:solidFill>
+                <a:latin typeface="+mn-lt"/>
+                <a:ea typeface="+mn-ea"/>
+                <a:cs typeface="+mn-cs"/>
+              </a:defRPr>
+            </a:lvl8pPr>
+            <a:lvl9pPr marL="3657600" algn="l" defTabSz="914400" rtl="0" eaLnBrk="1" latinLnBrk="0" hangingPunct="1">
+              <a:defRPr sz="1800" kern="1200">
+                <a:solidFill>
+                  <a:schemeClr val="lt1"/>
+                </a:solidFill>
+                <a:latin typeface="+mn-lt"/>
+                <a:ea typeface="+mn-ea"/>
+                <a:cs typeface="+mn-cs"/>
+              </a:defRPr>
+            </a:lvl9pPr>
+          </a:lstStyle>
+          <a:p>
+            <a:pPr algn="ctr"/>
+            <a:r>
+              <a:rPr lang="en-GB" dirty="0">
+                <a:solidFill>
+                  <a:schemeClr val="tx1">
+                    <a:lumMod val="75000"/>
+                    <a:lumOff val="25000"/>
+                  </a:schemeClr>
+                </a:solidFill>
+              </a:rPr>
+              <a:t>CMP </a:t>
+            </a:r>
+          </a:p>
+          <a:p>
+            <a:pPr algn="ctr"/>
+            <a:r>
+              <a:rPr lang="en-GB" dirty="0">
+                <a:solidFill>
+                  <a:schemeClr val="tx1">
+                    <a:lumMod val="75000"/>
+                    <a:lumOff val="25000"/>
+                  </a:schemeClr>
+                </a:solidFill>
+              </a:rPr>
+              <a:t>(User Interface)</a:t>
+            </a:r>
+          </a:p>
+        </p:txBody>
+      </p:sp>
+      <p:sp>
+        <p:nvSpPr>
+          <p:cNvPr id="33" name="Rectangle 32">
+            <a:extLst>
+              <a:ext uri="{FF2B5EF4-FFF2-40B4-BE49-F238E27FC236}">
+                <a16:creationId xmlns:a16="http://schemas.microsoft.com/office/drawing/2014/main" id="{D5643DCB-05FC-4150-B1E9-A9585E323F0E}"/>
+              </a:ext>
+            </a:extLst>
+          </p:cNvPr>
+          <p:cNvSpPr/>
+          <p:nvPr/>
+        </p:nvSpPr>
+        <p:spPr>
+          <a:xfrm>
+            <a:off x="7195242" y="3842078"/>
+            <a:ext cx="1141752" cy="1232225"/>
+          </a:xfrm>
+          <a:prstGeom prst="rect">
+            <a:avLst/>
+          </a:prstGeom>
+          <a:solidFill>
+            <a:schemeClr val="bg1">
+              <a:lumMod val="65000"/>
+              <a:alpha val="50000"/>
+            </a:schemeClr>
+          </a:solidFill>
+          <a:ln>
+            <a:solidFill>
+              <a:schemeClr val="bg2">
+                <a:lumMod val="50000"/>
+              </a:schemeClr>
+            </a:solidFill>
+          </a:ln>
+        </p:spPr>
+        <p:style>
+          <a:lnRef idx="2">
+            <a:schemeClr val="accent1">
+              <a:shade val="50000"/>
+            </a:schemeClr>
+          </a:lnRef>
+          <a:fillRef idx="1">
+            <a:schemeClr val="accent1"/>
+          </a:fillRef>
+          <a:effectRef idx="0">
+            <a:schemeClr val="accent1"/>
+          </a:effectRef>
+          <a:fontRef idx="minor">
+            <a:schemeClr val="lt1"/>
+          </a:fontRef>
+        </p:style>
+        <p:txBody>
+          <a:bodyPr lIns="46800" rIns="46800" rtlCol="0" anchor="ctr"/>
+          <a:lstStyle>
+            <a:defPPr>
+              <a:defRPr lang="en-US"/>
+            </a:defPPr>
+            <a:lvl1pPr marL="0" algn="l" defTabSz="914400" rtl="0" eaLnBrk="1" latinLnBrk="0" hangingPunct="1">
+              <a:defRPr sz="1800" kern="1200">
+                <a:solidFill>
+                  <a:schemeClr val="lt1"/>
+                </a:solidFill>
+                <a:latin typeface="+mn-lt"/>
+                <a:ea typeface="+mn-ea"/>
+                <a:cs typeface="+mn-cs"/>
+              </a:defRPr>
+            </a:lvl1pPr>
+            <a:lvl2pPr marL="457200" algn="l" defTabSz="914400" rtl="0" eaLnBrk="1" latinLnBrk="0" hangingPunct="1">
+              <a:defRPr sz="1800" kern="1200">
+                <a:solidFill>
+                  <a:schemeClr val="lt1"/>
+                </a:solidFill>
+                <a:latin typeface="+mn-lt"/>
+                <a:ea typeface="+mn-ea"/>
+                <a:cs typeface="+mn-cs"/>
+              </a:defRPr>
+            </a:lvl2pPr>
+            <a:lvl3pPr marL="914400" algn="l" defTabSz="914400" rtl="0" eaLnBrk="1" latinLnBrk="0" hangingPunct="1">
+              <a:defRPr sz="1800" kern="1200">
+                <a:solidFill>
+                  <a:schemeClr val="lt1"/>
+                </a:solidFill>
+                <a:latin typeface="+mn-lt"/>
+                <a:ea typeface="+mn-ea"/>
+                <a:cs typeface="+mn-cs"/>
+              </a:defRPr>
+            </a:lvl3pPr>
+            <a:lvl4pPr marL="1371600" algn="l" defTabSz="914400" rtl="0" eaLnBrk="1" latinLnBrk="0" hangingPunct="1">
+              <a:defRPr sz="1800" kern="1200">
+                <a:solidFill>
+                  <a:schemeClr val="lt1"/>
+                </a:solidFill>
+                <a:latin typeface="+mn-lt"/>
+                <a:ea typeface="+mn-ea"/>
+                <a:cs typeface="+mn-cs"/>
+              </a:defRPr>
+            </a:lvl4pPr>
+            <a:lvl5pPr marL="1828800" algn="l" defTabSz="914400" rtl="0" eaLnBrk="1" latinLnBrk="0" hangingPunct="1">
+              <a:defRPr sz="1800" kern="1200">
+                <a:solidFill>
+                  <a:schemeClr val="lt1"/>
+                </a:solidFill>
+                <a:latin typeface="+mn-lt"/>
+                <a:ea typeface="+mn-ea"/>
+                <a:cs typeface="+mn-cs"/>
+              </a:defRPr>
+            </a:lvl5pPr>
+            <a:lvl6pPr marL="2286000" algn="l" defTabSz="914400" rtl="0" eaLnBrk="1" latinLnBrk="0" hangingPunct="1">
+              <a:defRPr sz="1800" kern="1200">
+                <a:solidFill>
+                  <a:schemeClr val="lt1"/>
+                </a:solidFill>
+                <a:latin typeface="+mn-lt"/>
+                <a:ea typeface="+mn-ea"/>
+                <a:cs typeface="+mn-cs"/>
+              </a:defRPr>
+            </a:lvl6pPr>
+            <a:lvl7pPr marL="2743200" algn="l" defTabSz="914400" rtl="0" eaLnBrk="1" latinLnBrk="0" hangingPunct="1">
+              <a:defRPr sz="1800" kern="1200">
+                <a:solidFill>
+                  <a:schemeClr val="lt1"/>
+                </a:solidFill>
+                <a:latin typeface="+mn-lt"/>
+                <a:ea typeface="+mn-ea"/>
+                <a:cs typeface="+mn-cs"/>
+              </a:defRPr>
+            </a:lvl7pPr>
+            <a:lvl8pPr marL="3200400" algn="l" defTabSz="914400" rtl="0" eaLnBrk="1" latinLnBrk="0" hangingPunct="1">
+              <a:defRPr sz="1800" kern="1200">
+                <a:solidFill>
+                  <a:schemeClr val="lt1"/>
+                </a:solidFill>
+                <a:latin typeface="+mn-lt"/>
+                <a:ea typeface="+mn-ea"/>
+                <a:cs typeface="+mn-cs"/>
+              </a:defRPr>
+            </a:lvl8pPr>
+            <a:lvl9pPr marL="3657600" algn="l" defTabSz="914400" rtl="0" eaLnBrk="1" latinLnBrk="0" hangingPunct="1">
+              <a:defRPr sz="1800" kern="1200">
+                <a:solidFill>
+                  <a:schemeClr val="lt1"/>
+                </a:solidFill>
+                <a:latin typeface="+mn-lt"/>
+                <a:ea typeface="+mn-ea"/>
+                <a:cs typeface="+mn-cs"/>
+              </a:defRPr>
+            </a:lvl9pPr>
+          </a:lstStyle>
+          <a:p>
+            <a:pPr algn="ctr"/>
+            <a:r>
+              <a:rPr lang="en-GB" dirty="0">
+                <a:solidFill>
+                  <a:schemeClr val="tx1">
+                    <a:lumMod val="75000"/>
+                    <a:lumOff val="25000"/>
+                  </a:schemeClr>
+                </a:solidFill>
+              </a:rPr>
+              <a:t>Pub. / SSP</a:t>
+            </a:r>
+          </a:p>
+        </p:txBody>
+      </p:sp>
+      <p:sp>
+        <p:nvSpPr>
+          <p:cNvPr id="34" name="Arrow: Right 33">
+            <a:extLst>
+              <a:ext uri="{FF2B5EF4-FFF2-40B4-BE49-F238E27FC236}">
+                <a16:creationId xmlns:a16="http://schemas.microsoft.com/office/drawing/2014/main" id="{582BFDC0-D91B-4BE9-91F8-077514C9D927}"/>
+              </a:ext>
+            </a:extLst>
+          </p:cNvPr>
+          <p:cNvSpPr/>
+          <p:nvPr/>
+        </p:nvSpPr>
+        <p:spPr>
+          <a:xfrm>
+            <a:off x="5628006" y="4024316"/>
+            <a:ext cx="1309395" cy="867747"/>
+          </a:xfrm>
+          <a:prstGeom prst="rightArrow">
+            <a:avLst/>
+          </a:prstGeom>
+          <a:solidFill>
+            <a:schemeClr val="bg1">
+              <a:lumMod val="65000"/>
+              <a:alpha val="50000"/>
+            </a:schemeClr>
+          </a:solidFill>
+          <a:ln>
+            <a:solidFill>
+              <a:schemeClr val="bg2">
+                <a:lumMod val="50000"/>
+              </a:schemeClr>
+            </a:solidFill>
+          </a:ln>
+        </p:spPr>
+        <p:style>
+          <a:lnRef idx="2">
+            <a:schemeClr val="accent1">
+              <a:shade val="50000"/>
+            </a:schemeClr>
+          </a:lnRef>
+          <a:fillRef idx="1">
+            <a:schemeClr val="accent1"/>
+          </a:fillRef>
+          <a:effectRef idx="0">
+            <a:schemeClr val="accent1"/>
+          </a:effectRef>
+          <a:fontRef idx="minor">
+            <a:schemeClr val="lt1"/>
+          </a:fontRef>
+        </p:style>
+        <p:txBody>
+          <a:bodyPr lIns="46800" rIns="46800" rtlCol="0" anchor="ctr"/>
+          <a:lstStyle>
+            <a:defPPr>
+              <a:defRPr lang="en-US"/>
+            </a:defPPr>
+            <a:lvl1pPr marL="0" algn="l" defTabSz="914400" rtl="0" eaLnBrk="1" latinLnBrk="0" hangingPunct="1">
+              <a:defRPr sz="1800" kern="1200">
+                <a:solidFill>
+                  <a:schemeClr val="lt1"/>
+                </a:solidFill>
+                <a:latin typeface="+mn-lt"/>
+                <a:ea typeface="+mn-ea"/>
+                <a:cs typeface="+mn-cs"/>
+              </a:defRPr>
+            </a:lvl1pPr>
+            <a:lvl2pPr marL="457200" algn="l" defTabSz="914400" rtl="0" eaLnBrk="1" latinLnBrk="0" hangingPunct="1">
+              <a:defRPr sz="1800" kern="1200">
+                <a:solidFill>
+                  <a:schemeClr val="lt1"/>
+                </a:solidFill>
+                <a:latin typeface="+mn-lt"/>
+                <a:ea typeface="+mn-ea"/>
+                <a:cs typeface="+mn-cs"/>
+              </a:defRPr>
+            </a:lvl2pPr>
+            <a:lvl3pPr marL="914400" algn="l" defTabSz="914400" rtl="0" eaLnBrk="1" latinLnBrk="0" hangingPunct="1">
+              <a:defRPr sz="1800" kern="1200">
+                <a:solidFill>
+                  <a:schemeClr val="lt1"/>
+                </a:solidFill>
+                <a:latin typeface="+mn-lt"/>
+                <a:ea typeface="+mn-ea"/>
+                <a:cs typeface="+mn-cs"/>
+              </a:defRPr>
+            </a:lvl3pPr>
+            <a:lvl4pPr marL="1371600" algn="l" defTabSz="914400" rtl="0" eaLnBrk="1" latinLnBrk="0" hangingPunct="1">
+              <a:defRPr sz="1800" kern="1200">
+                <a:solidFill>
+                  <a:schemeClr val="lt1"/>
+                </a:solidFill>
+                <a:latin typeface="+mn-lt"/>
+                <a:ea typeface="+mn-ea"/>
+                <a:cs typeface="+mn-cs"/>
+              </a:defRPr>
+            </a:lvl4pPr>
+            <a:lvl5pPr marL="1828800" algn="l" defTabSz="914400" rtl="0" eaLnBrk="1" latinLnBrk="0" hangingPunct="1">
+              <a:defRPr sz="1800" kern="1200">
+                <a:solidFill>
+                  <a:schemeClr val="lt1"/>
+                </a:solidFill>
+                <a:latin typeface="+mn-lt"/>
+                <a:ea typeface="+mn-ea"/>
+                <a:cs typeface="+mn-cs"/>
+              </a:defRPr>
+            </a:lvl5pPr>
+            <a:lvl6pPr marL="2286000" algn="l" defTabSz="914400" rtl="0" eaLnBrk="1" latinLnBrk="0" hangingPunct="1">
+              <a:defRPr sz="1800" kern="1200">
+                <a:solidFill>
+                  <a:schemeClr val="lt1"/>
+                </a:solidFill>
+                <a:latin typeface="+mn-lt"/>
+                <a:ea typeface="+mn-ea"/>
+                <a:cs typeface="+mn-cs"/>
+              </a:defRPr>
+            </a:lvl6pPr>
+            <a:lvl7pPr marL="2743200" algn="l" defTabSz="914400" rtl="0" eaLnBrk="1" latinLnBrk="0" hangingPunct="1">
+              <a:defRPr sz="1800" kern="1200">
+                <a:solidFill>
+                  <a:schemeClr val="lt1"/>
+                </a:solidFill>
+                <a:latin typeface="+mn-lt"/>
+                <a:ea typeface="+mn-ea"/>
+                <a:cs typeface="+mn-cs"/>
+              </a:defRPr>
+            </a:lvl7pPr>
+            <a:lvl8pPr marL="3200400" algn="l" defTabSz="914400" rtl="0" eaLnBrk="1" latinLnBrk="0" hangingPunct="1">
+              <a:defRPr sz="1800" kern="1200">
+                <a:solidFill>
+                  <a:schemeClr val="lt1"/>
+                </a:solidFill>
+                <a:latin typeface="+mn-lt"/>
+                <a:ea typeface="+mn-ea"/>
+                <a:cs typeface="+mn-cs"/>
+              </a:defRPr>
+            </a:lvl8pPr>
+            <a:lvl9pPr marL="3657600" algn="l" defTabSz="914400" rtl="0" eaLnBrk="1" latinLnBrk="0" hangingPunct="1">
+              <a:defRPr sz="1800" kern="1200">
+                <a:solidFill>
+                  <a:schemeClr val="lt1"/>
+                </a:solidFill>
+                <a:latin typeface="+mn-lt"/>
+                <a:ea typeface="+mn-ea"/>
+                <a:cs typeface="+mn-cs"/>
+              </a:defRPr>
+            </a:lvl9pPr>
+          </a:lstStyle>
+          <a:p>
+            <a:pPr algn="ctr"/>
+            <a:r>
+              <a:rPr lang="en-GB" dirty="0">
+                <a:solidFill>
+                  <a:schemeClr val="tx1">
+                    <a:lumMod val="75000"/>
+                    <a:lumOff val="25000"/>
+                  </a:schemeClr>
+                </a:solidFill>
+              </a:rPr>
+              <a:t>Retrieve</a:t>
+            </a:r>
+            <a:r>
+              <a:rPr lang="en-GB" baseline="30000" dirty="0">
+                <a:solidFill>
+                  <a:schemeClr val="tx1">
+                    <a:lumMod val="75000"/>
+                    <a:lumOff val="25000"/>
+                  </a:schemeClr>
+                </a:solidFill>
+              </a:rPr>
+              <a:t>#</a:t>
+            </a:r>
+          </a:p>
+        </p:txBody>
+      </p:sp>
+      <p:sp>
+        <p:nvSpPr>
+          <p:cNvPr id="35" name="Rectangle 34">
+            <a:extLst>
+              <a:ext uri="{FF2B5EF4-FFF2-40B4-BE49-F238E27FC236}">
+                <a16:creationId xmlns:a16="http://schemas.microsoft.com/office/drawing/2014/main" id="{8B8C02BE-8CC6-4C53-BBFD-DE9620F7C8E7}"/>
+              </a:ext>
+            </a:extLst>
+          </p:cNvPr>
+          <p:cNvSpPr/>
+          <p:nvPr/>
+        </p:nvSpPr>
+        <p:spPr>
+          <a:xfrm>
+            <a:off x="8533637" y="3842078"/>
+            <a:ext cx="2102806" cy="1232225"/>
+          </a:xfrm>
+          <a:prstGeom prst="rect">
+            <a:avLst/>
+          </a:prstGeom>
+          <a:solidFill>
+            <a:schemeClr val="bg1">
+              <a:lumMod val="65000"/>
+              <a:alpha val="50000"/>
+            </a:schemeClr>
+          </a:solidFill>
+          <a:ln>
+            <a:solidFill>
+              <a:schemeClr val="bg2">
+                <a:lumMod val="50000"/>
+              </a:schemeClr>
+            </a:solidFill>
+          </a:ln>
+        </p:spPr>
+        <p:style>
+          <a:lnRef idx="2">
+            <a:schemeClr val="accent1">
+              <a:shade val="50000"/>
+            </a:schemeClr>
+          </a:lnRef>
+          <a:fillRef idx="1">
+            <a:schemeClr val="accent1"/>
+          </a:fillRef>
+          <a:effectRef idx="0">
+            <a:schemeClr val="accent1"/>
+          </a:effectRef>
+          <a:fontRef idx="minor">
+            <a:schemeClr val="lt1"/>
+          </a:fontRef>
+        </p:style>
+        <p:txBody>
+          <a:bodyPr lIns="46800" rIns="46800" rtlCol="0" anchor="ctr"/>
+          <a:lstStyle>
+            <a:defPPr>
+              <a:defRPr lang="en-US"/>
+            </a:defPPr>
+            <a:lvl1pPr marL="0" algn="l" defTabSz="914400" rtl="0" eaLnBrk="1" latinLnBrk="0" hangingPunct="1">
+              <a:defRPr sz="1800" kern="1200">
+                <a:solidFill>
+                  <a:schemeClr val="lt1"/>
+                </a:solidFill>
+                <a:latin typeface="+mn-lt"/>
+                <a:ea typeface="+mn-ea"/>
+                <a:cs typeface="+mn-cs"/>
+              </a:defRPr>
+            </a:lvl1pPr>
+            <a:lvl2pPr marL="457200" algn="l" defTabSz="914400" rtl="0" eaLnBrk="1" latinLnBrk="0" hangingPunct="1">
+              <a:defRPr sz="1800" kern="1200">
+                <a:solidFill>
+                  <a:schemeClr val="lt1"/>
+                </a:solidFill>
+                <a:latin typeface="+mn-lt"/>
+                <a:ea typeface="+mn-ea"/>
+                <a:cs typeface="+mn-cs"/>
+              </a:defRPr>
+            </a:lvl2pPr>
+            <a:lvl3pPr marL="914400" algn="l" defTabSz="914400" rtl="0" eaLnBrk="1" latinLnBrk="0" hangingPunct="1">
+              <a:defRPr sz="1800" kern="1200">
+                <a:solidFill>
+                  <a:schemeClr val="lt1"/>
+                </a:solidFill>
+                <a:latin typeface="+mn-lt"/>
+                <a:ea typeface="+mn-ea"/>
+                <a:cs typeface="+mn-cs"/>
+              </a:defRPr>
+            </a:lvl3pPr>
+            <a:lvl4pPr marL="1371600" algn="l" defTabSz="914400" rtl="0" eaLnBrk="1" latinLnBrk="0" hangingPunct="1">
+              <a:defRPr sz="1800" kern="1200">
+                <a:solidFill>
+                  <a:schemeClr val="lt1"/>
+                </a:solidFill>
+                <a:latin typeface="+mn-lt"/>
+                <a:ea typeface="+mn-ea"/>
+                <a:cs typeface="+mn-cs"/>
+              </a:defRPr>
+            </a:lvl4pPr>
+            <a:lvl5pPr marL="1828800" algn="l" defTabSz="914400" rtl="0" eaLnBrk="1" latinLnBrk="0" hangingPunct="1">
+              <a:defRPr sz="1800" kern="1200">
+                <a:solidFill>
+                  <a:schemeClr val="lt1"/>
+                </a:solidFill>
+                <a:latin typeface="+mn-lt"/>
+                <a:ea typeface="+mn-ea"/>
+                <a:cs typeface="+mn-cs"/>
+              </a:defRPr>
+            </a:lvl5pPr>
+            <a:lvl6pPr marL="2286000" algn="l" defTabSz="914400" rtl="0" eaLnBrk="1" latinLnBrk="0" hangingPunct="1">
+              <a:defRPr sz="1800" kern="1200">
+                <a:solidFill>
+                  <a:schemeClr val="lt1"/>
+                </a:solidFill>
+                <a:latin typeface="+mn-lt"/>
+                <a:ea typeface="+mn-ea"/>
+                <a:cs typeface="+mn-cs"/>
+              </a:defRPr>
+            </a:lvl6pPr>
+            <a:lvl7pPr marL="2743200" algn="l" defTabSz="914400" rtl="0" eaLnBrk="1" latinLnBrk="0" hangingPunct="1">
+              <a:defRPr sz="1800" kern="1200">
+                <a:solidFill>
+                  <a:schemeClr val="lt1"/>
+                </a:solidFill>
+                <a:latin typeface="+mn-lt"/>
+                <a:ea typeface="+mn-ea"/>
+                <a:cs typeface="+mn-cs"/>
+              </a:defRPr>
+            </a:lvl7pPr>
+            <a:lvl8pPr marL="3200400" algn="l" defTabSz="914400" rtl="0" eaLnBrk="1" latinLnBrk="0" hangingPunct="1">
+              <a:defRPr sz="1800" kern="1200">
+                <a:solidFill>
+                  <a:schemeClr val="lt1"/>
+                </a:solidFill>
+                <a:latin typeface="+mn-lt"/>
+                <a:ea typeface="+mn-ea"/>
+                <a:cs typeface="+mn-cs"/>
+              </a:defRPr>
+            </a:lvl8pPr>
+            <a:lvl9pPr marL="3657600" algn="l" defTabSz="914400" rtl="0" eaLnBrk="1" latinLnBrk="0" hangingPunct="1">
+              <a:defRPr sz="1800" kern="1200">
+                <a:solidFill>
+                  <a:schemeClr val="lt1"/>
+                </a:solidFill>
+                <a:latin typeface="+mn-lt"/>
+                <a:ea typeface="+mn-ea"/>
+                <a:cs typeface="+mn-cs"/>
+              </a:defRPr>
+            </a:lvl9pPr>
+          </a:lstStyle>
+          <a:p>
+            <a:pPr algn="ctr"/>
+            <a:r>
+              <a:rPr lang="en-GB" dirty="0">
+                <a:solidFill>
+                  <a:schemeClr val="tx1">
+                    <a:lumMod val="75000"/>
+                    <a:lumOff val="25000"/>
+                  </a:schemeClr>
+                </a:solidFill>
+              </a:rPr>
+              <a:t>Offer ID</a:t>
+            </a:r>
+          </a:p>
+          <a:p>
+            <a:r>
+              <a:rPr lang="en-GB" dirty="0">
+                <a:solidFill>
+                  <a:schemeClr val="tx1">
+                    <a:lumMod val="75000"/>
+                    <a:lumOff val="25000"/>
+                  </a:schemeClr>
+                </a:solidFill>
+              </a:rPr>
+              <a:t>Transport:  </a:t>
+            </a:r>
+            <a:r>
+              <a:rPr lang="en-GB" dirty="0" err="1">
+                <a:solidFill>
+                  <a:schemeClr val="tx1">
+                    <a:lumMod val="75000"/>
+                    <a:lumOff val="25000"/>
+                  </a:schemeClr>
+                </a:solidFill>
+              </a:rPr>
+              <a:t>OpenRTB</a:t>
+            </a:r>
+            <a:r>
+              <a:rPr lang="en-GB" dirty="0">
+                <a:solidFill>
+                  <a:schemeClr val="tx1">
+                    <a:lumMod val="75000"/>
+                    <a:lumOff val="25000"/>
+                  </a:schemeClr>
+                </a:solidFill>
+              </a:rPr>
+              <a:t>  Encoding: OWID</a:t>
+            </a:r>
+          </a:p>
+        </p:txBody>
+      </p:sp>
+      <p:sp>
+        <p:nvSpPr>
+          <p:cNvPr id="36" name="Rectangle 35">
+            <a:extLst>
+              <a:ext uri="{FF2B5EF4-FFF2-40B4-BE49-F238E27FC236}">
+                <a16:creationId xmlns:a16="http://schemas.microsoft.com/office/drawing/2014/main" id="{293A197D-5A13-4BB1-A604-E295A6C400B0}"/>
+              </a:ext>
+            </a:extLst>
+          </p:cNvPr>
+          <p:cNvSpPr/>
+          <p:nvPr/>
+        </p:nvSpPr>
+        <p:spPr>
+          <a:xfrm>
+            <a:off x="7027598" y="3324877"/>
+            <a:ext cx="3805489" cy="1995121"/>
+          </a:xfrm>
+          <a:prstGeom prst="rect">
+            <a:avLst/>
+          </a:prstGeom>
+          <a:noFill/>
+          <a:ln w="25400">
+            <a:solidFill>
+              <a:schemeClr val="tx1">
+                <a:lumMod val="75000"/>
+                <a:lumOff val="25000"/>
+              </a:schemeClr>
+            </a:solidFill>
+            <a:prstDash val="dash"/>
+          </a:ln>
+        </p:spPr>
+        <p:style>
+          <a:lnRef idx="2">
+            <a:schemeClr val="accent1">
+              <a:shade val="50000"/>
+            </a:schemeClr>
+          </a:lnRef>
+          <a:fillRef idx="1">
+            <a:schemeClr val="accent1"/>
+          </a:fillRef>
+          <a:effectRef idx="0">
+            <a:schemeClr val="accent1"/>
+          </a:effectRef>
+          <a:fontRef idx="minor">
+            <a:schemeClr val="lt1"/>
+          </a:fontRef>
+        </p:style>
+        <p:txBody>
+          <a:bodyPr rtlCol="0" anchor="ctr"/>
+          <a:lstStyle>
+            <a:defPPr>
+              <a:defRPr lang="en-US"/>
+            </a:defPPr>
+            <a:lvl1pPr marL="0" algn="l" defTabSz="914400" rtl="0" eaLnBrk="1" latinLnBrk="0" hangingPunct="1">
+              <a:defRPr sz="1800" kern="1200">
+                <a:solidFill>
+                  <a:schemeClr val="lt1"/>
+                </a:solidFill>
+                <a:latin typeface="+mn-lt"/>
+                <a:ea typeface="+mn-ea"/>
+                <a:cs typeface="+mn-cs"/>
+              </a:defRPr>
+            </a:lvl1pPr>
+            <a:lvl2pPr marL="457200" algn="l" defTabSz="914400" rtl="0" eaLnBrk="1" latinLnBrk="0" hangingPunct="1">
+              <a:defRPr sz="1800" kern="1200">
+                <a:solidFill>
+                  <a:schemeClr val="lt1"/>
+                </a:solidFill>
+                <a:latin typeface="+mn-lt"/>
+                <a:ea typeface="+mn-ea"/>
+                <a:cs typeface="+mn-cs"/>
+              </a:defRPr>
+            </a:lvl2pPr>
+            <a:lvl3pPr marL="914400" algn="l" defTabSz="914400" rtl="0" eaLnBrk="1" latinLnBrk="0" hangingPunct="1">
+              <a:defRPr sz="1800" kern="1200">
+                <a:solidFill>
+                  <a:schemeClr val="lt1"/>
+                </a:solidFill>
+                <a:latin typeface="+mn-lt"/>
+                <a:ea typeface="+mn-ea"/>
+                <a:cs typeface="+mn-cs"/>
+              </a:defRPr>
+            </a:lvl3pPr>
+            <a:lvl4pPr marL="1371600" algn="l" defTabSz="914400" rtl="0" eaLnBrk="1" latinLnBrk="0" hangingPunct="1">
+              <a:defRPr sz="1800" kern="1200">
+                <a:solidFill>
+                  <a:schemeClr val="lt1"/>
+                </a:solidFill>
+                <a:latin typeface="+mn-lt"/>
+                <a:ea typeface="+mn-ea"/>
+                <a:cs typeface="+mn-cs"/>
+              </a:defRPr>
+            </a:lvl4pPr>
+            <a:lvl5pPr marL="1828800" algn="l" defTabSz="914400" rtl="0" eaLnBrk="1" latinLnBrk="0" hangingPunct="1">
+              <a:defRPr sz="1800" kern="1200">
+                <a:solidFill>
+                  <a:schemeClr val="lt1"/>
+                </a:solidFill>
+                <a:latin typeface="+mn-lt"/>
+                <a:ea typeface="+mn-ea"/>
+                <a:cs typeface="+mn-cs"/>
+              </a:defRPr>
+            </a:lvl5pPr>
+            <a:lvl6pPr marL="2286000" algn="l" defTabSz="914400" rtl="0" eaLnBrk="1" latinLnBrk="0" hangingPunct="1">
+              <a:defRPr sz="1800" kern="1200">
+                <a:solidFill>
+                  <a:schemeClr val="lt1"/>
+                </a:solidFill>
+                <a:latin typeface="+mn-lt"/>
+                <a:ea typeface="+mn-ea"/>
+                <a:cs typeface="+mn-cs"/>
+              </a:defRPr>
+            </a:lvl6pPr>
+            <a:lvl7pPr marL="2743200" algn="l" defTabSz="914400" rtl="0" eaLnBrk="1" latinLnBrk="0" hangingPunct="1">
+              <a:defRPr sz="1800" kern="1200">
+                <a:solidFill>
+                  <a:schemeClr val="lt1"/>
+                </a:solidFill>
+                <a:latin typeface="+mn-lt"/>
+                <a:ea typeface="+mn-ea"/>
+                <a:cs typeface="+mn-cs"/>
+              </a:defRPr>
+            </a:lvl7pPr>
+            <a:lvl8pPr marL="3200400" algn="l" defTabSz="914400" rtl="0" eaLnBrk="1" latinLnBrk="0" hangingPunct="1">
+              <a:defRPr sz="1800" kern="1200">
+                <a:solidFill>
+                  <a:schemeClr val="lt1"/>
+                </a:solidFill>
+                <a:latin typeface="+mn-lt"/>
+                <a:ea typeface="+mn-ea"/>
+                <a:cs typeface="+mn-cs"/>
+              </a:defRPr>
+            </a:lvl8pPr>
+            <a:lvl9pPr marL="3657600" algn="l" defTabSz="914400" rtl="0" eaLnBrk="1" latinLnBrk="0" hangingPunct="1">
+              <a:defRPr sz="1800" kern="1200">
+                <a:solidFill>
+                  <a:schemeClr val="lt1"/>
+                </a:solidFill>
+                <a:latin typeface="+mn-lt"/>
+                <a:ea typeface="+mn-ea"/>
+                <a:cs typeface="+mn-cs"/>
+              </a:defRPr>
+            </a:lvl9pPr>
+          </a:lstStyle>
+          <a:p>
+            <a:pPr algn="ctr"/>
+            <a:endParaRPr lang="en-GB" dirty="0"/>
+          </a:p>
+        </p:txBody>
+      </p:sp>
+      <p:sp>
+        <p:nvSpPr>
+          <p:cNvPr id="37" name="TextBox 23">
+            <a:extLst>
+              <a:ext uri="{FF2B5EF4-FFF2-40B4-BE49-F238E27FC236}">
+                <a16:creationId xmlns:a16="http://schemas.microsoft.com/office/drawing/2014/main" id="{BAA2FACF-0E27-47E2-ACBC-1027DDDFFA83}"/>
+              </a:ext>
+            </a:extLst>
+          </p:cNvPr>
+          <p:cNvSpPr txBox="1"/>
+          <p:nvPr/>
+        </p:nvSpPr>
+        <p:spPr>
+          <a:xfrm>
+            <a:off x="7027598" y="3412681"/>
+            <a:ext cx="3805488" cy="369332"/>
+          </a:xfrm>
+          <a:prstGeom prst="rect">
+            <a:avLst/>
+          </a:prstGeom>
+          <a:noFill/>
+        </p:spPr>
+        <p:txBody>
+          <a:bodyPr wrap="square" rtlCol="0">
+            <a:spAutoFit/>
+          </a:bodyPr>
+          <a:lstStyle>
+            <a:defPPr>
+              <a:defRPr lang="en-US"/>
+            </a:defPPr>
+            <a:lvl1pPr marL="0" algn="l" defTabSz="914400" rtl="0" eaLnBrk="1" latinLnBrk="0" hangingPunct="1">
+              <a:defRPr sz="1800" kern="1200">
+                <a:solidFill>
+                  <a:schemeClr val="tx1"/>
+                </a:solidFill>
+                <a:latin typeface="+mn-lt"/>
+                <a:ea typeface="+mn-ea"/>
+                <a:cs typeface="+mn-cs"/>
+              </a:defRPr>
+            </a:lvl1pPr>
+            <a:lvl2pPr marL="457200" algn="l" defTabSz="914400" rtl="0" eaLnBrk="1" latinLnBrk="0" hangingPunct="1">
+              <a:defRPr sz="1800" kern="1200">
+                <a:solidFill>
+                  <a:schemeClr val="tx1"/>
+                </a:solidFill>
+                <a:latin typeface="+mn-lt"/>
+                <a:ea typeface="+mn-ea"/>
+                <a:cs typeface="+mn-cs"/>
+              </a:defRPr>
+            </a:lvl2pPr>
+            <a:lvl3pPr marL="914400" algn="l" defTabSz="914400" rtl="0" eaLnBrk="1" latinLnBrk="0" hangingPunct="1">
+              <a:defRPr sz="1800" kern="1200">
+                <a:solidFill>
+                  <a:schemeClr val="tx1"/>
+                </a:solidFill>
+                <a:latin typeface="+mn-lt"/>
+                <a:ea typeface="+mn-ea"/>
+                <a:cs typeface="+mn-cs"/>
+              </a:defRPr>
+            </a:lvl3pPr>
+            <a:lvl4pPr marL="1371600" algn="l" defTabSz="914400" rtl="0" eaLnBrk="1" latinLnBrk="0" hangingPunct="1">
+              <a:defRPr sz="1800" kern="1200">
+                <a:solidFill>
+                  <a:schemeClr val="tx1"/>
+                </a:solidFill>
+                <a:latin typeface="+mn-lt"/>
+                <a:ea typeface="+mn-ea"/>
+                <a:cs typeface="+mn-cs"/>
+              </a:defRPr>
+            </a:lvl4pPr>
+            <a:lvl5pPr marL="1828800" algn="l" defTabSz="914400" rtl="0" eaLnBrk="1" latinLnBrk="0" hangingPunct="1">
+              <a:defRPr sz="1800" kern="1200">
+                <a:solidFill>
+                  <a:schemeClr val="tx1"/>
+                </a:solidFill>
+                <a:latin typeface="+mn-lt"/>
+                <a:ea typeface="+mn-ea"/>
+                <a:cs typeface="+mn-cs"/>
+              </a:defRPr>
+            </a:lvl5pPr>
+            <a:lvl6pPr marL="2286000" algn="l" defTabSz="914400" rtl="0" eaLnBrk="1" latinLnBrk="0" hangingPunct="1">
+              <a:defRPr sz="1800" kern="1200">
+                <a:solidFill>
+                  <a:schemeClr val="tx1"/>
+                </a:solidFill>
+                <a:latin typeface="+mn-lt"/>
+                <a:ea typeface="+mn-ea"/>
+                <a:cs typeface="+mn-cs"/>
+              </a:defRPr>
+            </a:lvl6pPr>
+            <a:lvl7pPr marL="2743200" algn="l" defTabSz="914400" rtl="0" eaLnBrk="1" latinLnBrk="0" hangingPunct="1">
+              <a:defRPr sz="1800" kern="1200">
+                <a:solidFill>
+                  <a:schemeClr val="tx1"/>
+                </a:solidFill>
+                <a:latin typeface="+mn-lt"/>
+                <a:ea typeface="+mn-ea"/>
+                <a:cs typeface="+mn-cs"/>
+              </a:defRPr>
+            </a:lvl7pPr>
+            <a:lvl8pPr marL="3200400" algn="l" defTabSz="914400" rtl="0" eaLnBrk="1" latinLnBrk="0" hangingPunct="1">
+              <a:defRPr sz="1800" kern="1200">
+                <a:solidFill>
+                  <a:schemeClr val="tx1"/>
+                </a:solidFill>
+                <a:latin typeface="+mn-lt"/>
+                <a:ea typeface="+mn-ea"/>
+                <a:cs typeface="+mn-cs"/>
+              </a:defRPr>
+            </a:lvl8pPr>
+            <a:lvl9pPr marL="3657600" algn="l" defTabSz="914400" rtl="0" eaLnBrk="1" latinLnBrk="0" hangingPunct="1">
+              <a:defRPr sz="1800" kern="1200">
+                <a:solidFill>
+                  <a:schemeClr val="tx1"/>
+                </a:solidFill>
+                <a:latin typeface="+mn-lt"/>
+                <a:ea typeface="+mn-ea"/>
+                <a:cs typeface="+mn-cs"/>
+              </a:defRPr>
+            </a:lvl9pPr>
+          </a:lstStyle>
+          <a:p>
+            <a:pPr algn="ctr"/>
+            <a:r>
+              <a:rPr lang="en-GB" dirty="0"/>
+              <a:t>Ad. Env.</a:t>
+            </a:r>
+          </a:p>
+        </p:txBody>
+      </p:sp>
+      <p:sp>
+        <p:nvSpPr>
+          <p:cNvPr id="38" name="Rectangle 37">
+            <a:extLst>
+              <a:ext uri="{FF2B5EF4-FFF2-40B4-BE49-F238E27FC236}">
+                <a16:creationId xmlns:a16="http://schemas.microsoft.com/office/drawing/2014/main" id="{6F3FB727-C0B0-4953-841B-B9FF9CA37872}"/>
+              </a:ext>
+            </a:extLst>
+          </p:cNvPr>
+          <p:cNvSpPr/>
+          <p:nvPr/>
+        </p:nvSpPr>
+        <p:spPr>
+          <a:xfrm>
+            <a:off x="1730428" y="3131247"/>
+            <a:ext cx="2019734" cy="542401"/>
+          </a:xfrm>
+          <a:prstGeom prst="rect">
+            <a:avLst/>
+          </a:prstGeom>
+          <a:solidFill>
+            <a:schemeClr val="accent2">
+              <a:lumMod val="60000"/>
+              <a:lumOff val="40000"/>
+              <a:alpha val="50000"/>
+            </a:schemeClr>
+          </a:solidFill>
+          <a:ln>
+            <a:solidFill>
+              <a:schemeClr val="bg2">
+                <a:lumMod val="50000"/>
+              </a:schemeClr>
+            </a:solidFill>
+          </a:ln>
+        </p:spPr>
+        <p:style>
+          <a:lnRef idx="2">
+            <a:schemeClr val="accent1">
+              <a:shade val="50000"/>
+            </a:schemeClr>
+          </a:lnRef>
+          <a:fillRef idx="1">
+            <a:schemeClr val="accent1"/>
+          </a:fillRef>
+          <a:effectRef idx="0">
+            <a:schemeClr val="accent1"/>
+          </a:effectRef>
+          <a:fontRef idx="minor">
+            <a:schemeClr val="lt1"/>
+          </a:fontRef>
+        </p:style>
+        <p:txBody>
+          <a:bodyPr lIns="46800" rIns="46800" rtlCol="0" anchor="ctr"/>
+          <a:lstStyle>
+            <a:defPPr>
+              <a:defRPr lang="en-US"/>
+            </a:defPPr>
+            <a:lvl1pPr marL="0" algn="l" defTabSz="914400" rtl="0" eaLnBrk="1" latinLnBrk="0" hangingPunct="1">
+              <a:defRPr sz="1800" kern="1200">
+                <a:solidFill>
+                  <a:schemeClr val="lt1"/>
+                </a:solidFill>
+                <a:latin typeface="+mn-lt"/>
+                <a:ea typeface="+mn-ea"/>
+                <a:cs typeface="+mn-cs"/>
+              </a:defRPr>
+            </a:lvl1pPr>
+            <a:lvl2pPr marL="457200" algn="l" defTabSz="914400" rtl="0" eaLnBrk="1" latinLnBrk="0" hangingPunct="1">
+              <a:defRPr sz="1800" kern="1200">
+                <a:solidFill>
+                  <a:schemeClr val="lt1"/>
+                </a:solidFill>
+                <a:latin typeface="+mn-lt"/>
+                <a:ea typeface="+mn-ea"/>
+                <a:cs typeface="+mn-cs"/>
+              </a:defRPr>
+            </a:lvl2pPr>
+            <a:lvl3pPr marL="914400" algn="l" defTabSz="914400" rtl="0" eaLnBrk="1" latinLnBrk="0" hangingPunct="1">
+              <a:defRPr sz="1800" kern="1200">
+                <a:solidFill>
+                  <a:schemeClr val="lt1"/>
+                </a:solidFill>
+                <a:latin typeface="+mn-lt"/>
+                <a:ea typeface="+mn-ea"/>
+                <a:cs typeface="+mn-cs"/>
+              </a:defRPr>
+            </a:lvl3pPr>
+            <a:lvl4pPr marL="1371600" algn="l" defTabSz="914400" rtl="0" eaLnBrk="1" latinLnBrk="0" hangingPunct="1">
+              <a:defRPr sz="1800" kern="1200">
+                <a:solidFill>
+                  <a:schemeClr val="lt1"/>
+                </a:solidFill>
+                <a:latin typeface="+mn-lt"/>
+                <a:ea typeface="+mn-ea"/>
+                <a:cs typeface="+mn-cs"/>
+              </a:defRPr>
+            </a:lvl4pPr>
+            <a:lvl5pPr marL="1828800" algn="l" defTabSz="914400" rtl="0" eaLnBrk="1" latinLnBrk="0" hangingPunct="1">
+              <a:defRPr sz="1800" kern="1200">
+                <a:solidFill>
+                  <a:schemeClr val="lt1"/>
+                </a:solidFill>
+                <a:latin typeface="+mn-lt"/>
+                <a:ea typeface="+mn-ea"/>
+                <a:cs typeface="+mn-cs"/>
+              </a:defRPr>
+            </a:lvl5pPr>
+            <a:lvl6pPr marL="2286000" algn="l" defTabSz="914400" rtl="0" eaLnBrk="1" latinLnBrk="0" hangingPunct="1">
+              <a:defRPr sz="1800" kern="1200">
+                <a:solidFill>
+                  <a:schemeClr val="lt1"/>
+                </a:solidFill>
+                <a:latin typeface="+mn-lt"/>
+                <a:ea typeface="+mn-ea"/>
+                <a:cs typeface="+mn-cs"/>
+              </a:defRPr>
+            </a:lvl6pPr>
+            <a:lvl7pPr marL="2743200" algn="l" defTabSz="914400" rtl="0" eaLnBrk="1" latinLnBrk="0" hangingPunct="1">
+              <a:defRPr sz="1800" kern="1200">
+                <a:solidFill>
+                  <a:schemeClr val="lt1"/>
+                </a:solidFill>
+                <a:latin typeface="+mn-lt"/>
+                <a:ea typeface="+mn-ea"/>
+                <a:cs typeface="+mn-cs"/>
+              </a:defRPr>
+            </a:lvl7pPr>
+            <a:lvl8pPr marL="3200400" algn="l" defTabSz="914400" rtl="0" eaLnBrk="1" latinLnBrk="0" hangingPunct="1">
+              <a:defRPr sz="1800" kern="1200">
+                <a:solidFill>
+                  <a:schemeClr val="lt1"/>
+                </a:solidFill>
+                <a:latin typeface="+mn-lt"/>
+                <a:ea typeface="+mn-ea"/>
+                <a:cs typeface="+mn-cs"/>
+              </a:defRPr>
+            </a:lvl8pPr>
+            <a:lvl9pPr marL="3657600" algn="l" defTabSz="914400" rtl="0" eaLnBrk="1" latinLnBrk="0" hangingPunct="1">
+              <a:defRPr sz="1800" kern="1200">
+                <a:solidFill>
+                  <a:schemeClr val="lt1"/>
+                </a:solidFill>
+                <a:latin typeface="+mn-lt"/>
+                <a:ea typeface="+mn-ea"/>
+                <a:cs typeface="+mn-cs"/>
+              </a:defRPr>
+            </a:lvl9pPr>
+          </a:lstStyle>
+          <a:p>
+            <a:pPr algn="ctr"/>
+            <a:r>
+              <a:rPr lang="en-GB" dirty="0">
+                <a:solidFill>
+                  <a:schemeClr val="tx1">
+                    <a:lumMod val="75000"/>
+                    <a:lumOff val="25000"/>
+                  </a:schemeClr>
+                </a:solidFill>
+              </a:rPr>
+              <a:t>Third Party Cookie</a:t>
+            </a:r>
+          </a:p>
+        </p:txBody>
+      </p:sp>
+      <p:sp>
+        <p:nvSpPr>
+          <p:cNvPr id="6" name="TextBox 5">
+            <a:extLst>
+              <a:ext uri="{FF2B5EF4-FFF2-40B4-BE49-F238E27FC236}">
+                <a16:creationId xmlns:a16="http://schemas.microsoft.com/office/drawing/2014/main" id="{90371C0C-EECB-46E2-906D-8003A8AC78E2}"/>
+              </a:ext>
+            </a:extLst>
+          </p:cNvPr>
+          <p:cNvSpPr txBox="1"/>
+          <p:nvPr/>
+        </p:nvSpPr>
+        <p:spPr>
+          <a:xfrm>
+            <a:off x="1358912" y="5563736"/>
+            <a:ext cx="9546776" cy="523220"/>
+          </a:xfrm>
+          <a:prstGeom prst="rect">
+            <a:avLst/>
+          </a:prstGeom>
+          <a:noFill/>
+        </p:spPr>
+        <p:txBody>
+          <a:bodyPr wrap="square" rtlCol="0">
+            <a:spAutoFit/>
+          </a:bodyPr>
+          <a:lstStyle/>
+          <a:p>
+            <a:r>
+              <a:rPr lang="en-GB" sz="1400" dirty="0"/>
+              <a:t>* Directly identifiable personal information retrieved for editing purposes</a:t>
+            </a:r>
+          </a:p>
+          <a:p>
+            <a:r>
+              <a:rPr lang="en-GB" sz="1400" dirty="0"/>
+              <a:t># All directly identifiable personal information irreversibly hashed</a:t>
+            </a:r>
+          </a:p>
+        </p:txBody>
+      </p:sp>
+    </p:spTree>
+    <p:extLst>
+      <p:ext uri="{BB962C8B-B14F-4D97-AF65-F5344CB8AC3E}">
+        <p14:creationId xmlns:p14="http://schemas.microsoft.com/office/powerpoint/2010/main" val="324439290"/>
+      </p:ext>
+    </p:extLst>
+  </p:cSld>
+  <p:clrMapOvr>
+    <a:masterClrMapping/>
+  </p:clrMapOvr>
+</p:sld>
+</file>
+
+<file path=ppt/slides/slide4.xml><?xml version="1.0" encoding="utf-8"?>
+<p:sld xmlns:a="http://schemas.openxmlformats.org/drawingml/2006/main" xmlns:r="http://schemas.openxmlformats.org/officeDocument/2006/relationships" xmlns:p="http://schemas.openxmlformats.org/presentationml/2006/main">
+  <p:cSld>
+    <p:spTree>
+      <p:nvGrpSpPr>
+        <p:cNvPr id="1" name=""/>
+        <p:cNvGrpSpPr/>
+        <p:nvPr/>
+      </p:nvGrpSpPr>
+      <p:grpSpPr>
+        <a:xfrm>
+          <a:off x="0" y="0"/>
+          <a:ext cx="0" cy="0"/>
+          <a:chOff x="0" y="0"/>
+          <a:chExt cx="0" cy="0"/>
+        </a:xfrm>
+      </p:grpSpPr>
+      <p:sp>
+        <p:nvSpPr>
+          <p:cNvPr id="3" name="Oval 2">
+            <a:extLst>
+              <a:ext uri="{FF2B5EF4-FFF2-40B4-BE49-F238E27FC236}">
+                <a16:creationId xmlns:a16="http://schemas.microsoft.com/office/drawing/2014/main" id="{777ECF4F-DCE2-4133-9523-8FACEB7F96C8}"/>
+              </a:ext>
+            </a:extLst>
+          </p:cNvPr>
+          <p:cNvSpPr/>
+          <p:nvPr/>
+        </p:nvSpPr>
+        <p:spPr>
+          <a:xfrm>
+            <a:off x="2456946" y="2108728"/>
+            <a:ext cx="1429139" cy="1408922"/>
+          </a:xfrm>
+          <a:prstGeom prst="ellipse">
+            <a:avLst/>
+          </a:prstGeom>
+          <a:solidFill>
+            <a:schemeClr val="accent2">
+              <a:lumMod val="60000"/>
+              <a:lumOff val="40000"/>
+              <a:alpha val="50000"/>
+            </a:schemeClr>
+          </a:solidFill>
+          <a:ln>
+            <a:solidFill>
+              <a:schemeClr val="bg2">
+                <a:lumMod val="50000"/>
+              </a:schemeClr>
+            </a:solidFill>
+          </a:ln>
+        </p:spPr>
+        <p:style>
+          <a:lnRef idx="2">
+            <a:schemeClr val="accent1">
+              <a:shade val="50000"/>
+            </a:schemeClr>
+          </a:lnRef>
+          <a:fillRef idx="1">
+            <a:schemeClr val="accent1"/>
+          </a:fillRef>
+          <a:effectRef idx="0">
+            <a:schemeClr val="accent1"/>
+          </a:effectRef>
+          <a:fontRef idx="minor">
+            <a:schemeClr val="lt1"/>
+          </a:fontRef>
+        </p:style>
+        <p:txBody>
+          <a:bodyPr lIns="46800" rIns="46800" rtlCol="0" anchor="ctr"/>
+          <a:lstStyle/>
+          <a:p>
+            <a:pPr algn="ctr"/>
+            <a:r>
+              <a:rPr lang="en-GB" dirty="0">
+                <a:solidFill>
+                  <a:schemeClr val="tx1"/>
+                </a:solidFill>
+              </a:rPr>
+              <a:t>SWAN</a:t>
+            </a:r>
+          </a:p>
+          <a:p>
+            <a:pPr algn="ctr"/>
+            <a:r>
+              <a:rPr lang="en-GB" dirty="0">
+                <a:solidFill>
+                  <a:schemeClr val="tx1"/>
+                </a:solidFill>
+              </a:rPr>
+              <a:t>Operator</a:t>
+            </a:r>
+          </a:p>
+          <a:p>
+            <a:pPr algn="ctr"/>
+            <a:r>
+              <a:rPr lang="en-GB" dirty="0">
+                <a:solidFill>
+                  <a:schemeClr val="tx1"/>
+                </a:solidFill>
+              </a:rPr>
+              <a:t>A</a:t>
+            </a:r>
+          </a:p>
+        </p:txBody>
+      </p:sp>
+      <p:sp>
+        <p:nvSpPr>
+          <p:cNvPr id="4" name="Oval 3">
+            <a:extLst>
+              <a:ext uri="{FF2B5EF4-FFF2-40B4-BE49-F238E27FC236}">
+                <a16:creationId xmlns:a16="http://schemas.microsoft.com/office/drawing/2014/main" id="{EC6E772D-5FF3-4C91-9C6C-B03DC9C0456E}"/>
+              </a:ext>
+            </a:extLst>
+          </p:cNvPr>
+          <p:cNvSpPr/>
+          <p:nvPr/>
+        </p:nvSpPr>
+        <p:spPr>
+          <a:xfrm>
+            <a:off x="1510388" y="3517650"/>
+            <a:ext cx="1429139" cy="1408922"/>
+          </a:xfrm>
+          <a:prstGeom prst="ellipse">
+            <a:avLst/>
+          </a:prstGeom>
+          <a:solidFill>
+            <a:schemeClr val="accent2">
+              <a:lumMod val="60000"/>
+              <a:lumOff val="40000"/>
+              <a:alpha val="50000"/>
+            </a:schemeClr>
+          </a:solidFill>
+          <a:ln>
+            <a:solidFill>
+              <a:schemeClr val="bg2">
+                <a:lumMod val="50000"/>
+              </a:schemeClr>
+            </a:solidFill>
+          </a:ln>
+        </p:spPr>
+        <p:style>
+          <a:lnRef idx="2">
+            <a:schemeClr val="accent1">
+              <a:shade val="50000"/>
+            </a:schemeClr>
+          </a:lnRef>
+          <a:fillRef idx="1">
+            <a:schemeClr val="accent1"/>
+          </a:fillRef>
+          <a:effectRef idx="0">
+            <a:schemeClr val="accent1"/>
+          </a:effectRef>
+          <a:fontRef idx="minor">
+            <a:schemeClr val="lt1"/>
+          </a:fontRef>
+        </p:style>
+        <p:txBody>
+          <a:bodyPr lIns="46800" rIns="46800" rtlCol="0" anchor="ctr"/>
+          <a:lstStyle/>
+          <a:p>
+            <a:pPr algn="ctr"/>
+            <a:r>
+              <a:rPr lang="en-GB" dirty="0">
+                <a:solidFill>
+                  <a:schemeClr val="tx1"/>
+                </a:solidFill>
+              </a:rPr>
+              <a:t>SWAN</a:t>
+            </a:r>
+          </a:p>
+          <a:p>
+            <a:pPr algn="ctr"/>
+            <a:r>
+              <a:rPr lang="en-GB" dirty="0">
+                <a:solidFill>
+                  <a:schemeClr val="tx1"/>
+                </a:solidFill>
+              </a:rPr>
+              <a:t>Operator</a:t>
+            </a:r>
+          </a:p>
+          <a:p>
+            <a:pPr algn="ctr"/>
+            <a:r>
+              <a:rPr lang="en-GB" dirty="0">
+                <a:solidFill>
+                  <a:schemeClr val="tx1"/>
+                </a:solidFill>
+              </a:rPr>
+              <a:t>B</a:t>
+            </a:r>
+          </a:p>
+        </p:txBody>
+      </p:sp>
+      <p:sp>
+        <p:nvSpPr>
+          <p:cNvPr id="5" name="Oval 4">
+            <a:extLst>
+              <a:ext uri="{FF2B5EF4-FFF2-40B4-BE49-F238E27FC236}">
+                <a16:creationId xmlns:a16="http://schemas.microsoft.com/office/drawing/2014/main" id="{3A508164-9F72-4DE8-966A-A127670F34FF}"/>
+              </a:ext>
+            </a:extLst>
+          </p:cNvPr>
+          <p:cNvSpPr/>
+          <p:nvPr/>
+        </p:nvSpPr>
+        <p:spPr>
+          <a:xfrm>
+            <a:off x="3340586" y="3517650"/>
+            <a:ext cx="1429139" cy="1408922"/>
+          </a:xfrm>
+          <a:prstGeom prst="ellipse">
+            <a:avLst/>
+          </a:prstGeom>
+          <a:solidFill>
+            <a:schemeClr val="accent2">
+              <a:lumMod val="60000"/>
+              <a:lumOff val="40000"/>
+              <a:alpha val="50000"/>
+            </a:schemeClr>
+          </a:solidFill>
+          <a:ln>
+            <a:solidFill>
+              <a:schemeClr val="bg2">
+                <a:lumMod val="50000"/>
+              </a:schemeClr>
+            </a:solidFill>
+          </a:ln>
+        </p:spPr>
+        <p:style>
+          <a:lnRef idx="2">
+            <a:schemeClr val="accent1">
+              <a:shade val="50000"/>
+            </a:schemeClr>
+          </a:lnRef>
+          <a:fillRef idx="1">
+            <a:schemeClr val="accent1"/>
+          </a:fillRef>
+          <a:effectRef idx="0">
+            <a:schemeClr val="accent1"/>
+          </a:effectRef>
+          <a:fontRef idx="minor">
+            <a:schemeClr val="lt1"/>
+          </a:fontRef>
+        </p:style>
+        <p:txBody>
+          <a:bodyPr lIns="46800" rIns="46800" rtlCol="0" anchor="ctr"/>
+          <a:lstStyle/>
+          <a:p>
+            <a:pPr algn="ctr"/>
+            <a:r>
+              <a:rPr lang="en-GB" dirty="0">
+                <a:solidFill>
+                  <a:schemeClr val="tx1"/>
+                </a:solidFill>
+              </a:rPr>
+              <a:t>SWAN</a:t>
+            </a:r>
+          </a:p>
+          <a:p>
+            <a:pPr algn="ctr"/>
+            <a:r>
+              <a:rPr lang="en-GB" dirty="0">
+                <a:solidFill>
+                  <a:schemeClr val="tx1"/>
+                </a:solidFill>
+              </a:rPr>
+              <a:t>Operator</a:t>
+            </a:r>
+          </a:p>
+          <a:p>
+            <a:pPr algn="ctr"/>
+            <a:r>
+              <a:rPr lang="en-GB" dirty="0">
+                <a:solidFill>
+                  <a:schemeClr val="tx1"/>
+                </a:solidFill>
+              </a:rPr>
+              <a:t>C</a:t>
+            </a:r>
+          </a:p>
+        </p:txBody>
+      </p:sp>
+      <p:sp>
+        <p:nvSpPr>
+          <p:cNvPr id="7" name="Rectangle 6">
+            <a:extLst>
+              <a:ext uri="{FF2B5EF4-FFF2-40B4-BE49-F238E27FC236}">
+                <a16:creationId xmlns:a16="http://schemas.microsoft.com/office/drawing/2014/main" id="{A5C5B25B-83BF-4385-91A0-227D8B7EB832}"/>
+              </a:ext>
+            </a:extLst>
+          </p:cNvPr>
+          <p:cNvSpPr/>
+          <p:nvPr/>
+        </p:nvSpPr>
+        <p:spPr>
+          <a:xfrm>
+            <a:off x="1098317" y="1553547"/>
+            <a:ext cx="4146396" cy="3750906"/>
+          </a:xfrm>
+          <a:prstGeom prst="rect">
+            <a:avLst/>
+          </a:prstGeom>
+          <a:noFill/>
+          <a:ln w="25400">
+            <a:solidFill>
+              <a:schemeClr val="tx1">
+                <a:lumMod val="75000"/>
+                <a:lumOff val="25000"/>
+              </a:schemeClr>
+            </a:solidFill>
+            <a:prstDash val="dash"/>
+          </a:ln>
+        </p:spPr>
+        <p:style>
+          <a:lnRef idx="2">
+            <a:schemeClr val="accent1">
+              <a:shade val="50000"/>
+            </a:schemeClr>
+          </a:lnRef>
+          <a:fillRef idx="1">
+            <a:schemeClr val="accent1"/>
+          </a:fillRef>
+          <a:effectRef idx="0">
+            <a:schemeClr val="accent1"/>
+          </a:effectRef>
+          <a:fontRef idx="minor">
+            <a:schemeClr val="lt1"/>
+          </a:fontRef>
+        </p:style>
+        <p:txBody>
+          <a:bodyPr rtlCol="0" anchor="ctr"/>
+          <a:lstStyle>
+            <a:defPPr>
+              <a:defRPr lang="en-US"/>
+            </a:defPPr>
+            <a:lvl1pPr marL="0" algn="l" defTabSz="914400" rtl="0" eaLnBrk="1" latinLnBrk="0" hangingPunct="1">
+              <a:defRPr sz="1800" kern="1200">
+                <a:solidFill>
+                  <a:schemeClr val="lt1"/>
+                </a:solidFill>
+                <a:latin typeface="+mn-lt"/>
+                <a:ea typeface="+mn-ea"/>
+                <a:cs typeface="+mn-cs"/>
+              </a:defRPr>
+            </a:lvl1pPr>
+            <a:lvl2pPr marL="457200" algn="l" defTabSz="914400" rtl="0" eaLnBrk="1" latinLnBrk="0" hangingPunct="1">
+              <a:defRPr sz="1800" kern="1200">
+                <a:solidFill>
+                  <a:schemeClr val="lt1"/>
+                </a:solidFill>
+                <a:latin typeface="+mn-lt"/>
+                <a:ea typeface="+mn-ea"/>
+                <a:cs typeface="+mn-cs"/>
+              </a:defRPr>
+            </a:lvl2pPr>
+            <a:lvl3pPr marL="914400" algn="l" defTabSz="914400" rtl="0" eaLnBrk="1" latinLnBrk="0" hangingPunct="1">
+              <a:defRPr sz="1800" kern="1200">
+                <a:solidFill>
+                  <a:schemeClr val="lt1"/>
+                </a:solidFill>
+                <a:latin typeface="+mn-lt"/>
+                <a:ea typeface="+mn-ea"/>
+                <a:cs typeface="+mn-cs"/>
+              </a:defRPr>
+            </a:lvl3pPr>
+            <a:lvl4pPr marL="1371600" algn="l" defTabSz="914400" rtl="0" eaLnBrk="1" latinLnBrk="0" hangingPunct="1">
+              <a:defRPr sz="1800" kern="1200">
+                <a:solidFill>
+                  <a:schemeClr val="lt1"/>
+                </a:solidFill>
+                <a:latin typeface="+mn-lt"/>
+                <a:ea typeface="+mn-ea"/>
+                <a:cs typeface="+mn-cs"/>
+              </a:defRPr>
+            </a:lvl4pPr>
+            <a:lvl5pPr marL="1828800" algn="l" defTabSz="914400" rtl="0" eaLnBrk="1" latinLnBrk="0" hangingPunct="1">
+              <a:defRPr sz="1800" kern="1200">
+                <a:solidFill>
+                  <a:schemeClr val="lt1"/>
+                </a:solidFill>
+                <a:latin typeface="+mn-lt"/>
+                <a:ea typeface="+mn-ea"/>
+                <a:cs typeface="+mn-cs"/>
+              </a:defRPr>
+            </a:lvl5pPr>
+            <a:lvl6pPr marL="2286000" algn="l" defTabSz="914400" rtl="0" eaLnBrk="1" latinLnBrk="0" hangingPunct="1">
+              <a:defRPr sz="1800" kern="1200">
+                <a:solidFill>
+                  <a:schemeClr val="lt1"/>
+                </a:solidFill>
+                <a:latin typeface="+mn-lt"/>
+                <a:ea typeface="+mn-ea"/>
+                <a:cs typeface="+mn-cs"/>
+              </a:defRPr>
+            </a:lvl6pPr>
+            <a:lvl7pPr marL="2743200" algn="l" defTabSz="914400" rtl="0" eaLnBrk="1" latinLnBrk="0" hangingPunct="1">
+              <a:defRPr sz="1800" kern="1200">
+                <a:solidFill>
+                  <a:schemeClr val="lt1"/>
+                </a:solidFill>
+                <a:latin typeface="+mn-lt"/>
+                <a:ea typeface="+mn-ea"/>
+                <a:cs typeface="+mn-cs"/>
+              </a:defRPr>
+            </a:lvl7pPr>
+            <a:lvl8pPr marL="3200400" algn="l" defTabSz="914400" rtl="0" eaLnBrk="1" latinLnBrk="0" hangingPunct="1">
+              <a:defRPr sz="1800" kern="1200">
+                <a:solidFill>
+                  <a:schemeClr val="lt1"/>
+                </a:solidFill>
+                <a:latin typeface="+mn-lt"/>
+                <a:ea typeface="+mn-ea"/>
+                <a:cs typeface="+mn-cs"/>
+              </a:defRPr>
+            </a:lvl8pPr>
+            <a:lvl9pPr marL="3657600" algn="l" defTabSz="914400" rtl="0" eaLnBrk="1" latinLnBrk="0" hangingPunct="1">
+              <a:defRPr sz="1800" kern="1200">
+                <a:solidFill>
+                  <a:schemeClr val="lt1"/>
+                </a:solidFill>
+                <a:latin typeface="+mn-lt"/>
+                <a:ea typeface="+mn-ea"/>
+                <a:cs typeface="+mn-cs"/>
+              </a:defRPr>
+            </a:lvl9pPr>
+          </a:lstStyle>
+          <a:p>
+            <a:pPr algn="ctr"/>
+            <a:endParaRPr lang="en-GB" dirty="0"/>
+          </a:p>
+        </p:txBody>
+      </p:sp>
+      <p:sp>
+        <p:nvSpPr>
+          <p:cNvPr id="8" name="TextBox 23">
+            <a:extLst>
+              <a:ext uri="{FF2B5EF4-FFF2-40B4-BE49-F238E27FC236}">
+                <a16:creationId xmlns:a16="http://schemas.microsoft.com/office/drawing/2014/main" id="{710CEDCA-9443-4C4B-B7AD-4BF6B46094CA}"/>
+              </a:ext>
+            </a:extLst>
+          </p:cNvPr>
+          <p:cNvSpPr txBox="1"/>
+          <p:nvPr/>
+        </p:nvSpPr>
+        <p:spPr>
+          <a:xfrm>
+            <a:off x="1174354" y="1646472"/>
+            <a:ext cx="4146395" cy="369332"/>
+          </a:xfrm>
+          <a:prstGeom prst="rect">
+            <a:avLst/>
+          </a:prstGeom>
+          <a:noFill/>
+        </p:spPr>
+        <p:txBody>
+          <a:bodyPr wrap="square" rtlCol="0">
+            <a:spAutoFit/>
+          </a:bodyPr>
+          <a:lstStyle>
+            <a:defPPr>
+              <a:defRPr lang="en-US"/>
+            </a:defPPr>
+            <a:lvl1pPr marL="0" algn="l" defTabSz="914400" rtl="0" eaLnBrk="1" latinLnBrk="0" hangingPunct="1">
+              <a:defRPr sz="1800" kern="1200">
+                <a:solidFill>
+                  <a:schemeClr val="tx1"/>
+                </a:solidFill>
+                <a:latin typeface="+mn-lt"/>
+                <a:ea typeface="+mn-ea"/>
+                <a:cs typeface="+mn-cs"/>
+              </a:defRPr>
+            </a:lvl1pPr>
+            <a:lvl2pPr marL="457200" algn="l" defTabSz="914400" rtl="0" eaLnBrk="1" latinLnBrk="0" hangingPunct="1">
+              <a:defRPr sz="1800" kern="1200">
+                <a:solidFill>
+                  <a:schemeClr val="tx1"/>
+                </a:solidFill>
+                <a:latin typeface="+mn-lt"/>
+                <a:ea typeface="+mn-ea"/>
+                <a:cs typeface="+mn-cs"/>
+              </a:defRPr>
+            </a:lvl2pPr>
+            <a:lvl3pPr marL="914400" algn="l" defTabSz="914400" rtl="0" eaLnBrk="1" latinLnBrk="0" hangingPunct="1">
+              <a:defRPr sz="1800" kern="1200">
+                <a:solidFill>
+                  <a:schemeClr val="tx1"/>
+                </a:solidFill>
+                <a:latin typeface="+mn-lt"/>
+                <a:ea typeface="+mn-ea"/>
+                <a:cs typeface="+mn-cs"/>
+              </a:defRPr>
+            </a:lvl3pPr>
+            <a:lvl4pPr marL="1371600" algn="l" defTabSz="914400" rtl="0" eaLnBrk="1" latinLnBrk="0" hangingPunct="1">
+              <a:defRPr sz="1800" kern="1200">
+                <a:solidFill>
+                  <a:schemeClr val="tx1"/>
+                </a:solidFill>
+                <a:latin typeface="+mn-lt"/>
+                <a:ea typeface="+mn-ea"/>
+                <a:cs typeface="+mn-cs"/>
+              </a:defRPr>
+            </a:lvl4pPr>
+            <a:lvl5pPr marL="1828800" algn="l" defTabSz="914400" rtl="0" eaLnBrk="1" latinLnBrk="0" hangingPunct="1">
+              <a:defRPr sz="1800" kern="1200">
+                <a:solidFill>
+                  <a:schemeClr val="tx1"/>
+                </a:solidFill>
+                <a:latin typeface="+mn-lt"/>
+                <a:ea typeface="+mn-ea"/>
+                <a:cs typeface="+mn-cs"/>
+              </a:defRPr>
+            </a:lvl5pPr>
+            <a:lvl6pPr marL="2286000" algn="l" defTabSz="914400" rtl="0" eaLnBrk="1" latinLnBrk="0" hangingPunct="1">
+              <a:defRPr sz="1800" kern="1200">
+                <a:solidFill>
+                  <a:schemeClr val="tx1"/>
+                </a:solidFill>
+                <a:latin typeface="+mn-lt"/>
+                <a:ea typeface="+mn-ea"/>
+                <a:cs typeface="+mn-cs"/>
+              </a:defRPr>
+            </a:lvl6pPr>
+            <a:lvl7pPr marL="2743200" algn="l" defTabSz="914400" rtl="0" eaLnBrk="1" latinLnBrk="0" hangingPunct="1">
+              <a:defRPr sz="1800" kern="1200">
+                <a:solidFill>
+                  <a:schemeClr val="tx1"/>
+                </a:solidFill>
+                <a:latin typeface="+mn-lt"/>
+                <a:ea typeface="+mn-ea"/>
+                <a:cs typeface="+mn-cs"/>
+              </a:defRPr>
+            </a:lvl7pPr>
+            <a:lvl8pPr marL="3200400" algn="l" defTabSz="914400" rtl="0" eaLnBrk="1" latinLnBrk="0" hangingPunct="1">
+              <a:defRPr sz="1800" kern="1200">
+                <a:solidFill>
+                  <a:schemeClr val="tx1"/>
+                </a:solidFill>
+                <a:latin typeface="+mn-lt"/>
+                <a:ea typeface="+mn-ea"/>
+                <a:cs typeface="+mn-cs"/>
+              </a:defRPr>
+            </a:lvl8pPr>
+            <a:lvl9pPr marL="3657600" algn="l" defTabSz="914400" rtl="0" eaLnBrk="1" latinLnBrk="0" hangingPunct="1">
+              <a:defRPr sz="1800" kern="1200">
+                <a:solidFill>
+                  <a:schemeClr val="tx1"/>
+                </a:solidFill>
+                <a:latin typeface="+mn-lt"/>
+                <a:ea typeface="+mn-ea"/>
+                <a:cs typeface="+mn-cs"/>
+              </a:defRPr>
+            </a:lvl9pPr>
+          </a:lstStyle>
+          <a:p>
+            <a:pPr algn="ctr"/>
+            <a:r>
+              <a:rPr lang="en-GB" dirty="0"/>
+              <a:t>SWAN Network</a:t>
+            </a:r>
+          </a:p>
+        </p:txBody>
+      </p:sp>
+      <p:grpSp>
+        <p:nvGrpSpPr>
+          <p:cNvPr id="19" name="Group 18">
+            <a:extLst>
+              <a:ext uri="{FF2B5EF4-FFF2-40B4-BE49-F238E27FC236}">
+                <a16:creationId xmlns:a16="http://schemas.microsoft.com/office/drawing/2014/main" id="{EC32FC57-DF9A-4926-AD39-DB556CB5D57E}"/>
+              </a:ext>
+            </a:extLst>
+          </p:cNvPr>
+          <p:cNvGrpSpPr/>
+          <p:nvPr/>
+        </p:nvGrpSpPr>
+        <p:grpSpPr>
+          <a:xfrm>
+            <a:off x="5550715" y="1646472"/>
+            <a:ext cx="4340754" cy="3554920"/>
+            <a:chOff x="5676550" y="1553548"/>
+            <a:chExt cx="4340754" cy="3554920"/>
+          </a:xfrm>
+        </p:grpSpPr>
+        <p:sp>
+          <p:nvSpPr>
+            <p:cNvPr id="6" name="Rectangle 5">
+              <a:extLst>
+                <a:ext uri="{FF2B5EF4-FFF2-40B4-BE49-F238E27FC236}">
+                  <a16:creationId xmlns:a16="http://schemas.microsoft.com/office/drawing/2014/main" id="{37337CB3-B69F-4503-8ACB-444AE8665E90}"/>
+                </a:ext>
+              </a:extLst>
+            </p:cNvPr>
+            <p:cNvSpPr/>
+            <p:nvPr/>
+          </p:nvSpPr>
+          <p:spPr>
+            <a:xfrm>
+              <a:off x="5676550" y="2901538"/>
+              <a:ext cx="1141752" cy="798008"/>
+            </a:xfrm>
+            <a:prstGeom prst="rect">
+              <a:avLst/>
+            </a:prstGeom>
+            <a:solidFill>
+              <a:schemeClr val="bg1">
+                <a:lumMod val="65000"/>
+                <a:alpha val="50000"/>
+              </a:schemeClr>
+            </a:solidFill>
+            <a:ln>
+              <a:solidFill>
+                <a:schemeClr val="bg2">
+                  <a:lumMod val="50000"/>
+                </a:schemeClr>
+              </a:solidFill>
+            </a:ln>
+          </p:spPr>
+          <p:style>
+            <a:lnRef idx="2">
+              <a:schemeClr val="accent1">
+                <a:shade val="50000"/>
+              </a:schemeClr>
+            </a:lnRef>
+            <a:fillRef idx="1">
+              <a:schemeClr val="accent1"/>
+            </a:fillRef>
+            <a:effectRef idx="0">
+              <a:schemeClr val="accent1"/>
+            </a:effectRef>
+            <a:fontRef idx="minor">
+              <a:schemeClr val="lt1"/>
+            </a:fontRef>
+          </p:style>
+          <p:txBody>
+            <a:bodyPr lIns="46800" rIns="46800" rtlCol="0" anchor="ctr"/>
+            <a:lstStyle>
+              <a:defPPr>
+                <a:defRPr lang="en-US"/>
+              </a:defPPr>
+              <a:lvl1pPr marL="0" algn="l" defTabSz="914400" rtl="0" eaLnBrk="1" latinLnBrk="0" hangingPunct="1">
+                <a:defRPr sz="1800" kern="1200">
+                  <a:solidFill>
+                    <a:schemeClr val="lt1"/>
+                  </a:solidFill>
+                  <a:latin typeface="+mn-lt"/>
+                  <a:ea typeface="+mn-ea"/>
+                  <a:cs typeface="+mn-cs"/>
+                </a:defRPr>
+              </a:lvl1pPr>
+              <a:lvl2pPr marL="457200" algn="l" defTabSz="914400" rtl="0" eaLnBrk="1" latinLnBrk="0" hangingPunct="1">
+                <a:defRPr sz="1800" kern="1200">
+                  <a:solidFill>
+                    <a:schemeClr val="lt1"/>
+                  </a:solidFill>
+                  <a:latin typeface="+mn-lt"/>
+                  <a:ea typeface="+mn-ea"/>
+                  <a:cs typeface="+mn-cs"/>
+                </a:defRPr>
+              </a:lvl2pPr>
+              <a:lvl3pPr marL="914400" algn="l" defTabSz="914400" rtl="0" eaLnBrk="1" latinLnBrk="0" hangingPunct="1">
+                <a:defRPr sz="1800" kern="1200">
+                  <a:solidFill>
+                    <a:schemeClr val="lt1"/>
+                  </a:solidFill>
+                  <a:latin typeface="+mn-lt"/>
+                  <a:ea typeface="+mn-ea"/>
+                  <a:cs typeface="+mn-cs"/>
+                </a:defRPr>
+              </a:lvl3pPr>
+              <a:lvl4pPr marL="1371600" algn="l" defTabSz="914400" rtl="0" eaLnBrk="1" latinLnBrk="0" hangingPunct="1">
+                <a:defRPr sz="1800" kern="1200">
+                  <a:solidFill>
+                    <a:schemeClr val="lt1"/>
+                  </a:solidFill>
+                  <a:latin typeface="+mn-lt"/>
+                  <a:ea typeface="+mn-ea"/>
+                  <a:cs typeface="+mn-cs"/>
+                </a:defRPr>
+              </a:lvl4pPr>
+              <a:lvl5pPr marL="1828800" algn="l" defTabSz="914400" rtl="0" eaLnBrk="1" latinLnBrk="0" hangingPunct="1">
+                <a:defRPr sz="1800" kern="1200">
+                  <a:solidFill>
+                    <a:schemeClr val="lt1"/>
+                  </a:solidFill>
+                  <a:latin typeface="+mn-lt"/>
+                  <a:ea typeface="+mn-ea"/>
+                  <a:cs typeface="+mn-cs"/>
+                </a:defRPr>
+              </a:lvl5pPr>
+              <a:lvl6pPr marL="2286000" algn="l" defTabSz="914400" rtl="0" eaLnBrk="1" latinLnBrk="0" hangingPunct="1">
+                <a:defRPr sz="1800" kern="1200">
+                  <a:solidFill>
+                    <a:schemeClr val="lt1"/>
+                  </a:solidFill>
+                  <a:latin typeface="+mn-lt"/>
+                  <a:ea typeface="+mn-ea"/>
+                  <a:cs typeface="+mn-cs"/>
+                </a:defRPr>
+              </a:lvl6pPr>
+              <a:lvl7pPr marL="2743200" algn="l" defTabSz="914400" rtl="0" eaLnBrk="1" latinLnBrk="0" hangingPunct="1">
+                <a:defRPr sz="1800" kern="1200">
+                  <a:solidFill>
+                    <a:schemeClr val="lt1"/>
+                  </a:solidFill>
+                  <a:latin typeface="+mn-lt"/>
+                  <a:ea typeface="+mn-ea"/>
+                  <a:cs typeface="+mn-cs"/>
+                </a:defRPr>
+              </a:lvl7pPr>
+              <a:lvl8pPr marL="3200400" algn="l" defTabSz="914400" rtl="0" eaLnBrk="1" latinLnBrk="0" hangingPunct="1">
+                <a:defRPr sz="1800" kern="1200">
+                  <a:solidFill>
+                    <a:schemeClr val="lt1"/>
+                  </a:solidFill>
+                  <a:latin typeface="+mn-lt"/>
+                  <a:ea typeface="+mn-ea"/>
+                  <a:cs typeface="+mn-cs"/>
+                </a:defRPr>
+              </a:lvl8pPr>
+              <a:lvl9pPr marL="3657600" algn="l" defTabSz="914400" rtl="0" eaLnBrk="1" latinLnBrk="0" hangingPunct="1">
+                <a:defRPr sz="1800" kern="1200">
+                  <a:solidFill>
+                    <a:schemeClr val="lt1"/>
+                  </a:solidFill>
+                  <a:latin typeface="+mn-lt"/>
+                  <a:ea typeface="+mn-ea"/>
+                  <a:cs typeface="+mn-cs"/>
+                </a:defRPr>
+              </a:lvl9pPr>
+            </a:lstStyle>
+            <a:p>
+              <a:pPr algn="ctr"/>
+              <a:r>
+                <a:rPr lang="en-GB" dirty="0">
+                  <a:solidFill>
+                    <a:schemeClr val="tx1">
+                      <a:lumMod val="75000"/>
+                      <a:lumOff val="25000"/>
+                    </a:schemeClr>
+                  </a:solidFill>
+                </a:rPr>
+                <a:t>Pub. / SSP</a:t>
+              </a:r>
+            </a:p>
+          </p:txBody>
+        </p:sp>
+        <p:sp>
+          <p:nvSpPr>
+            <p:cNvPr id="15" name="Rectangle 14">
+              <a:extLst>
+                <a:ext uri="{FF2B5EF4-FFF2-40B4-BE49-F238E27FC236}">
+                  <a16:creationId xmlns:a16="http://schemas.microsoft.com/office/drawing/2014/main" id="{88A7CE76-46D0-49CA-A28C-43F59BCE056C}"/>
+                </a:ext>
+              </a:extLst>
+            </p:cNvPr>
+            <p:cNvSpPr/>
+            <p:nvPr/>
+          </p:nvSpPr>
+          <p:spPr>
+            <a:xfrm>
+              <a:off x="7154410" y="2901538"/>
+              <a:ext cx="1141752" cy="798008"/>
+            </a:xfrm>
+            <a:prstGeom prst="rect">
+              <a:avLst/>
+            </a:prstGeom>
+            <a:solidFill>
+              <a:schemeClr val="bg1">
+                <a:lumMod val="65000"/>
+                <a:alpha val="50000"/>
+              </a:schemeClr>
+            </a:solidFill>
+            <a:ln>
+              <a:solidFill>
+                <a:schemeClr val="bg2">
+                  <a:lumMod val="50000"/>
+                </a:schemeClr>
+              </a:solidFill>
+            </a:ln>
+          </p:spPr>
+          <p:style>
+            <a:lnRef idx="2">
+              <a:schemeClr val="accent1">
+                <a:shade val="50000"/>
+              </a:schemeClr>
+            </a:lnRef>
+            <a:fillRef idx="1">
+              <a:schemeClr val="accent1"/>
+            </a:fillRef>
+            <a:effectRef idx="0">
+              <a:schemeClr val="accent1"/>
+            </a:effectRef>
+            <a:fontRef idx="minor">
+              <a:schemeClr val="lt1"/>
+            </a:fontRef>
+          </p:style>
+          <p:txBody>
+            <a:bodyPr lIns="46800" rIns="46800" rtlCol="0" anchor="ctr"/>
+            <a:lstStyle>
+              <a:defPPr>
+                <a:defRPr lang="en-US"/>
+              </a:defPPr>
+              <a:lvl1pPr marL="0" algn="l" defTabSz="914400" rtl="0" eaLnBrk="1" latinLnBrk="0" hangingPunct="1">
+                <a:defRPr sz="1800" kern="1200">
+                  <a:solidFill>
+                    <a:schemeClr val="lt1"/>
+                  </a:solidFill>
+                  <a:latin typeface="+mn-lt"/>
+                  <a:ea typeface="+mn-ea"/>
+                  <a:cs typeface="+mn-cs"/>
+                </a:defRPr>
+              </a:lvl1pPr>
+              <a:lvl2pPr marL="457200" algn="l" defTabSz="914400" rtl="0" eaLnBrk="1" latinLnBrk="0" hangingPunct="1">
+                <a:defRPr sz="1800" kern="1200">
+                  <a:solidFill>
+                    <a:schemeClr val="lt1"/>
+                  </a:solidFill>
+                  <a:latin typeface="+mn-lt"/>
+                  <a:ea typeface="+mn-ea"/>
+                  <a:cs typeface="+mn-cs"/>
+                </a:defRPr>
+              </a:lvl2pPr>
+              <a:lvl3pPr marL="914400" algn="l" defTabSz="914400" rtl="0" eaLnBrk="1" latinLnBrk="0" hangingPunct="1">
+                <a:defRPr sz="1800" kern="1200">
+                  <a:solidFill>
+                    <a:schemeClr val="lt1"/>
+                  </a:solidFill>
+                  <a:latin typeface="+mn-lt"/>
+                  <a:ea typeface="+mn-ea"/>
+                  <a:cs typeface="+mn-cs"/>
+                </a:defRPr>
+              </a:lvl3pPr>
+              <a:lvl4pPr marL="1371600" algn="l" defTabSz="914400" rtl="0" eaLnBrk="1" latinLnBrk="0" hangingPunct="1">
+                <a:defRPr sz="1800" kern="1200">
+                  <a:solidFill>
+                    <a:schemeClr val="lt1"/>
+                  </a:solidFill>
+                  <a:latin typeface="+mn-lt"/>
+                  <a:ea typeface="+mn-ea"/>
+                  <a:cs typeface="+mn-cs"/>
+                </a:defRPr>
+              </a:lvl4pPr>
+              <a:lvl5pPr marL="1828800" algn="l" defTabSz="914400" rtl="0" eaLnBrk="1" latinLnBrk="0" hangingPunct="1">
+                <a:defRPr sz="1800" kern="1200">
+                  <a:solidFill>
+                    <a:schemeClr val="lt1"/>
+                  </a:solidFill>
+                  <a:latin typeface="+mn-lt"/>
+                  <a:ea typeface="+mn-ea"/>
+                  <a:cs typeface="+mn-cs"/>
+                </a:defRPr>
+              </a:lvl5pPr>
+              <a:lvl6pPr marL="2286000" algn="l" defTabSz="914400" rtl="0" eaLnBrk="1" latinLnBrk="0" hangingPunct="1">
+                <a:defRPr sz="1800" kern="1200">
+                  <a:solidFill>
+                    <a:schemeClr val="lt1"/>
+                  </a:solidFill>
+                  <a:latin typeface="+mn-lt"/>
+                  <a:ea typeface="+mn-ea"/>
+                  <a:cs typeface="+mn-cs"/>
+                </a:defRPr>
+              </a:lvl6pPr>
+              <a:lvl7pPr marL="2743200" algn="l" defTabSz="914400" rtl="0" eaLnBrk="1" latinLnBrk="0" hangingPunct="1">
+                <a:defRPr sz="1800" kern="1200">
+                  <a:solidFill>
+                    <a:schemeClr val="lt1"/>
+                  </a:solidFill>
+                  <a:latin typeface="+mn-lt"/>
+                  <a:ea typeface="+mn-ea"/>
+                  <a:cs typeface="+mn-cs"/>
+                </a:defRPr>
+              </a:lvl7pPr>
+              <a:lvl8pPr marL="3200400" algn="l" defTabSz="914400" rtl="0" eaLnBrk="1" latinLnBrk="0" hangingPunct="1">
+                <a:defRPr sz="1800" kern="1200">
+                  <a:solidFill>
+                    <a:schemeClr val="lt1"/>
+                  </a:solidFill>
+                  <a:latin typeface="+mn-lt"/>
+                  <a:ea typeface="+mn-ea"/>
+                  <a:cs typeface="+mn-cs"/>
+                </a:defRPr>
+              </a:lvl8pPr>
+              <a:lvl9pPr marL="3657600" algn="l" defTabSz="914400" rtl="0" eaLnBrk="1" latinLnBrk="0" hangingPunct="1">
+                <a:defRPr sz="1800" kern="1200">
+                  <a:solidFill>
+                    <a:schemeClr val="lt1"/>
+                  </a:solidFill>
+                  <a:latin typeface="+mn-lt"/>
+                  <a:ea typeface="+mn-ea"/>
+                  <a:cs typeface="+mn-cs"/>
+                </a:defRPr>
+              </a:lvl9pPr>
+            </a:lstStyle>
+            <a:p>
+              <a:pPr algn="ctr"/>
+              <a:r>
+                <a:rPr lang="en-GB" dirty="0">
+                  <a:solidFill>
+                    <a:schemeClr val="tx1">
+                      <a:lumMod val="75000"/>
+                      <a:lumOff val="25000"/>
+                    </a:schemeClr>
+                  </a:solidFill>
+                </a:rPr>
+                <a:t>Exchange</a:t>
+              </a:r>
+            </a:p>
+          </p:txBody>
+        </p:sp>
+        <p:sp>
+          <p:nvSpPr>
+            <p:cNvPr id="16" name="Rectangle 15">
+              <a:extLst>
+                <a:ext uri="{FF2B5EF4-FFF2-40B4-BE49-F238E27FC236}">
+                  <a16:creationId xmlns:a16="http://schemas.microsoft.com/office/drawing/2014/main" id="{BC06C5AE-EB22-4ABA-B754-A9950DE2807C}"/>
+                </a:ext>
+              </a:extLst>
+            </p:cNvPr>
+            <p:cNvSpPr/>
+            <p:nvPr/>
+          </p:nvSpPr>
+          <p:spPr>
+            <a:xfrm>
+              <a:off x="8875552" y="1553548"/>
+              <a:ext cx="1141752" cy="798008"/>
+            </a:xfrm>
+            <a:prstGeom prst="rect">
+              <a:avLst/>
+            </a:prstGeom>
+            <a:solidFill>
+              <a:schemeClr val="bg1">
+                <a:lumMod val="65000"/>
+                <a:alpha val="50000"/>
+              </a:schemeClr>
+            </a:solidFill>
+            <a:ln>
+              <a:solidFill>
+                <a:schemeClr val="bg2">
+                  <a:lumMod val="50000"/>
+                </a:schemeClr>
+              </a:solidFill>
+            </a:ln>
+          </p:spPr>
+          <p:style>
+            <a:lnRef idx="2">
+              <a:schemeClr val="accent1">
+                <a:shade val="50000"/>
+              </a:schemeClr>
+            </a:lnRef>
+            <a:fillRef idx="1">
+              <a:schemeClr val="accent1"/>
+            </a:fillRef>
+            <a:effectRef idx="0">
+              <a:schemeClr val="accent1"/>
+            </a:effectRef>
+            <a:fontRef idx="minor">
+              <a:schemeClr val="lt1"/>
+            </a:fontRef>
+          </p:style>
+          <p:txBody>
+            <a:bodyPr lIns="46800" rIns="46800" rtlCol="0" anchor="ctr"/>
+            <a:lstStyle>
+              <a:defPPr>
+                <a:defRPr lang="en-US"/>
+              </a:defPPr>
+              <a:lvl1pPr marL="0" algn="l" defTabSz="914400" rtl="0" eaLnBrk="1" latinLnBrk="0" hangingPunct="1">
+                <a:defRPr sz="1800" kern="1200">
+                  <a:solidFill>
+                    <a:schemeClr val="lt1"/>
+                  </a:solidFill>
+                  <a:latin typeface="+mn-lt"/>
+                  <a:ea typeface="+mn-ea"/>
+                  <a:cs typeface="+mn-cs"/>
+                </a:defRPr>
+              </a:lvl1pPr>
+              <a:lvl2pPr marL="457200" algn="l" defTabSz="914400" rtl="0" eaLnBrk="1" latinLnBrk="0" hangingPunct="1">
+                <a:defRPr sz="1800" kern="1200">
+                  <a:solidFill>
+                    <a:schemeClr val="lt1"/>
+                  </a:solidFill>
+                  <a:latin typeface="+mn-lt"/>
+                  <a:ea typeface="+mn-ea"/>
+                  <a:cs typeface="+mn-cs"/>
+                </a:defRPr>
+              </a:lvl2pPr>
+              <a:lvl3pPr marL="914400" algn="l" defTabSz="914400" rtl="0" eaLnBrk="1" latinLnBrk="0" hangingPunct="1">
+                <a:defRPr sz="1800" kern="1200">
+                  <a:solidFill>
+                    <a:schemeClr val="lt1"/>
+                  </a:solidFill>
+                  <a:latin typeface="+mn-lt"/>
+                  <a:ea typeface="+mn-ea"/>
+                  <a:cs typeface="+mn-cs"/>
+                </a:defRPr>
+              </a:lvl3pPr>
+              <a:lvl4pPr marL="1371600" algn="l" defTabSz="914400" rtl="0" eaLnBrk="1" latinLnBrk="0" hangingPunct="1">
+                <a:defRPr sz="1800" kern="1200">
+                  <a:solidFill>
+                    <a:schemeClr val="lt1"/>
+                  </a:solidFill>
+                  <a:latin typeface="+mn-lt"/>
+                  <a:ea typeface="+mn-ea"/>
+                  <a:cs typeface="+mn-cs"/>
+                </a:defRPr>
+              </a:lvl4pPr>
+              <a:lvl5pPr marL="1828800" algn="l" defTabSz="914400" rtl="0" eaLnBrk="1" latinLnBrk="0" hangingPunct="1">
+                <a:defRPr sz="1800" kern="1200">
+                  <a:solidFill>
+                    <a:schemeClr val="lt1"/>
+                  </a:solidFill>
+                  <a:latin typeface="+mn-lt"/>
+                  <a:ea typeface="+mn-ea"/>
+                  <a:cs typeface="+mn-cs"/>
+                </a:defRPr>
+              </a:lvl5pPr>
+              <a:lvl6pPr marL="2286000" algn="l" defTabSz="914400" rtl="0" eaLnBrk="1" latinLnBrk="0" hangingPunct="1">
+                <a:defRPr sz="1800" kern="1200">
+                  <a:solidFill>
+                    <a:schemeClr val="lt1"/>
+                  </a:solidFill>
+                  <a:latin typeface="+mn-lt"/>
+                  <a:ea typeface="+mn-ea"/>
+                  <a:cs typeface="+mn-cs"/>
+                </a:defRPr>
+              </a:lvl6pPr>
+              <a:lvl7pPr marL="2743200" algn="l" defTabSz="914400" rtl="0" eaLnBrk="1" latinLnBrk="0" hangingPunct="1">
+                <a:defRPr sz="1800" kern="1200">
+                  <a:solidFill>
+                    <a:schemeClr val="lt1"/>
+                  </a:solidFill>
+                  <a:latin typeface="+mn-lt"/>
+                  <a:ea typeface="+mn-ea"/>
+                  <a:cs typeface="+mn-cs"/>
+                </a:defRPr>
+              </a:lvl7pPr>
+              <a:lvl8pPr marL="3200400" algn="l" defTabSz="914400" rtl="0" eaLnBrk="1" latinLnBrk="0" hangingPunct="1">
+                <a:defRPr sz="1800" kern="1200">
+                  <a:solidFill>
+                    <a:schemeClr val="lt1"/>
+                  </a:solidFill>
+                  <a:latin typeface="+mn-lt"/>
+                  <a:ea typeface="+mn-ea"/>
+                  <a:cs typeface="+mn-cs"/>
+                </a:defRPr>
+              </a:lvl8pPr>
+              <a:lvl9pPr marL="3657600" algn="l" defTabSz="914400" rtl="0" eaLnBrk="1" latinLnBrk="0" hangingPunct="1">
+                <a:defRPr sz="1800" kern="1200">
+                  <a:solidFill>
+                    <a:schemeClr val="lt1"/>
+                  </a:solidFill>
+                  <a:latin typeface="+mn-lt"/>
+                  <a:ea typeface="+mn-ea"/>
+                  <a:cs typeface="+mn-cs"/>
+                </a:defRPr>
+              </a:lvl9pPr>
+            </a:lstStyle>
+            <a:p>
+              <a:pPr algn="ctr"/>
+              <a:r>
+                <a:rPr lang="en-GB" dirty="0">
+                  <a:solidFill>
+                    <a:schemeClr val="tx1">
+                      <a:lumMod val="75000"/>
+                      <a:lumOff val="25000"/>
+                    </a:schemeClr>
+                  </a:solidFill>
+                </a:rPr>
+                <a:t>DSP A</a:t>
+              </a:r>
+            </a:p>
+          </p:txBody>
+        </p:sp>
+        <p:sp>
+          <p:nvSpPr>
+            <p:cNvPr id="17" name="Rectangle 16">
+              <a:extLst>
+                <a:ext uri="{FF2B5EF4-FFF2-40B4-BE49-F238E27FC236}">
+                  <a16:creationId xmlns:a16="http://schemas.microsoft.com/office/drawing/2014/main" id="{457B1EBF-F228-4338-9959-73B7AD8B2E6C}"/>
+                </a:ext>
+              </a:extLst>
+            </p:cNvPr>
+            <p:cNvSpPr/>
+            <p:nvPr/>
+          </p:nvSpPr>
+          <p:spPr>
+            <a:xfrm>
+              <a:off x="8875552" y="2901538"/>
+              <a:ext cx="1141752" cy="798008"/>
+            </a:xfrm>
+            <a:prstGeom prst="rect">
+              <a:avLst/>
+            </a:prstGeom>
+            <a:solidFill>
+              <a:schemeClr val="bg1">
+                <a:lumMod val="65000"/>
+                <a:alpha val="50000"/>
+              </a:schemeClr>
+            </a:solidFill>
+            <a:ln>
+              <a:solidFill>
+                <a:schemeClr val="bg2">
+                  <a:lumMod val="50000"/>
+                </a:schemeClr>
+              </a:solidFill>
+            </a:ln>
+          </p:spPr>
+          <p:style>
+            <a:lnRef idx="2">
+              <a:schemeClr val="accent1">
+                <a:shade val="50000"/>
+              </a:schemeClr>
+            </a:lnRef>
+            <a:fillRef idx="1">
+              <a:schemeClr val="accent1"/>
+            </a:fillRef>
+            <a:effectRef idx="0">
+              <a:schemeClr val="accent1"/>
+            </a:effectRef>
+            <a:fontRef idx="minor">
+              <a:schemeClr val="lt1"/>
+            </a:fontRef>
+          </p:style>
+          <p:txBody>
+            <a:bodyPr lIns="46800" rIns="46800" rtlCol="0" anchor="ctr"/>
+            <a:lstStyle>
+              <a:defPPr>
+                <a:defRPr lang="en-US"/>
+              </a:defPPr>
+              <a:lvl1pPr marL="0" algn="l" defTabSz="914400" rtl="0" eaLnBrk="1" latinLnBrk="0" hangingPunct="1">
+                <a:defRPr sz="1800" kern="1200">
+                  <a:solidFill>
+                    <a:schemeClr val="lt1"/>
+                  </a:solidFill>
+                  <a:latin typeface="+mn-lt"/>
+                  <a:ea typeface="+mn-ea"/>
+                  <a:cs typeface="+mn-cs"/>
+                </a:defRPr>
+              </a:lvl1pPr>
+              <a:lvl2pPr marL="457200" algn="l" defTabSz="914400" rtl="0" eaLnBrk="1" latinLnBrk="0" hangingPunct="1">
+                <a:defRPr sz="1800" kern="1200">
+                  <a:solidFill>
+                    <a:schemeClr val="lt1"/>
+                  </a:solidFill>
+                  <a:latin typeface="+mn-lt"/>
+                  <a:ea typeface="+mn-ea"/>
+                  <a:cs typeface="+mn-cs"/>
+                </a:defRPr>
+              </a:lvl2pPr>
+              <a:lvl3pPr marL="914400" algn="l" defTabSz="914400" rtl="0" eaLnBrk="1" latinLnBrk="0" hangingPunct="1">
+                <a:defRPr sz="1800" kern="1200">
+                  <a:solidFill>
+                    <a:schemeClr val="lt1"/>
+                  </a:solidFill>
+                  <a:latin typeface="+mn-lt"/>
+                  <a:ea typeface="+mn-ea"/>
+                  <a:cs typeface="+mn-cs"/>
+                </a:defRPr>
+              </a:lvl3pPr>
+              <a:lvl4pPr marL="1371600" algn="l" defTabSz="914400" rtl="0" eaLnBrk="1" latinLnBrk="0" hangingPunct="1">
+                <a:defRPr sz="1800" kern="1200">
+                  <a:solidFill>
+                    <a:schemeClr val="lt1"/>
+                  </a:solidFill>
+                  <a:latin typeface="+mn-lt"/>
+                  <a:ea typeface="+mn-ea"/>
+                  <a:cs typeface="+mn-cs"/>
+                </a:defRPr>
+              </a:lvl4pPr>
+              <a:lvl5pPr marL="1828800" algn="l" defTabSz="914400" rtl="0" eaLnBrk="1" latinLnBrk="0" hangingPunct="1">
+                <a:defRPr sz="1800" kern="1200">
+                  <a:solidFill>
+                    <a:schemeClr val="lt1"/>
+                  </a:solidFill>
+                  <a:latin typeface="+mn-lt"/>
+                  <a:ea typeface="+mn-ea"/>
+                  <a:cs typeface="+mn-cs"/>
+                </a:defRPr>
+              </a:lvl5pPr>
+              <a:lvl6pPr marL="2286000" algn="l" defTabSz="914400" rtl="0" eaLnBrk="1" latinLnBrk="0" hangingPunct="1">
+                <a:defRPr sz="1800" kern="1200">
+                  <a:solidFill>
+                    <a:schemeClr val="lt1"/>
+                  </a:solidFill>
+                  <a:latin typeface="+mn-lt"/>
+                  <a:ea typeface="+mn-ea"/>
+                  <a:cs typeface="+mn-cs"/>
+                </a:defRPr>
+              </a:lvl6pPr>
+              <a:lvl7pPr marL="2743200" algn="l" defTabSz="914400" rtl="0" eaLnBrk="1" latinLnBrk="0" hangingPunct="1">
+                <a:defRPr sz="1800" kern="1200">
+                  <a:solidFill>
+                    <a:schemeClr val="lt1"/>
+                  </a:solidFill>
+                  <a:latin typeface="+mn-lt"/>
+                  <a:ea typeface="+mn-ea"/>
+                  <a:cs typeface="+mn-cs"/>
+                </a:defRPr>
+              </a:lvl7pPr>
+              <a:lvl8pPr marL="3200400" algn="l" defTabSz="914400" rtl="0" eaLnBrk="1" latinLnBrk="0" hangingPunct="1">
+                <a:defRPr sz="1800" kern="1200">
+                  <a:solidFill>
+                    <a:schemeClr val="lt1"/>
+                  </a:solidFill>
+                  <a:latin typeface="+mn-lt"/>
+                  <a:ea typeface="+mn-ea"/>
+                  <a:cs typeface="+mn-cs"/>
+                </a:defRPr>
+              </a:lvl8pPr>
+              <a:lvl9pPr marL="3657600" algn="l" defTabSz="914400" rtl="0" eaLnBrk="1" latinLnBrk="0" hangingPunct="1">
+                <a:defRPr sz="1800" kern="1200">
+                  <a:solidFill>
+                    <a:schemeClr val="lt1"/>
+                  </a:solidFill>
+                  <a:latin typeface="+mn-lt"/>
+                  <a:ea typeface="+mn-ea"/>
+                  <a:cs typeface="+mn-cs"/>
+                </a:defRPr>
+              </a:lvl9pPr>
+            </a:lstStyle>
+            <a:p>
+              <a:pPr algn="ctr"/>
+              <a:r>
+                <a:rPr lang="en-GB" dirty="0">
+                  <a:solidFill>
+                    <a:schemeClr val="tx1">
+                      <a:lumMod val="75000"/>
+                      <a:lumOff val="25000"/>
+                    </a:schemeClr>
+                  </a:solidFill>
+                </a:rPr>
+                <a:t>DSP B</a:t>
+              </a:r>
+            </a:p>
+          </p:txBody>
+        </p:sp>
+        <p:sp>
+          <p:nvSpPr>
+            <p:cNvPr id="18" name="Rectangle 17">
+              <a:extLst>
+                <a:ext uri="{FF2B5EF4-FFF2-40B4-BE49-F238E27FC236}">
+                  <a16:creationId xmlns:a16="http://schemas.microsoft.com/office/drawing/2014/main" id="{4711365B-7C28-4258-BB2E-32732DF63065}"/>
+                </a:ext>
+              </a:extLst>
+            </p:cNvPr>
+            <p:cNvSpPr/>
+            <p:nvPr/>
+          </p:nvSpPr>
+          <p:spPr>
+            <a:xfrm>
+              <a:off x="8875552" y="4310460"/>
+              <a:ext cx="1141752" cy="798008"/>
+            </a:xfrm>
+            <a:prstGeom prst="rect">
+              <a:avLst/>
+            </a:prstGeom>
+            <a:solidFill>
+              <a:schemeClr val="bg1">
+                <a:lumMod val="65000"/>
+                <a:alpha val="50000"/>
+              </a:schemeClr>
+            </a:solidFill>
+            <a:ln>
+              <a:solidFill>
+                <a:schemeClr val="bg2">
+                  <a:lumMod val="50000"/>
+                </a:schemeClr>
+              </a:solidFill>
+            </a:ln>
+          </p:spPr>
+          <p:style>
+            <a:lnRef idx="2">
+              <a:schemeClr val="accent1">
+                <a:shade val="50000"/>
+              </a:schemeClr>
+            </a:lnRef>
+            <a:fillRef idx="1">
+              <a:schemeClr val="accent1"/>
+            </a:fillRef>
+            <a:effectRef idx="0">
+              <a:schemeClr val="accent1"/>
+            </a:effectRef>
+            <a:fontRef idx="minor">
+              <a:schemeClr val="lt1"/>
+            </a:fontRef>
+          </p:style>
+          <p:txBody>
+            <a:bodyPr lIns="46800" rIns="46800" rtlCol="0" anchor="ctr"/>
+            <a:lstStyle>
+              <a:defPPr>
+                <a:defRPr lang="en-US"/>
+              </a:defPPr>
+              <a:lvl1pPr marL="0" algn="l" defTabSz="914400" rtl="0" eaLnBrk="1" latinLnBrk="0" hangingPunct="1">
+                <a:defRPr sz="1800" kern="1200">
+                  <a:solidFill>
+                    <a:schemeClr val="lt1"/>
+                  </a:solidFill>
+                  <a:latin typeface="+mn-lt"/>
+                  <a:ea typeface="+mn-ea"/>
+                  <a:cs typeface="+mn-cs"/>
+                </a:defRPr>
+              </a:lvl1pPr>
+              <a:lvl2pPr marL="457200" algn="l" defTabSz="914400" rtl="0" eaLnBrk="1" latinLnBrk="0" hangingPunct="1">
+                <a:defRPr sz="1800" kern="1200">
+                  <a:solidFill>
+                    <a:schemeClr val="lt1"/>
+                  </a:solidFill>
+                  <a:latin typeface="+mn-lt"/>
+                  <a:ea typeface="+mn-ea"/>
+                  <a:cs typeface="+mn-cs"/>
+                </a:defRPr>
+              </a:lvl2pPr>
+              <a:lvl3pPr marL="914400" algn="l" defTabSz="914400" rtl="0" eaLnBrk="1" latinLnBrk="0" hangingPunct="1">
+                <a:defRPr sz="1800" kern="1200">
+                  <a:solidFill>
+                    <a:schemeClr val="lt1"/>
+                  </a:solidFill>
+                  <a:latin typeface="+mn-lt"/>
+                  <a:ea typeface="+mn-ea"/>
+                  <a:cs typeface="+mn-cs"/>
+                </a:defRPr>
+              </a:lvl3pPr>
+              <a:lvl4pPr marL="1371600" algn="l" defTabSz="914400" rtl="0" eaLnBrk="1" latinLnBrk="0" hangingPunct="1">
+                <a:defRPr sz="1800" kern="1200">
+                  <a:solidFill>
+                    <a:schemeClr val="lt1"/>
+                  </a:solidFill>
+                  <a:latin typeface="+mn-lt"/>
+                  <a:ea typeface="+mn-ea"/>
+                  <a:cs typeface="+mn-cs"/>
+                </a:defRPr>
+              </a:lvl4pPr>
+              <a:lvl5pPr marL="1828800" algn="l" defTabSz="914400" rtl="0" eaLnBrk="1" latinLnBrk="0" hangingPunct="1">
+                <a:defRPr sz="1800" kern="1200">
+                  <a:solidFill>
+                    <a:schemeClr val="lt1"/>
+                  </a:solidFill>
+                  <a:latin typeface="+mn-lt"/>
+                  <a:ea typeface="+mn-ea"/>
+                  <a:cs typeface="+mn-cs"/>
+                </a:defRPr>
+              </a:lvl5pPr>
+              <a:lvl6pPr marL="2286000" algn="l" defTabSz="914400" rtl="0" eaLnBrk="1" latinLnBrk="0" hangingPunct="1">
+                <a:defRPr sz="1800" kern="1200">
+                  <a:solidFill>
+                    <a:schemeClr val="lt1"/>
+                  </a:solidFill>
+                  <a:latin typeface="+mn-lt"/>
+                  <a:ea typeface="+mn-ea"/>
+                  <a:cs typeface="+mn-cs"/>
+                </a:defRPr>
+              </a:lvl6pPr>
+              <a:lvl7pPr marL="2743200" algn="l" defTabSz="914400" rtl="0" eaLnBrk="1" latinLnBrk="0" hangingPunct="1">
+                <a:defRPr sz="1800" kern="1200">
+                  <a:solidFill>
+                    <a:schemeClr val="lt1"/>
+                  </a:solidFill>
+                  <a:latin typeface="+mn-lt"/>
+                  <a:ea typeface="+mn-ea"/>
+                  <a:cs typeface="+mn-cs"/>
+                </a:defRPr>
+              </a:lvl7pPr>
+              <a:lvl8pPr marL="3200400" algn="l" defTabSz="914400" rtl="0" eaLnBrk="1" latinLnBrk="0" hangingPunct="1">
+                <a:defRPr sz="1800" kern="1200">
+                  <a:solidFill>
+                    <a:schemeClr val="lt1"/>
+                  </a:solidFill>
+                  <a:latin typeface="+mn-lt"/>
+                  <a:ea typeface="+mn-ea"/>
+                  <a:cs typeface="+mn-cs"/>
+                </a:defRPr>
+              </a:lvl8pPr>
+              <a:lvl9pPr marL="3657600" algn="l" defTabSz="914400" rtl="0" eaLnBrk="1" latinLnBrk="0" hangingPunct="1">
+                <a:defRPr sz="1800" kern="1200">
+                  <a:solidFill>
+                    <a:schemeClr val="lt1"/>
+                  </a:solidFill>
+                  <a:latin typeface="+mn-lt"/>
+                  <a:ea typeface="+mn-ea"/>
+                  <a:cs typeface="+mn-cs"/>
+                </a:defRPr>
+              </a:lvl9pPr>
+            </a:lstStyle>
+            <a:p>
+              <a:pPr algn="ctr"/>
+              <a:r>
+                <a:rPr lang="en-GB" dirty="0">
+                  <a:solidFill>
+                    <a:schemeClr val="tx1">
+                      <a:lumMod val="75000"/>
+                      <a:lumOff val="25000"/>
+                    </a:schemeClr>
+                  </a:solidFill>
+                </a:rPr>
+                <a:t>DSP C</a:t>
+              </a:r>
+            </a:p>
+          </p:txBody>
+        </p:sp>
+      </p:grpSp>
+      <p:sp>
+        <p:nvSpPr>
+          <p:cNvPr id="22" name="Arrow: Right 21">
+            <a:extLst>
+              <a:ext uri="{FF2B5EF4-FFF2-40B4-BE49-F238E27FC236}">
+                <a16:creationId xmlns:a16="http://schemas.microsoft.com/office/drawing/2014/main" id="{49B092D6-37AB-447B-BD10-917A7EE90080}"/>
+              </a:ext>
+            </a:extLst>
+          </p:cNvPr>
+          <p:cNvSpPr/>
+          <p:nvPr/>
+        </p:nvSpPr>
+        <p:spPr>
+          <a:xfrm rot="19612908">
+            <a:off x="4714373" y="3250489"/>
+            <a:ext cx="731971" cy="615059"/>
+          </a:xfrm>
+          <a:prstGeom prst="rightArrow">
+            <a:avLst/>
+          </a:prstGeom>
+        </p:spPr>
+        <p:style>
+          <a:lnRef idx="2">
+            <a:schemeClr val="accent1">
+              <a:shade val="50000"/>
+            </a:schemeClr>
+          </a:lnRef>
+          <a:fillRef idx="1">
+            <a:schemeClr val="accent1"/>
+          </a:fillRef>
+          <a:effectRef idx="0">
+            <a:schemeClr val="accent1"/>
+          </a:effectRef>
+          <a:fontRef idx="minor">
+            <a:schemeClr val="lt1"/>
+          </a:fontRef>
+        </p:style>
+        <p:txBody>
+          <a:bodyPr rtlCol="0" anchor="ctr"/>
+          <a:lstStyle/>
+          <a:p>
+            <a:pPr algn="ctr"/>
+            <a:r>
+              <a:rPr lang="en-GB" dirty="0"/>
+              <a:t>1</a:t>
+            </a:r>
+          </a:p>
+        </p:txBody>
+      </p:sp>
+      <p:sp>
+        <p:nvSpPr>
+          <p:cNvPr id="23" name="Arrow: Right 22">
+            <a:extLst>
+              <a:ext uri="{FF2B5EF4-FFF2-40B4-BE49-F238E27FC236}">
+                <a16:creationId xmlns:a16="http://schemas.microsoft.com/office/drawing/2014/main" id="{FAD49F6E-B643-4C59-8586-384AE30BBD46}"/>
+              </a:ext>
+            </a:extLst>
+          </p:cNvPr>
+          <p:cNvSpPr/>
+          <p:nvPr/>
+        </p:nvSpPr>
+        <p:spPr>
+          <a:xfrm>
+            <a:off x="6649839" y="2685320"/>
+            <a:ext cx="421364" cy="615059"/>
+          </a:xfrm>
+          <a:prstGeom prst="rightArrow">
+            <a:avLst/>
+          </a:prstGeom>
+        </p:spPr>
+        <p:style>
+          <a:lnRef idx="2">
+            <a:schemeClr val="accent1">
+              <a:shade val="50000"/>
+            </a:schemeClr>
+          </a:lnRef>
+          <a:fillRef idx="1">
+            <a:schemeClr val="accent1"/>
+          </a:fillRef>
+          <a:effectRef idx="0">
+            <a:schemeClr val="accent1"/>
+          </a:effectRef>
+          <a:fontRef idx="minor">
+            <a:schemeClr val="lt1"/>
+          </a:fontRef>
+        </p:style>
+        <p:txBody>
+          <a:bodyPr rtlCol="0" anchor="ctr"/>
+          <a:lstStyle/>
+          <a:p>
+            <a:pPr algn="ctr"/>
+            <a:r>
+              <a:rPr lang="en-GB" dirty="0"/>
+              <a:t>2</a:t>
+            </a:r>
+          </a:p>
+        </p:txBody>
+      </p:sp>
+      <p:sp>
+        <p:nvSpPr>
+          <p:cNvPr id="28" name="Arrow: Left 27">
+            <a:extLst>
+              <a:ext uri="{FF2B5EF4-FFF2-40B4-BE49-F238E27FC236}">
+                <a16:creationId xmlns:a16="http://schemas.microsoft.com/office/drawing/2014/main" id="{0860B3E7-0C46-4CFB-B6C2-D43D5E977695}"/>
+              </a:ext>
+            </a:extLst>
+          </p:cNvPr>
+          <p:cNvSpPr/>
+          <p:nvPr/>
+        </p:nvSpPr>
+        <p:spPr>
+          <a:xfrm>
+            <a:off x="6631433" y="3484940"/>
+            <a:ext cx="421364" cy="615059"/>
+          </a:xfrm>
+          <a:prstGeom prst="leftArrow">
+            <a:avLst/>
+          </a:prstGeom>
+        </p:spPr>
+        <p:style>
+          <a:lnRef idx="2">
+            <a:schemeClr val="accent1">
+              <a:shade val="50000"/>
+            </a:schemeClr>
+          </a:lnRef>
+          <a:fillRef idx="1">
+            <a:schemeClr val="accent1"/>
+          </a:fillRef>
+          <a:effectRef idx="0">
+            <a:schemeClr val="accent1"/>
+          </a:effectRef>
+          <a:fontRef idx="minor">
+            <a:schemeClr val="lt1"/>
+          </a:fontRef>
+        </p:style>
+        <p:txBody>
+          <a:bodyPr rtlCol="0" anchor="ctr"/>
+          <a:lstStyle/>
+          <a:p>
+            <a:pPr algn="ctr"/>
+            <a:r>
+              <a:rPr lang="en-GB" dirty="0"/>
+              <a:t>4</a:t>
+            </a:r>
+          </a:p>
+        </p:txBody>
+      </p:sp>
+      <p:sp>
+        <p:nvSpPr>
+          <p:cNvPr id="29" name="Arrow: Left-Right 28">
+            <a:extLst>
+              <a:ext uri="{FF2B5EF4-FFF2-40B4-BE49-F238E27FC236}">
+                <a16:creationId xmlns:a16="http://schemas.microsoft.com/office/drawing/2014/main" id="{69152F7D-3E40-4586-A9FB-645D63CB030A}"/>
+              </a:ext>
+            </a:extLst>
+          </p:cNvPr>
+          <p:cNvSpPr/>
+          <p:nvPr/>
+        </p:nvSpPr>
+        <p:spPr>
+          <a:xfrm>
+            <a:off x="8113837" y="3111342"/>
+            <a:ext cx="688171" cy="582348"/>
+          </a:xfrm>
+          <a:prstGeom prst="leftRightArrow">
+            <a:avLst>
+              <a:gd name="adj1" fmla="val 55762"/>
+              <a:gd name="adj2" fmla="val 33934"/>
+            </a:avLst>
+          </a:prstGeom>
+        </p:spPr>
+        <p:style>
+          <a:lnRef idx="2">
+            <a:schemeClr val="accent1">
+              <a:shade val="50000"/>
+            </a:schemeClr>
+          </a:lnRef>
+          <a:fillRef idx="1">
+            <a:schemeClr val="accent1"/>
+          </a:fillRef>
+          <a:effectRef idx="0">
+            <a:schemeClr val="accent1"/>
+          </a:effectRef>
+          <a:fontRef idx="minor">
+            <a:schemeClr val="lt1"/>
+          </a:fontRef>
+        </p:style>
+        <p:txBody>
+          <a:bodyPr rtlCol="0" anchor="ctr"/>
+          <a:lstStyle/>
+          <a:p>
+            <a:pPr algn="ctr"/>
+            <a:r>
+              <a:rPr lang="en-GB" dirty="0"/>
+              <a:t>3b</a:t>
+            </a:r>
+          </a:p>
+        </p:txBody>
+      </p:sp>
+      <p:sp>
+        <p:nvSpPr>
+          <p:cNvPr id="30" name="Arrow: Left-Right 29">
+            <a:extLst>
+              <a:ext uri="{FF2B5EF4-FFF2-40B4-BE49-F238E27FC236}">
+                <a16:creationId xmlns:a16="http://schemas.microsoft.com/office/drawing/2014/main" id="{F31C8534-6372-4EB5-ABBF-8AB18A4F51E4}"/>
+              </a:ext>
+            </a:extLst>
+          </p:cNvPr>
+          <p:cNvSpPr/>
+          <p:nvPr/>
+        </p:nvSpPr>
+        <p:spPr>
+          <a:xfrm rot="19274157">
+            <a:off x="8113835" y="2357749"/>
+            <a:ext cx="688171" cy="582348"/>
+          </a:xfrm>
+          <a:prstGeom prst="leftRightArrow">
+            <a:avLst>
+              <a:gd name="adj1" fmla="val 55762"/>
+              <a:gd name="adj2" fmla="val 33934"/>
+            </a:avLst>
+          </a:prstGeom>
+        </p:spPr>
+        <p:style>
+          <a:lnRef idx="2">
+            <a:schemeClr val="accent1">
+              <a:shade val="50000"/>
+            </a:schemeClr>
+          </a:lnRef>
+          <a:fillRef idx="1">
+            <a:schemeClr val="accent1"/>
+          </a:fillRef>
+          <a:effectRef idx="0">
+            <a:schemeClr val="accent1"/>
+          </a:effectRef>
+          <a:fontRef idx="minor">
+            <a:schemeClr val="lt1"/>
+          </a:fontRef>
+        </p:style>
+        <p:txBody>
+          <a:bodyPr rtlCol="0" anchor="ctr"/>
+          <a:lstStyle/>
+          <a:p>
+            <a:pPr algn="ctr"/>
+            <a:r>
+              <a:rPr lang="en-GB" dirty="0"/>
+              <a:t>3a</a:t>
+            </a:r>
+          </a:p>
+        </p:txBody>
+      </p:sp>
+      <p:sp>
+        <p:nvSpPr>
+          <p:cNvPr id="31" name="Arrow: Left-Right 30">
+            <a:extLst>
+              <a:ext uri="{FF2B5EF4-FFF2-40B4-BE49-F238E27FC236}">
+                <a16:creationId xmlns:a16="http://schemas.microsoft.com/office/drawing/2014/main" id="{FC59F5EB-EF39-47E8-960B-FAEA7032B87A}"/>
+              </a:ext>
+            </a:extLst>
+          </p:cNvPr>
+          <p:cNvSpPr/>
+          <p:nvPr/>
+        </p:nvSpPr>
+        <p:spPr>
+          <a:xfrm rot="2302211">
+            <a:off x="8113926" y="3864334"/>
+            <a:ext cx="688171" cy="582348"/>
+          </a:xfrm>
+          <a:prstGeom prst="leftRightArrow">
+            <a:avLst>
+              <a:gd name="adj1" fmla="val 55762"/>
+              <a:gd name="adj2" fmla="val 33934"/>
+            </a:avLst>
+          </a:prstGeom>
+        </p:spPr>
+        <p:style>
+          <a:lnRef idx="2">
+            <a:schemeClr val="accent1">
+              <a:shade val="50000"/>
+            </a:schemeClr>
+          </a:lnRef>
+          <a:fillRef idx="1">
+            <a:schemeClr val="accent1"/>
+          </a:fillRef>
+          <a:effectRef idx="0">
+            <a:schemeClr val="accent1"/>
+          </a:effectRef>
+          <a:fontRef idx="minor">
+            <a:schemeClr val="lt1"/>
+          </a:fontRef>
+        </p:style>
+        <p:txBody>
+          <a:bodyPr rtlCol="0" anchor="ctr"/>
+          <a:lstStyle/>
+          <a:p>
+            <a:pPr algn="ctr"/>
+            <a:r>
+              <a:rPr lang="en-GB" dirty="0"/>
+              <a:t>3b</a:t>
+            </a:r>
+          </a:p>
+        </p:txBody>
+      </p:sp>
+    </p:spTree>
+    <p:extLst>
+      <p:ext uri="{BB962C8B-B14F-4D97-AF65-F5344CB8AC3E}">
+        <p14:creationId xmlns:p14="http://schemas.microsoft.com/office/powerpoint/2010/main" val="2605858174"/>
+      </p:ext>
+    </p:extLst>
+  </p:cSld>
+  <p:clrMapOvr>
+    <a:masterClrMapping/>
+  </p:clrMapOvr>
+</p:sld>
+</file>
+
+<file path=ppt/slides/slide5.xml><?xml version="1.0" encoding="utf-8"?>
+<p:sld xmlns:a="http://schemas.openxmlformats.org/drawingml/2006/main" xmlns:r="http://schemas.openxmlformats.org/officeDocument/2006/relationships" xmlns:p="http://schemas.openxmlformats.org/presentationml/2006/main">
+  <p:cSld>
+    <p:spTree>
+      <p:nvGrpSpPr>
+        <p:cNvPr id="1" name=""/>
+        <p:cNvGrpSpPr/>
+        <p:nvPr/>
+      </p:nvGrpSpPr>
+      <p:grpSpPr>
+        <a:xfrm>
+          <a:off x="0" y="0"/>
+          <a:ext cx="0" cy="0"/>
+          <a:chOff x="0" y="0"/>
+          <a:chExt cx="0" cy="0"/>
+        </a:xfrm>
+      </p:grpSpPr>
+      <p:sp>
+        <p:nvSpPr>
+          <p:cNvPr id="2" name="Oval 1">
+            <a:extLst>
+              <a:ext uri="{FF2B5EF4-FFF2-40B4-BE49-F238E27FC236}">
+                <a16:creationId xmlns:a16="http://schemas.microsoft.com/office/drawing/2014/main" id="{739C7A06-37C4-45D0-A238-FF0F05DFAD53}"/>
+              </a:ext>
+            </a:extLst>
+          </p:cNvPr>
+          <p:cNvSpPr/>
+          <p:nvPr/>
+        </p:nvSpPr>
+        <p:spPr>
+          <a:xfrm>
+            <a:off x="2456946" y="2108728"/>
+            <a:ext cx="1429139" cy="1408922"/>
+          </a:xfrm>
+          <a:prstGeom prst="ellipse">
+            <a:avLst/>
+          </a:prstGeom>
+          <a:solidFill>
+            <a:schemeClr val="accent2">
+              <a:lumMod val="60000"/>
+              <a:lumOff val="40000"/>
+              <a:alpha val="50000"/>
+            </a:schemeClr>
+          </a:solidFill>
+          <a:ln>
+            <a:solidFill>
+              <a:schemeClr val="bg2">
+                <a:lumMod val="50000"/>
+              </a:schemeClr>
+            </a:solidFill>
+          </a:ln>
+        </p:spPr>
+        <p:style>
+          <a:lnRef idx="2">
+            <a:schemeClr val="accent1">
+              <a:shade val="50000"/>
+            </a:schemeClr>
+          </a:lnRef>
+          <a:fillRef idx="1">
+            <a:schemeClr val="accent1"/>
+          </a:fillRef>
+          <a:effectRef idx="0">
+            <a:schemeClr val="accent1"/>
+          </a:effectRef>
+          <a:fontRef idx="minor">
+            <a:schemeClr val="lt1"/>
+          </a:fontRef>
+        </p:style>
+        <p:txBody>
+          <a:bodyPr lIns="46800" rIns="46800" rtlCol="0" anchor="ctr"/>
+          <a:lstStyle/>
+          <a:p>
+            <a:pPr algn="ctr"/>
+            <a:r>
+              <a:rPr lang="en-GB" dirty="0">
+                <a:solidFill>
+                  <a:schemeClr val="tx1"/>
+                </a:solidFill>
+              </a:rPr>
+              <a:t>SWAN</a:t>
+            </a:r>
+          </a:p>
+          <a:p>
+            <a:pPr algn="ctr"/>
+            <a:r>
+              <a:rPr lang="en-GB" dirty="0">
+                <a:solidFill>
+                  <a:schemeClr val="tx1"/>
+                </a:solidFill>
+              </a:rPr>
+              <a:t>Operator</a:t>
+            </a:r>
+          </a:p>
+          <a:p>
+            <a:pPr algn="ctr"/>
+            <a:r>
+              <a:rPr lang="en-GB" dirty="0">
+                <a:solidFill>
+                  <a:schemeClr val="tx1"/>
+                </a:solidFill>
+              </a:rPr>
+              <a:t>A</a:t>
+            </a:r>
+          </a:p>
+        </p:txBody>
+      </p:sp>
+      <p:sp>
+        <p:nvSpPr>
+          <p:cNvPr id="3" name="Oval 2">
+            <a:extLst>
+              <a:ext uri="{FF2B5EF4-FFF2-40B4-BE49-F238E27FC236}">
+                <a16:creationId xmlns:a16="http://schemas.microsoft.com/office/drawing/2014/main" id="{EA541ED1-C468-46FC-BF2D-B1A546FB3E51}"/>
+              </a:ext>
+            </a:extLst>
+          </p:cNvPr>
+          <p:cNvSpPr/>
+          <p:nvPr/>
+        </p:nvSpPr>
+        <p:spPr>
+          <a:xfrm>
+            <a:off x="1510388" y="3517650"/>
+            <a:ext cx="1429139" cy="1408922"/>
+          </a:xfrm>
+          <a:prstGeom prst="ellipse">
+            <a:avLst/>
+          </a:prstGeom>
+          <a:solidFill>
+            <a:schemeClr val="accent2">
+              <a:lumMod val="60000"/>
+              <a:lumOff val="40000"/>
+              <a:alpha val="50000"/>
+            </a:schemeClr>
+          </a:solidFill>
+          <a:ln>
+            <a:solidFill>
+              <a:schemeClr val="bg2">
+                <a:lumMod val="50000"/>
+              </a:schemeClr>
+            </a:solidFill>
+          </a:ln>
+        </p:spPr>
+        <p:style>
+          <a:lnRef idx="2">
+            <a:schemeClr val="accent1">
+              <a:shade val="50000"/>
+            </a:schemeClr>
+          </a:lnRef>
+          <a:fillRef idx="1">
+            <a:schemeClr val="accent1"/>
+          </a:fillRef>
+          <a:effectRef idx="0">
+            <a:schemeClr val="accent1"/>
+          </a:effectRef>
+          <a:fontRef idx="minor">
+            <a:schemeClr val="lt1"/>
+          </a:fontRef>
+        </p:style>
+        <p:txBody>
+          <a:bodyPr lIns="46800" rIns="46800" rtlCol="0" anchor="ctr"/>
+          <a:lstStyle/>
+          <a:p>
+            <a:pPr algn="ctr"/>
+            <a:r>
+              <a:rPr lang="en-GB" dirty="0">
+                <a:solidFill>
+                  <a:schemeClr val="tx1"/>
+                </a:solidFill>
+              </a:rPr>
+              <a:t>SWAN</a:t>
+            </a:r>
+          </a:p>
+          <a:p>
+            <a:pPr algn="ctr"/>
+            <a:r>
+              <a:rPr lang="en-GB" dirty="0">
+                <a:solidFill>
+                  <a:schemeClr val="tx1"/>
+                </a:solidFill>
+              </a:rPr>
+              <a:t>Operator</a:t>
+            </a:r>
+          </a:p>
+          <a:p>
+            <a:pPr algn="ctr"/>
+            <a:r>
+              <a:rPr lang="en-GB" dirty="0">
+                <a:solidFill>
+                  <a:schemeClr val="tx1"/>
+                </a:solidFill>
+              </a:rPr>
+              <a:t>B</a:t>
+            </a:r>
+          </a:p>
+        </p:txBody>
+      </p:sp>
+      <p:sp>
+        <p:nvSpPr>
+          <p:cNvPr id="4" name="Oval 3">
+            <a:extLst>
+              <a:ext uri="{FF2B5EF4-FFF2-40B4-BE49-F238E27FC236}">
+                <a16:creationId xmlns:a16="http://schemas.microsoft.com/office/drawing/2014/main" id="{C481DFB8-3874-4DF4-AC91-C55DAA4225F8}"/>
+              </a:ext>
+            </a:extLst>
+          </p:cNvPr>
+          <p:cNvSpPr/>
+          <p:nvPr/>
+        </p:nvSpPr>
+        <p:spPr>
+          <a:xfrm>
+            <a:off x="3340586" y="3517650"/>
+            <a:ext cx="1429139" cy="1408922"/>
+          </a:xfrm>
+          <a:prstGeom prst="ellipse">
+            <a:avLst/>
+          </a:prstGeom>
+          <a:solidFill>
+            <a:schemeClr val="accent2">
+              <a:lumMod val="60000"/>
+              <a:lumOff val="40000"/>
+              <a:alpha val="50000"/>
+            </a:schemeClr>
+          </a:solidFill>
+          <a:ln>
+            <a:solidFill>
+              <a:schemeClr val="bg2">
+                <a:lumMod val="50000"/>
+              </a:schemeClr>
+            </a:solidFill>
+          </a:ln>
+        </p:spPr>
+        <p:style>
+          <a:lnRef idx="2">
+            <a:schemeClr val="accent1">
+              <a:shade val="50000"/>
+            </a:schemeClr>
+          </a:lnRef>
+          <a:fillRef idx="1">
+            <a:schemeClr val="accent1"/>
+          </a:fillRef>
+          <a:effectRef idx="0">
+            <a:schemeClr val="accent1"/>
+          </a:effectRef>
+          <a:fontRef idx="minor">
+            <a:schemeClr val="lt1"/>
+          </a:fontRef>
+        </p:style>
+        <p:txBody>
+          <a:bodyPr lIns="46800" rIns="46800" rtlCol="0" anchor="ctr"/>
+          <a:lstStyle/>
+          <a:p>
+            <a:pPr algn="ctr"/>
+            <a:r>
+              <a:rPr lang="en-GB" dirty="0">
+                <a:solidFill>
+                  <a:schemeClr val="tx1"/>
+                </a:solidFill>
+              </a:rPr>
+              <a:t>SWAN</a:t>
+            </a:r>
+          </a:p>
+          <a:p>
+            <a:pPr algn="ctr"/>
+            <a:r>
+              <a:rPr lang="en-GB" dirty="0">
+                <a:solidFill>
+                  <a:schemeClr val="tx1"/>
+                </a:solidFill>
+              </a:rPr>
+              <a:t>Operator</a:t>
+            </a:r>
+          </a:p>
+          <a:p>
+            <a:pPr algn="ctr"/>
+            <a:r>
+              <a:rPr lang="en-GB" dirty="0">
+                <a:solidFill>
+                  <a:schemeClr val="tx1"/>
+                </a:solidFill>
+              </a:rPr>
+              <a:t>C</a:t>
+            </a:r>
+          </a:p>
+        </p:txBody>
+      </p:sp>
+      <p:sp>
+        <p:nvSpPr>
+          <p:cNvPr id="5" name="Rectangle 4">
+            <a:extLst>
+              <a:ext uri="{FF2B5EF4-FFF2-40B4-BE49-F238E27FC236}">
+                <a16:creationId xmlns:a16="http://schemas.microsoft.com/office/drawing/2014/main" id="{8F38365E-B205-4067-ADF1-9DE4CA37C8EB}"/>
+              </a:ext>
+            </a:extLst>
+          </p:cNvPr>
+          <p:cNvSpPr/>
+          <p:nvPr/>
+        </p:nvSpPr>
+        <p:spPr>
+          <a:xfrm>
+            <a:off x="1098317" y="1553547"/>
+            <a:ext cx="4146396" cy="3750906"/>
+          </a:xfrm>
+          <a:prstGeom prst="rect">
+            <a:avLst/>
+          </a:prstGeom>
+          <a:noFill/>
+          <a:ln w="25400">
+            <a:solidFill>
+              <a:schemeClr val="tx1">
+                <a:lumMod val="75000"/>
+                <a:lumOff val="25000"/>
+              </a:schemeClr>
+            </a:solidFill>
+            <a:prstDash val="dash"/>
+          </a:ln>
+        </p:spPr>
+        <p:style>
+          <a:lnRef idx="2">
+            <a:schemeClr val="accent1">
+              <a:shade val="50000"/>
+            </a:schemeClr>
+          </a:lnRef>
+          <a:fillRef idx="1">
+            <a:schemeClr val="accent1"/>
+          </a:fillRef>
+          <a:effectRef idx="0">
+            <a:schemeClr val="accent1"/>
+          </a:effectRef>
+          <a:fontRef idx="minor">
+            <a:schemeClr val="lt1"/>
+          </a:fontRef>
+        </p:style>
+        <p:txBody>
+          <a:bodyPr rtlCol="0" anchor="ctr"/>
+          <a:lstStyle>
+            <a:defPPr>
+              <a:defRPr lang="en-US"/>
+            </a:defPPr>
+            <a:lvl1pPr marL="0" algn="l" defTabSz="914400" rtl="0" eaLnBrk="1" latinLnBrk="0" hangingPunct="1">
+              <a:defRPr sz="1800" kern="1200">
+                <a:solidFill>
+                  <a:schemeClr val="lt1"/>
+                </a:solidFill>
+                <a:latin typeface="+mn-lt"/>
+                <a:ea typeface="+mn-ea"/>
+                <a:cs typeface="+mn-cs"/>
+              </a:defRPr>
+            </a:lvl1pPr>
+            <a:lvl2pPr marL="457200" algn="l" defTabSz="914400" rtl="0" eaLnBrk="1" latinLnBrk="0" hangingPunct="1">
+              <a:defRPr sz="1800" kern="1200">
+                <a:solidFill>
+                  <a:schemeClr val="lt1"/>
+                </a:solidFill>
+                <a:latin typeface="+mn-lt"/>
+                <a:ea typeface="+mn-ea"/>
+                <a:cs typeface="+mn-cs"/>
+              </a:defRPr>
+            </a:lvl2pPr>
+            <a:lvl3pPr marL="914400" algn="l" defTabSz="914400" rtl="0" eaLnBrk="1" latinLnBrk="0" hangingPunct="1">
+              <a:defRPr sz="1800" kern="1200">
+                <a:solidFill>
+                  <a:schemeClr val="lt1"/>
+                </a:solidFill>
+                <a:latin typeface="+mn-lt"/>
+                <a:ea typeface="+mn-ea"/>
+                <a:cs typeface="+mn-cs"/>
+              </a:defRPr>
+            </a:lvl3pPr>
+            <a:lvl4pPr marL="1371600" algn="l" defTabSz="914400" rtl="0" eaLnBrk="1" latinLnBrk="0" hangingPunct="1">
+              <a:defRPr sz="1800" kern="1200">
+                <a:solidFill>
+                  <a:schemeClr val="lt1"/>
+                </a:solidFill>
+                <a:latin typeface="+mn-lt"/>
+                <a:ea typeface="+mn-ea"/>
+                <a:cs typeface="+mn-cs"/>
+              </a:defRPr>
+            </a:lvl4pPr>
+            <a:lvl5pPr marL="1828800" algn="l" defTabSz="914400" rtl="0" eaLnBrk="1" latinLnBrk="0" hangingPunct="1">
+              <a:defRPr sz="1800" kern="1200">
+                <a:solidFill>
+                  <a:schemeClr val="lt1"/>
+                </a:solidFill>
+                <a:latin typeface="+mn-lt"/>
+                <a:ea typeface="+mn-ea"/>
+                <a:cs typeface="+mn-cs"/>
+              </a:defRPr>
+            </a:lvl5pPr>
+            <a:lvl6pPr marL="2286000" algn="l" defTabSz="914400" rtl="0" eaLnBrk="1" latinLnBrk="0" hangingPunct="1">
+              <a:defRPr sz="1800" kern="1200">
+                <a:solidFill>
+                  <a:schemeClr val="lt1"/>
+                </a:solidFill>
+                <a:latin typeface="+mn-lt"/>
+                <a:ea typeface="+mn-ea"/>
+                <a:cs typeface="+mn-cs"/>
+              </a:defRPr>
+            </a:lvl6pPr>
+            <a:lvl7pPr marL="2743200" algn="l" defTabSz="914400" rtl="0" eaLnBrk="1" latinLnBrk="0" hangingPunct="1">
+              <a:defRPr sz="1800" kern="1200">
+                <a:solidFill>
+                  <a:schemeClr val="lt1"/>
+                </a:solidFill>
+                <a:latin typeface="+mn-lt"/>
+                <a:ea typeface="+mn-ea"/>
+                <a:cs typeface="+mn-cs"/>
+              </a:defRPr>
+            </a:lvl7pPr>
+            <a:lvl8pPr marL="3200400" algn="l" defTabSz="914400" rtl="0" eaLnBrk="1" latinLnBrk="0" hangingPunct="1">
+              <a:defRPr sz="1800" kern="1200">
+                <a:solidFill>
+                  <a:schemeClr val="lt1"/>
+                </a:solidFill>
+                <a:latin typeface="+mn-lt"/>
+                <a:ea typeface="+mn-ea"/>
+                <a:cs typeface="+mn-cs"/>
+              </a:defRPr>
+            </a:lvl8pPr>
+            <a:lvl9pPr marL="3657600" algn="l" defTabSz="914400" rtl="0" eaLnBrk="1" latinLnBrk="0" hangingPunct="1">
+              <a:defRPr sz="1800" kern="1200">
+                <a:solidFill>
+                  <a:schemeClr val="lt1"/>
+                </a:solidFill>
+                <a:latin typeface="+mn-lt"/>
+                <a:ea typeface="+mn-ea"/>
+                <a:cs typeface="+mn-cs"/>
+              </a:defRPr>
+            </a:lvl9pPr>
+          </a:lstStyle>
+          <a:p>
+            <a:pPr algn="ctr"/>
+            <a:endParaRPr lang="en-GB" dirty="0"/>
+          </a:p>
+        </p:txBody>
+      </p:sp>
+      <p:sp>
+        <p:nvSpPr>
+          <p:cNvPr id="6" name="TextBox 23">
+            <a:extLst>
+              <a:ext uri="{FF2B5EF4-FFF2-40B4-BE49-F238E27FC236}">
+                <a16:creationId xmlns:a16="http://schemas.microsoft.com/office/drawing/2014/main" id="{82679906-8E85-4CE4-A948-B912AEF7DEFF}"/>
+              </a:ext>
+            </a:extLst>
+          </p:cNvPr>
+          <p:cNvSpPr txBox="1"/>
+          <p:nvPr/>
+        </p:nvSpPr>
+        <p:spPr>
+          <a:xfrm>
+            <a:off x="1174354" y="1646472"/>
+            <a:ext cx="4146395" cy="369332"/>
+          </a:xfrm>
+          <a:prstGeom prst="rect">
+            <a:avLst/>
+          </a:prstGeom>
+          <a:noFill/>
+        </p:spPr>
+        <p:txBody>
+          <a:bodyPr wrap="square" rtlCol="0">
+            <a:spAutoFit/>
+          </a:bodyPr>
+          <a:lstStyle>
+            <a:defPPr>
+              <a:defRPr lang="en-US"/>
+            </a:defPPr>
+            <a:lvl1pPr marL="0" algn="l" defTabSz="914400" rtl="0" eaLnBrk="1" latinLnBrk="0" hangingPunct="1">
+              <a:defRPr sz="1800" kern="1200">
+                <a:solidFill>
+                  <a:schemeClr val="tx1"/>
+                </a:solidFill>
+                <a:latin typeface="+mn-lt"/>
+                <a:ea typeface="+mn-ea"/>
+                <a:cs typeface="+mn-cs"/>
+              </a:defRPr>
+            </a:lvl1pPr>
+            <a:lvl2pPr marL="457200" algn="l" defTabSz="914400" rtl="0" eaLnBrk="1" latinLnBrk="0" hangingPunct="1">
+              <a:defRPr sz="1800" kern="1200">
+                <a:solidFill>
+                  <a:schemeClr val="tx1"/>
+                </a:solidFill>
+                <a:latin typeface="+mn-lt"/>
+                <a:ea typeface="+mn-ea"/>
+                <a:cs typeface="+mn-cs"/>
+              </a:defRPr>
+            </a:lvl2pPr>
+            <a:lvl3pPr marL="914400" algn="l" defTabSz="914400" rtl="0" eaLnBrk="1" latinLnBrk="0" hangingPunct="1">
+              <a:defRPr sz="1800" kern="1200">
+                <a:solidFill>
+                  <a:schemeClr val="tx1"/>
+                </a:solidFill>
+                <a:latin typeface="+mn-lt"/>
+                <a:ea typeface="+mn-ea"/>
+                <a:cs typeface="+mn-cs"/>
+              </a:defRPr>
+            </a:lvl3pPr>
+            <a:lvl4pPr marL="1371600" algn="l" defTabSz="914400" rtl="0" eaLnBrk="1" latinLnBrk="0" hangingPunct="1">
+              <a:defRPr sz="1800" kern="1200">
+                <a:solidFill>
+                  <a:schemeClr val="tx1"/>
+                </a:solidFill>
+                <a:latin typeface="+mn-lt"/>
+                <a:ea typeface="+mn-ea"/>
+                <a:cs typeface="+mn-cs"/>
+              </a:defRPr>
+            </a:lvl4pPr>
+            <a:lvl5pPr marL="1828800" algn="l" defTabSz="914400" rtl="0" eaLnBrk="1" latinLnBrk="0" hangingPunct="1">
+              <a:defRPr sz="1800" kern="1200">
+                <a:solidFill>
+                  <a:schemeClr val="tx1"/>
+                </a:solidFill>
+                <a:latin typeface="+mn-lt"/>
+                <a:ea typeface="+mn-ea"/>
+                <a:cs typeface="+mn-cs"/>
+              </a:defRPr>
+            </a:lvl5pPr>
+            <a:lvl6pPr marL="2286000" algn="l" defTabSz="914400" rtl="0" eaLnBrk="1" latinLnBrk="0" hangingPunct="1">
+              <a:defRPr sz="1800" kern="1200">
+                <a:solidFill>
+                  <a:schemeClr val="tx1"/>
+                </a:solidFill>
+                <a:latin typeface="+mn-lt"/>
+                <a:ea typeface="+mn-ea"/>
+                <a:cs typeface="+mn-cs"/>
+              </a:defRPr>
+            </a:lvl6pPr>
+            <a:lvl7pPr marL="2743200" algn="l" defTabSz="914400" rtl="0" eaLnBrk="1" latinLnBrk="0" hangingPunct="1">
+              <a:defRPr sz="1800" kern="1200">
+                <a:solidFill>
+                  <a:schemeClr val="tx1"/>
+                </a:solidFill>
+                <a:latin typeface="+mn-lt"/>
+                <a:ea typeface="+mn-ea"/>
+                <a:cs typeface="+mn-cs"/>
+              </a:defRPr>
+            </a:lvl7pPr>
+            <a:lvl8pPr marL="3200400" algn="l" defTabSz="914400" rtl="0" eaLnBrk="1" latinLnBrk="0" hangingPunct="1">
+              <a:defRPr sz="1800" kern="1200">
+                <a:solidFill>
+                  <a:schemeClr val="tx1"/>
+                </a:solidFill>
+                <a:latin typeface="+mn-lt"/>
+                <a:ea typeface="+mn-ea"/>
+                <a:cs typeface="+mn-cs"/>
+              </a:defRPr>
+            </a:lvl8pPr>
+            <a:lvl9pPr marL="3657600" algn="l" defTabSz="914400" rtl="0" eaLnBrk="1" latinLnBrk="0" hangingPunct="1">
+              <a:defRPr sz="1800" kern="1200">
+                <a:solidFill>
+                  <a:schemeClr val="tx1"/>
+                </a:solidFill>
+                <a:latin typeface="+mn-lt"/>
+                <a:ea typeface="+mn-ea"/>
+                <a:cs typeface="+mn-cs"/>
+              </a:defRPr>
+            </a:lvl9pPr>
+          </a:lstStyle>
+          <a:p>
+            <a:pPr algn="ctr"/>
+            <a:r>
+              <a:rPr lang="en-GB" dirty="0"/>
+              <a:t>SWAN Network</a:t>
+            </a:r>
+          </a:p>
+        </p:txBody>
+      </p:sp>
+      <p:sp>
+        <p:nvSpPr>
+          <p:cNvPr id="12" name="Rectangle 11">
+            <a:extLst>
+              <a:ext uri="{FF2B5EF4-FFF2-40B4-BE49-F238E27FC236}">
+                <a16:creationId xmlns:a16="http://schemas.microsoft.com/office/drawing/2014/main" id="{9A57D708-7E43-43E2-865F-0BFA4783882D}"/>
+              </a:ext>
+            </a:extLst>
+          </p:cNvPr>
+          <p:cNvSpPr/>
+          <p:nvPr/>
+        </p:nvSpPr>
+        <p:spPr>
+          <a:xfrm>
+            <a:off x="6407895" y="1904976"/>
+            <a:ext cx="2378707" cy="2926046"/>
+          </a:xfrm>
+          <a:prstGeom prst="rect">
+            <a:avLst/>
+          </a:prstGeom>
+          <a:solidFill>
+            <a:schemeClr val="bg1">
+              <a:lumMod val="75000"/>
+            </a:schemeClr>
+          </a:solidFill>
+          <a:ln w="6350">
+            <a:solidFill>
+              <a:schemeClr val="tx1">
+                <a:lumMod val="75000"/>
+                <a:lumOff val="25000"/>
+              </a:schemeClr>
+            </a:solidFill>
+            <a:prstDash val="dash"/>
+          </a:ln>
+        </p:spPr>
+        <p:style>
+          <a:lnRef idx="2">
+            <a:schemeClr val="accent1">
+              <a:shade val="50000"/>
+            </a:schemeClr>
+          </a:lnRef>
+          <a:fillRef idx="1">
+            <a:schemeClr val="accent1"/>
+          </a:fillRef>
+          <a:effectRef idx="0">
+            <a:schemeClr val="accent1"/>
+          </a:effectRef>
+          <a:fontRef idx="minor">
+            <a:schemeClr val="lt1"/>
+          </a:fontRef>
+        </p:style>
+        <p:txBody>
+          <a:bodyPr rtlCol="0" anchor="ctr"/>
+          <a:lstStyle>
+            <a:defPPr>
+              <a:defRPr lang="en-US"/>
+            </a:defPPr>
+            <a:lvl1pPr marL="0" algn="l" defTabSz="914400" rtl="0" eaLnBrk="1" latinLnBrk="0" hangingPunct="1">
+              <a:defRPr sz="1800" kern="1200">
+                <a:solidFill>
+                  <a:schemeClr val="lt1"/>
+                </a:solidFill>
+                <a:latin typeface="+mn-lt"/>
+                <a:ea typeface="+mn-ea"/>
+                <a:cs typeface="+mn-cs"/>
+              </a:defRPr>
+            </a:lvl1pPr>
+            <a:lvl2pPr marL="457200" algn="l" defTabSz="914400" rtl="0" eaLnBrk="1" latinLnBrk="0" hangingPunct="1">
+              <a:defRPr sz="1800" kern="1200">
+                <a:solidFill>
+                  <a:schemeClr val="lt1"/>
+                </a:solidFill>
+                <a:latin typeface="+mn-lt"/>
+                <a:ea typeface="+mn-ea"/>
+                <a:cs typeface="+mn-cs"/>
+              </a:defRPr>
+            </a:lvl2pPr>
+            <a:lvl3pPr marL="914400" algn="l" defTabSz="914400" rtl="0" eaLnBrk="1" latinLnBrk="0" hangingPunct="1">
+              <a:defRPr sz="1800" kern="1200">
+                <a:solidFill>
+                  <a:schemeClr val="lt1"/>
+                </a:solidFill>
+                <a:latin typeface="+mn-lt"/>
+                <a:ea typeface="+mn-ea"/>
+                <a:cs typeface="+mn-cs"/>
+              </a:defRPr>
+            </a:lvl3pPr>
+            <a:lvl4pPr marL="1371600" algn="l" defTabSz="914400" rtl="0" eaLnBrk="1" latinLnBrk="0" hangingPunct="1">
+              <a:defRPr sz="1800" kern="1200">
+                <a:solidFill>
+                  <a:schemeClr val="lt1"/>
+                </a:solidFill>
+                <a:latin typeface="+mn-lt"/>
+                <a:ea typeface="+mn-ea"/>
+                <a:cs typeface="+mn-cs"/>
+              </a:defRPr>
+            </a:lvl4pPr>
+            <a:lvl5pPr marL="1828800" algn="l" defTabSz="914400" rtl="0" eaLnBrk="1" latinLnBrk="0" hangingPunct="1">
+              <a:defRPr sz="1800" kern="1200">
+                <a:solidFill>
+                  <a:schemeClr val="lt1"/>
+                </a:solidFill>
+                <a:latin typeface="+mn-lt"/>
+                <a:ea typeface="+mn-ea"/>
+                <a:cs typeface="+mn-cs"/>
+              </a:defRPr>
+            </a:lvl5pPr>
+            <a:lvl6pPr marL="2286000" algn="l" defTabSz="914400" rtl="0" eaLnBrk="1" latinLnBrk="0" hangingPunct="1">
+              <a:defRPr sz="1800" kern="1200">
+                <a:solidFill>
+                  <a:schemeClr val="lt1"/>
+                </a:solidFill>
+                <a:latin typeface="+mn-lt"/>
+                <a:ea typeface="+mn-ea"/>
+                <a:cs typeface="+mn-cs"/>
+              </a:defRPr>
+            </a:lvl6pPr>
+            <a:lvl7pPr marL="2743200" algn="l" defTabSz="914400" rtl="0" eaLnBrk="1" latinLnBrk="0" hangingPunct="1">
+              <a:defRPr sz="1800" kern="1200">
+                <a:solidFill>
+                  <a:schemeClr val="lt1"/>
+                </a:solidFill>
+                <a:latin typeface="+mn-lt"/>
+                <a:ea typeface="+mn-ea"/>
+                <a:cs typeface="+mn-cs"/>
+              </a:defRPr>
+            </a:lvl7pPr>
+            <a:lvl8pPr marL="3200400" algn="l" defTabSz="914400" rtl="0" eaLnBrk="1" latinLnBrk="0" hangingPunct="1">
+              <a:defRPr sz="1800" kern="1200">
+                <a:solidFill>
+                  <a:schemeClr val="lt1"/>
+                </a:solidFill>
+                <a:latin typeface="+mn-lt"/>
+                <a:ea typeface="+mn-ea"/>
+                <a:cs typeface="+mn-cs"/>
+              </a:defRPr>
+            </a:lvl8pPr>
+            <a:lvl9pPr marL="3657600" algn="l" defTabSz="914400" rtl="0" eaLnBrk="1" latinLnBrk="0" hangingPunct="1">
+              <a:defRPr sz="1800" kern="1200">
+                <a:solidFill>
+                  <a:schemeClr val="lt1"/>
+                </a:solidFill>
+                <a:latin typeface="+mn-lt"/>
+                <a:ea typeface="+mn-ea"/>
+                <a:cs typeface="+mn-cs"/>
+              </a:defRPr>
+            </a:lvl9pPr>
+          </a:lstStyle>
+          <a:p>
+            <a:pPr algn="ctr"/>
+            <a:endParaRPr lang="en-GB" dirty="0"/>
+          </a:p>
+        </p:txBody>
+      </p:sp>
+      <p:sp>
+        <p:nvSpPr>
+          <p:cNvPr id="13" name="Rectangle 12">
+            <a:extLst>
+              <a:ext uri="{FF2B5EF4-FFF2-40B4-BE49-F238E27FC236}">
+                <a16:creationId xmlns:a16="http://schemas.microsoft.com/office/drawing/2014/main" id="{AE119F1E-CEC4-45BB-839F-85E920B00027}"/>
+              </a:ext>
+            </a:extLst>
+          </p:cNvPr>
+          <p:cNvSpPr/>
+          <p:nvPr/>
+        </p:nvSpPr>
+        <p:spPr>
+          <a:xfrm>
+            <a:off x="6587381" y="2102427"/>
+            <a:ext cx="2019734" cy="542401"/>
+          </a:xfrm>
+          <a:prstGeom prst="rect">
+            <a:avLst/>
+          </a:prstGeom>
+          <a:solidFill>
+            <a:schemeClr val="accent2">
+              <a:lumMod val="60000"/>
+              <a:lumOff val="40000"/>
+              <a:alpha val="50000"/>
+            </a:schemeClr>
+          </a:solidFill>
+          <a:ln>
+            <a:solidFill>
+              <a:schemeClr val="bg2">
+                <a:lumMod val="50000"/>
+              </a:schemeClr>
+            </a:solidFill>
+          </a:ln>
+        </p:spPr>
+        <p:style>
+          <a:lnRef idx="2">
+            <a:schemeClr val="accent1">
+              <a:shade val="50000"/>
+            </a:schemeClr>
+          </a:lnRef>
+          <a:fillRef idx="1">
+            <a:schemeClr val="accent1"/>
+          </a:fillRef>
+          <a:effectRef idx="0">
+            <a:schemeClr val="accent1"/>
+          </a:effectRef>
+          <a:fontRef idx="minor">
+            <a:schemeClr val="lt1"/>
+          </a:fontRef>
+        </p:style>
+        <p:txBody>
+          <a:bodyPr lIns="46800" rIns="46800" rtlCol="0" anchor="ctr"/>
+          <a:lstStyle>
+            <a:defPPr>
+              <a:defRPr lang="en-US"/>
+            </a:defPPr>
+            <a:lvl1pPr marL="0" algn="l" defTabSz="914400" rtl="0" eaLnBrk="1" latinLnBrk="0" hangingPunct="1">
+              <a:defRPr sz="1800" kern="1200">
+                <a:solidFill>
+                  <a:schemeClr val="lt1"/>
+                </a:solidFill>
+                <a:latin typeface="+mn-lt"/>
+                <a:ea typeface="+mn-ea"/>
+                <a:cs typeface="+mn-cs"/>
+              </a:defRPr>
+            </a:lvl1pPr>
+            <a:lvl2pPr marL="457200" algn="l" defTabSz="914400" rtl="0" eaLnBrk="1" latinLnBrk="0" hangingPunct="1">
+              <a:defRPr sz="1800" kern="1200">
+                <a:solidFill>
+                  <a:schemeClr val="lt1"/>
+                </a:solidFill>
+                <a:latin typeface="+mn-lt"/>
+                <a:ea typeface="+mn-ea"/>
+                <a:cs typeface="+mn-cs"/>
+              </a:defRPr>
+            </a:lvl2pPr>
+            <a:lvl3pPr marL="914400" algn="l" defTabSz="914400" rtl="0" eaLnBrk="1" latinLnBrk="0" hangingPunct="1">
+              <a:defRPr sz="1800" kern="1200">
+                <a:solidFill>
+                  <a:schemeClr val="lt1"/>
+                </a:solidFill>
+                <a:latin typeface="+mn-lt"/>
+                <a:ea typeface="+mn-ea"/>
+                <a:cs typeface="+mn-cs"/>
+              </a:defRPr>
+            </a:lvl3pPr>
+            <a:lvl4pPr marL="1371600" algn="l" defTabSz="914400" rtl="0" eaLnBrk="1" latinLnBrk="0" hangingPunct="1">
+              <a:defRPr sz="1800" kern="1200">
+                <a:solidFill>
+                  <a:schemeClr val="lt1"/>
+                </a:solidFill>
+                <a:latin typeface="+mn-lt"/>
+                <a:ea typeface="+mn-ea"/>
+                <a:cs typeface="+mn-cs"/>
+              </a:defRPr>
+            </a:lvl4pPr>
+            <a:lvl5pPr marL="1828800" algn="l" defTabSz="914400" rtl="0" eaLnBrk="1" latinLnBrk="0" hangingPunct="1">
+              <a:defRPr sz="1800" kern="1200">
+                <a:solidFill>
+                  <a:schemeClr val="lt1"/>
+                </a:solidFill>
+                <a:latin typeface="+mn-lt"/>
+                <a:ea typeface="+mn-ea"/>
+                <a:cs typeface="+mn-cs"/>
+              </a:defRPr>
+            </a:lvl5pPr>
+            <a:lvl6pPr marL="2286000" algn="l" defTabSz="914400" rtl="0" eaLnBrk="1" latinLnBrk="0" hangingPunct="1">
+              <a:defRPr sz="1800" kern="1200">
+                <a:solidFill>
+                  <a:schemeClr val="lt1"/>
+                </a:solidFill>
+                <a:latin typeface="+mn-lt"/>
+                <a:ea typeface="+mn-ea"/>
+                <a:cs typeface="+mn-cs"/>
+              </a:defRPr>
+            </a:lvl6pPr>
+            <a:lvl7pPr marL="2743200" algn="l" defTabSz="914400" rtl="0" eaLnBrk="1" latinLnBrk="0" hangingPunct="1">
+              <a:defRPr sz="1800" kern="1200">
+                <a:solidFill>
+                  <a:schemeClr val="lt1"/>
+                </a:solidFill>
+                <a:latin typeface="+mn-lt"/>
+                <a:ea typeface="+mn-ea"/>
+                <a:cs typeface="+mn-cs"/>
+              </a:defRPr>
+            </a:lvl7pPr>
+            <a:lvl8pPr marL="3200400" algn="l" defTabSz="914400" rtl="0" eaLnBrk="1" latinLnBrk="0" hangingPunct="1">
+              <a:defRPr sz="1800" kern="1200">
+                <a:solidFill>
+                  <a:schemeClr val="lt1"/>
+                </a:solidFill>
+                <a:latin typeface="+mn-lt"/>
+                <a:ea typeface="+mn-ea"/>
+                <a:cs typeface="+mn-cs"/>
+              </a:defRPr>
+            </a:lvl8pPr>
+            <a:lvl9pPr marL="3657600" algn="l" defTabSz="914400" rtl="0" eaLnBrk="1" latinLnBrk="0" hangingPunct="1">
+              <a:defRPr sz="1800" kern="1200">
+                <a:solidFill>
+                  <a:schemeClr val="lt1"/>
+                </a:solidFill>
+                <a:latin typeface="+mn-lt"/>
+                <a:ea typeface="+mn-ea"/>
+                <a:cs typeface="+mn-cs"/>
+              </a:defRPr>
+            </a:lvl9pPr>
+          </a:lstStyle>
+          <a:p>
+            <a:pPr algn="ctr"/>
+            <a:r>
+              <a:rPr lang="en-GB" dirty="0">
+                <a:solidFill>
+                  <a:schemeClr val="tx1">
+                    <a:lumMod val="75000"/>
+                    <a:lumOff val="25000"/>
+                  </a:schemeClr>
+                </a:solidFill>
+              </a:rPr>
+              <a:t>SWIFT (First Party Cookie)</a:t>
+            </a:r>
+          </a:p>
+        </p:txBody>
+      </p:sp>
+      <p:sp>
+        <p:nvSpPr>
+          <p:cNvPr id="14" name="Rectangle 13">
+            <a:extLst>
+              <a:ext uri="{FF2B5EF4-FFF2-40B4-BE49-F238E27FC236}">
+                <a16:creationId xmlns:a16="http://schemas.microsoft.com/office/drawing/2014/main" id="{D2D061C4-3DB2-4F21-AFE8-D9BC787FA10A}"/>
+              </a:ext>
+            </a:extLst>
+          </p:cNvPr>
+          <p:cNvSpPr/>
+          <p:nvPr/>
+        </p:nvSpPr>
+        <p:spPr>
+          <a:xfrm>
+            <a:off x="6587381" y="3704712"/>
+            <a:ext cx="2019734" cy="542401"/>
+          </a:xfrm>
+          <a:prstGeom prst="rect">
+            <a:avLst/>
+          </a:prstGeom>
+          <a:solidFill>
+            <a:schemeClr val="accent2">
+              <a:lumMod val="60000"/>
+              <a:lumOff val="40000"/>
+              <a:alpha val="50000"/>
+            </a:schemeClr>
+          </a:solidFill>
+          <a:ln>
+            <a:solidFill>
+              <a:schemeClr val="bg2">
+                <a:lumMod val="50000"/>
+              </a:schemeClr>
+            </a:solidFill>
+          </a:ln>
+        </p:spPr>
+        <p:style>
+          <a:lnRef idx="2">
+            <a:schemeClr val="accent1">
+              <a:shade val="50000"/>
+            </a:schemeClr>
+          </a:lnRef>
+          <a:fillRef idx="1">
+            <a:schemeClr val="accent1"/>
+          </a:fillRef>
+          <a:effectRef idx="0">
+            <a:schemeClr val="accent1"/>
+          </a:effectRef>
+          <a:fontRef idx="minor">
+            <a:schemeClr val="lt1"/>
+          </a:fontRef>
+        </p:style>
+        <p:txBody>
+          <a:bodyPr lIns="46800" rIns="46800" rtlCol="0" anchor="ctr"/>
+          <a:lstStyle>
+            <a:defPPr>
+              <a:defRPr lang="en-US"/>
+            </a:defPPr>
+            <a:lvl1pPr marL="0" algn="l" defTabSz="914400" rtl="0" eaLnBrk="1" latinLnBrk="0" hangingPunct="1">
+              <a:defRPr sz="1800" kern="1200">
+                <a:solidFill>
+                  <a:schemeClr val="lt1"/>
+                </a:solidFill>
+                <a:latin typeface="+mn-lt"/>
+                <a:ea typeface="+mn-ea"/>
+                <a:cs typeface="+mn-cs"/>
+              </a:defRPr>
+            </a:lvl1pPr>
+            <a:lvl2pPr marL="457200" algn="l" defTabSz="914400" rtl="0" eaLnBrk="1" latinLnBrk="0" hangingPunct="1">
+              <a:defRPr sz="1800" kern="1200">
+                <a:solidFill>
+                  <a:schemeClr val="lt1"/>
+                </a:solidFill>
+                <a:latin typeface="+mn-lt"/>
+                <a:ea typeface="+mn-ea"/>
+                <a:cs typeface="+mn-cs"/>
+              </a:defRPr>
+            </a:lvl2pPr>
+            <a:lvl3pPr marL="914400" algn="l" defTabSz="914400" rtl="0" eaLnBrk="1" latinLnBrk="0" hangingPunct="1">
+              <a:defRPr sz="1800" kern="1200">
+                <a:solidFill>
+                  <a:schemeClr val="lt1"/>
+                </a:solidFill>
+                <a:latin typeface="+mn-lt"/>
+                <a:ea typeface="+mn-ea"/>
+                <a:cs typeface="+mn-cs"/>
+              </a:defRPr>
+            </a:lvl3pPr>
+            <a:lvl4pPr marL="1371600" algn="l" defTabSz="914400" rtl="0" eaLnBrk="1" latinLnBrk="0" hangingPunct="1">
+              <a:defRPr sz="1800" kern="1200">
+                <a:solidFill>
+                  <a:schemeClr val="lt1"/>
+                </a:solidFill>
+                <a:latin typeface="+mn-lt"/>
+                <a:ea typeface="+mn-ea"/>
+                <a:cs typeface="+mn-cs"/>
+              </a:defRPr>
+            </a:lvl4pPr>
+            <a:lvl5pPr marL="1828800" algn="l" defTabSz="914400" rtl="0" eaLnBrk="1" latinLnBrk="0" hangingPunct="1">
+              <a:defRPr sz="1800" kern="1200">
+                <a:solidFill>
+                  <a:schemeClr val="lt1"/>
+                </a:solidFill>
+                <a:latin typeface="+mn-lt"/>
+                <a:ea typeface="+mn-ea"/>
+                <a:cs typeface="+mn-cs"/>
+              </a:defRPr>
+            </a:lvl5pPr>
+            <a:lvl6pPr marL="2286000" algn="l" defTabSz="914400" rtl="0" eaLnBrk="1" latinLnBrk="0" hangingPunct="1">
+              <a:defRPr sz="1800" kern="1200">
+                <a:solidFill>
+                  <a:schemeClr val="lt1"/>
+                </a:solidFill>
+                <a:latin typeface="+mn-lt"/>
+                <a:ea typeface="+mn-ea"/>
+                <a:cs typeface="+mn-cs"/>
+              </a:defRPr>
+            </a:lvl6pPr>
+            <a:lvl7pPr marL="2743200" algn="l" defTabSz="914400" rtl="0" eaLnBrk="1" latinLnBrk="0" hangingPunct="1">
+              <a:defRPr sz="1800" kern="1200">
+                <a:solidFill>
+                  <a:schemeClr val="lt1"/>
+                </a:solidFill>
+                <a:latin typeface="+mn-lt"/>
+                <a:ea typeface="+mn-ea"/>
+                <a:cs typeface="+mn-cs"/>
+              </a:defRPr>
+            </a:lvl7pPr>
+            <a:lvl8pPr marL="3200400" algn="l" defTabSz="914400" rtl="0" eaLnBrk="1" latinLnBrk="0" hangingPunct="1">
+              <a:defRPr sz="1800" kern="1200">
+                <a:solidFill>
+                  <a:schemeClr val="lt1"/>
+                </a:solidFill>
+                <a:latin typeface="+mn-lt"/>
+                <a:ea typeface="+mn-ea"/>
+                <a:cs typeface="+mn-cs"/>
+              </a:defRPr>
+            </a:lvl8pPr>
+            <a:lvl9pPr marL="3657600" algn="l" defTabSz="914400" rtl="0" eaLnBrk="1" latinLnBrk="0" hangingPunct="1">
+              <a:defRPr sz="1800" kern="1200">
+                <a:solidFill>
+                  <a:schemeClr val="lt1"/>
+                </a:solidFill>
+                <a:latin typeface="+mn-lt"/>
+                <a:ea typeface="+mn-ea"/>
+                <a:cs typeface="+mn-cs"/>
+              </a:defRPr>
+            </a:lvl9pPr>
+          </a:lstStyle>
+          <a:p>
+            <a:pPr algn="ctr"/>
+            <a:r>
+              <a:rPr lang="en-GB" dirty="0">
+                <a:solidFill>
+                  <a:schemeClr val="tx1">
+                    <a:lumMod val="75000"/>
+                    <a:lumOff val="25000"/>
+                  </a:schemeClr>
+                </a:solidFill>
+              </a:rPr>
+              <a:t>New cross domain browser state</a:t>
+            </a:r>
+          </a:p>
+        </p:txBody>
+      </p:sp>
+      <p:sp>
+        <p:nvSpPr>
+          <p:cNvPr id="15" name="TextBox 23">
+            <a:extLst>
+              <a:ext uri="{FF2B5EF4-FFF2-40B4-BE49-F238E27FC236}">
+                <a16:creationId xmlns:a16="http://schemas.microsoft.com/office/drawing/2014/main" id="{14A51C99-EEA2-4438-98B2-8BDBFD1A92C6}"/>
+              </a:ext>
+            </a:extLst>
+          </p:cNvPr>
+          <p:cNvSpPr txBox="1"/>
+          <p:nvPr/>
+        </p:nvSpPr>
+        <p:spPr>
+          <a:xfrm>
+            <a:off x="6595498" y="4356722"/>
+            <a:ext cx="2011617" cy="369332"/>
+          </a:xfrm>
+          <a:prstGeom prst="rect">
+            <a:avLst/>
+          </a:prstGeom>
+          <a:noFill/>
+        </p:spPr>
+        <p:txBody>
+          <a:bodyPr wrap="square" rtlCol="0">
+            <a:spAutoFit/>
+          </a:bodyPr>
+          <a:lstStyle>
+            <a:defPPr>
+              <a:defRPr lang="en-US"/>
+            </a:defPPr>
+            <a:lvl1pPr marL="0" algn="l" defTabSz="914400" rtl="0" eaLnBrk="1" latinLnBrk="0" hangingPunct="1">
+              <a:defRPr sz="1800" kern="1200">
+                <a:solidFill>
+                  <a:schemeClr val="tx1"/>
+                </a:solidFill>
+                <a:latin typeface="+mn-lt"/>
+                <a:ea typeface="+mn-ea"/>
+                <a:cs typeface="+mn-cs"/>
+              </a:defRPr>
+            </a:lvl1pPr>
+            <a:lvl2pPr marL="457200" algn="l" defTabSz="914400" rtl="0" eaLnBrk="1" latinLnBrk="0" hangingPunct="1">
+              <a:defRPr sz="1800" kern="1200">
+                <a:solidFill>
+                  <a:schemeClr val="tx1"/>
+                </a:solidFill>
+                <a:latin typeface="+mn-lt"/>
+                <a:ea typeface="+mn-ea"/>
+                <a:cs typeface="+mn-cs"/>
+              </a:defRPr>
+            </a:lvl2pPr>
+            <a:lvl3pPr marL="914400" algn="l" defTabSz="914400" rtl="0" eaLnBrk="1" latinLnBrk="0" hangingPunct="1">
+              <a:defRPr sz="1800" kern="1200">
+                <a:solidFill>
+                  <a:schemeClr val="tx1"/>
+                </a:solidFill>
+                <a:latin typeface="+mn-lt"/>
+                <a:ea typeface="+mn-ea"/>
+                <a:cs typeface="+mn-cs"/>
+              </a:defRPr>
+            </a:lvl3pPr>
+            <a:lvl4pPr marL="1371600" algn="l" defTabSz="914400" rtl="0" eaLnBrk="1" latinLnBrk="0" hangingPunct="1">
+              <a:defRPr sz="1800" kern="1200">
+                <a:solidFill>
+                  <a:schemeClr val="tx1"/>
+                </a:solidFill>
+                <a:latin typeface="+mn-lt"/>
+                <a:ea typeface="+mn-ea"/>
+                <a:cs typeface="+mn-cs"/>
+              </a:defRPr>
+            </a:lvl4pPr>
+            <a:lvl5pPr marL="1828800" algn="l" defTabSz="914400" rtl="0" eaLnBrk="1" latinLnBrk="0" hangingPunct="1">
+              <a:defRPr sz="1800" kern="1200">
+                <a:solidFill>
+                  <a:schemeClr val="tx1"/>
+                </a:solidFill>
+                <a:latin typeface="+mn-lt"/>
+                <a:ea typeface="+mn-ea"/>
+                <a:cs typeface="+mn-cs"/>
+              </a:defRPr>
+            </a:lvl5pPr>
+            <a:lvl6pPr marL="2286000" algn="l" defTabSz="914400" rtl="0" eaLnBrk="1" latinLnBrk="0" hangingPunct="1">
+              <a:defRPr sz="1800" kern="1200">
+                <a:solidFill>
+                  <a:schemeClr val="tx1"/>
+                </a:solidFill>
+                <a:latin typeface="+mn-lt"/>
+                <a:ea typeface="+mn-ea"/>
+                <a:cs typeface="+mn-cs"/>
+              </a:defRPr>
+            </a:lvl6pPr>
+            <a:lvl7pPr marL="2743200" algn="l" defTabSz="914400" rtl="0" eaLnBrk="1" latinLnBrk="0" hangingPunct="1">
+              <a:defRPr sz="1800" kern="1200">
+                <a:solidFill>
+                  <a:schemeClr val="tx1"/>
+                </a:solidFill>
+                <a:latin typeface="+mn-lt"/>
+                <a:ea typeface="+mn-ea"/>
+                <a:cs typeface="+mn-cs"/>
+              </a:defRPr>
+            </a:lvl7pPr>
+            <a:lvl8pPr marL="3200400" algn="l" defTabSz="914400" rtl="0" eaLnBrk="1" latinLnBrk="0" hangingPunct="1">
+              <a:defRPr sz="1800" kern="1200">
+                <a:solidFill>
+                  <a:schemeClr val="tx1"/>
+                </a:solidFill>
+                <a:latin typeface="+mn-lt"/>
+                <a:ea typeface="+mn-ea"/>
+                <a:cs typeface="+mn-cs"/>
+              </a:defRPr>
+            </a:lvl8pPr>
+            <a:lvl9pPr marL="3657600" algn="l" defTabSz="914400" rtl="0" eaLnBrk="1" latinLnBrk="0" hangingPunct="1">
+              <a:defRPr sz="1800" kern="1200">
+                <a:solidFill>
+                  <a:schemeClr val="tx1"/>
+                </a:solidFill>
+                <a:latin typeface="+mn-lt"/>
+                <a:ea typeface="+mn-ea"/>
+                <a:cs typeface="+mn-cs"/>
+              </a:defRPr>
+            </a:lvl9pPr>
+          </a:lstStyle>
+          <a:p>
+            <a:pPr algn="ctr"/>
+            <a:r>
+              <a:rPr lang="en-GB" dirty="0"/>
+              <a:t>Storage Options</a:t>
+            </a:r>
+          </a:p>
+        </p:txBody>
+      </p:sp>
+      <p:sp>
+        <p:nvSpPr>
+          <p:cNvPr id="16" name="Rectangle 15">
+            <a:extLst>
+              <a:ext uri="{FF2B5EF4-FFF2-40B4-BE49-F238E27FC236}">
+                <a16:creationId xmlns:a16="http://schemas.microsoft.com/office/drawing/2014/main" id="{F5113E24-CAD2-427F-A59F-392F87333AAB}"/>
+              </a:ext>
+            </a:extLst>
+          </p:cNvPr>
+          <p:cNvSpPr/>
+          <p:nvPr/>
+        </p:nvSpPr>
+        <p:spPr>
+          <a:xfrm>
+            <a:off x="6579264" y="2887966"/>
+            <a:ext cx="2019734" cy="542401"/>
+          </a:xfrm>
+          <a:prstGeom prst="rect">
+            <a:avLst/>
+          </a:prstGeom>
+          <a:solidFill>
+            <a:schemeClr val="accent2">
+              <a:lumMod val="60000"/>
+              <a:lumOff val="40000"/>
+              <a:alpha val="50000"/>
+            </a:schemeClr>
+          </a:solidFill>
+          <a:ln>
+            <a:solidFill>
+              <a:schemeClr val="bg2">
+                <a:lumMod val="50000"/>
+              </a:schemeClr>
+            </a:solidFill>
+          </a:ln>
+        </p:spPr>
+        <p:style>
+          <a:lnRef idx="2">
+            <a:schemeClr val="accent1">
+              <a:shade val="50000"/>
+            </a:schemeClr>
+          </a:lnRef>
+          <a:fillRef idx="1">
+            <a:schemeClr val="accent1"/>
+          </a:fillRef>
+          <a:effectRef idx="0">
+            <a:schemeClr val="accent1"/>
+          </a:effectRef>
+          <a:fontRef idx="minor">
+            <a:schemeClr val="lt1"/>
+          </a:fontRef>
+        </p:style>
+        <p:txBody>
+          <a:bodyPr lIns="46800" rIns="46800" rtlCol="0" anchor="ctr"/>
+          <a:lstStyle>
+            <a:defPPr>
+              <a:defRPr lang="en-US"/>
+            </a:defPPr>
+            <a:lvl1pPr marL="0" algn="l" defTabSz="914400" rtl="0" eaLnBrk="1" latinLnBrk="0" hangingPunct="1">
+              <a:defRPr sz="1800" kern="1200">
+                <a:solidFill>
+                  <a:schemeClr val="lt1"/>
+                </a:solidFill>
+                <a:latin typeface="+mn-lt"/>
+                <a:ea typeface="+mn-ea"/>
+                <a:cs typeface="+mn-cs"/>
+              </a:defRPr>
+            </a:lvl1pPr>
+            <a:lvl2pPr marL="457200" algn="l" defTabSz="914400" rtl="0" eaLnBrk="1" latinLnBrk="0" hangingPunct="1">
+              <a:defRPr sz="1800" kern="1200">
+                <a:solidFill>
+                  <a:schemeClr val="lt1"/>
+                </a:solidFill>
+                <a:latin typeface="+mn-lt"/>
+                <a:ea typeface="+mn-ea"/>
+                <a:cs typeface="+mn-cs"/>
+              </a:defRPr>
+            </a:lvl2pPr>
+            <a:lvl3pPr marL="914400" algn="l" defTabSz="914400" rtl="0" eaLnBrk="1" latinLnBrk="0" hangingPunct="1">
+              <a:defRPr sz="1800" kern="1200">
+                <a:solidFill>
+                  <a:schemeClr val="lt1"/>
+                </a:solidFill>
+                <a:latin typeface="+mn-lt"/>
+                <a:ea typeface="+mn-ea"/>
+                <a:cs typeface="+mn-cs"/>
+              </a:defRPr>
+            </a:lvl3pPr>
+            <a:lvl4pPr marL="1371600" algn="l" defTabSz="914400" rtl="0" eaLnBrk="1" latinLnBrk="0" hangingPunct="1">
+              <a:defRPr sz="1800" kern="1200">
+                <a:solidFill>
+                  <a:schemeClr val="lt1"/>
+                </a:solidFill>
+                <a:latin typeface="+mn-lt"/>
+                <a:ea typeface="+mn-ea"/>
+                <a:cs typeface="+mn-cs"/>
+              </a:defRPr>
+            </a:lvl4pPr>
+            <a:lvl5pPr marL="1828800" algn="l" defTabSz="914400" rtl="0" eaLnBrk="1" latinLnBrk="0" hangingPunct="1">
+              <a:defRPr sz="1800" kern="1200">
+                <a:solidFill>
+                  <a:schemeClr val="lt1"/>
+                </a:solidFill>
+                <a:latin typeface="+mn-lt"/>
+                <a:ea typeface="+mn-ea"/>
+                <a:cs typeface="+mn-cs"/>
+              </a:defRPr>
+            </a:lvl5pPr>
+            <a:lvl6pPr marL="2286000" algn="l" defTabSz="914400" rtl="0" eaLnBrk="1" latinLnBrk="0" hangingPunct="1">
+              <a:defRPr sz="1800" kern="1200">
+                <a:solidFill>
+                  <a:schemeClr val="lt1"/>
+                </a:solidFill>
+                <a:latin typeface="+mn-lt"/>
+                <a:ea typeface="+mn-ea"/>
+                <a:cs typeface="+mn-cs"/>
+              </a:defRPr>
+            </a:lvl6pPr>
+            <a:lvl7pPr marL="2743200" algn="l" defTabSz="914400" rtl="0" eaLnBrk="1" latinLnBrk="0" hangingPunct="1">
+              <a:defRPr sz="1800" kern="1200">
+                <a:solidFill>
+                  <a:schemeClr val="lt1"/>
+                </a:solidFill>
+                <a:latin typeface="+mn-lt"/>
+                <a:ea typeface="+mn-ea"/>
+                <a:cs typeface="+mn-cs"/>
+              </a:defRPr>
+            </a:lvl7pPr>
+            <a:lvl8pPr marL="3200400" algn="l" defTabSz="914400" rtl="0" eaLnBrk="1" latinLnBrk="0" hangingPunct="1">
+              <a:defRPr sz="1800" kern="1200">
+                <a:solidFill>
+                  <a:schemeClr val="lt1"/>
+                </a:solidFill>
+                <a:latin typeface="+mn-lt"/>
+                <a:ea typeface="+mn-ea"/>
+                <a:cs typeface="+mn-cs"/>
+              </a:defRPr>
+            </a:lvl8pPr>
+            <a:lvl9pPr marL="3657600" algn="l" defTabSz="914400" rtl="0" eaLnBrk="1" latinLnBrk="0" hangingPunct="1">
+              <a:defRPr sz="1800" kern="1200">
+                <a:solidFill>
+                  <a:schemeClr val="lt1"/>
+                </a:solidFill>
+                <a:latin typeface="+mn-lt"/>
+                <a:ea typeface="+mn-ea"/>
+                <a:cs typeface="+mn-cs"/>
+              </a:defRPr>
+            </a:lvl9pPr>
+          </a:lstStyle>
+          <a:p>
+            <a:pPr algn="ctr"/>
+            <a:r>
+              <a:rPr lang="en-GB" dirty="0">
+                <a:solidFill>
+                  <a:schemeClr val="tx1">
+                    <a:lumMod val="75000"/>
+                    <a:lumOff val="25000"/>
+                  </a:schemeClr>
+                </a:solidFill>
+              </a:rPr>
+              <a:t>Third Party Cookie</a:t>
+            </a:r>
+          </a:p>
+        </p:txBody>
+      </p:sp>
+    </p:spTree>
+    <p:extLst>
+      <p:ext uri="{BB962C8B-B14F-4D97-AF65-F5344CB8AC3E}">
+        <p14:creationId xmlns:p14="http://schemas.microsoft.com/office/powerpoint/2010/main" val="810362669"/>
       </p:ext>
     </p:extLst>
   </p:cSld>
